--- a/ai-agents.pptx
+++ b/ai-agents.pptx
@@ -8,13 +8,17 @@
     <p:sldId id="266" r:id="rId2"/>
     <p:sldId id="275" r:id="rId3"/>
     <p:sldId id="267" r:id="rId4"/>
-    <p:sldId id="268" r:id="rId5"/>
-    <p:sldId id="269" r:id="rId6"/>
-    <p:sldId id="270" r:id="rId7"/>
-    <p:sldId id="271" r:id="rId8"/>
-    <p:sldId id="272" r:id="rId9"/>
-    <p:sldId id="273" r:id="rId10"/>
-    <p:sldId id="274" r:id="rId11"/>
+    <p:sldId id="276" r:id="rId5"/>
+    <p:sldId id="277" r:id="rId6"/>
+    <p:sldId id="279" r:id="rId7"/>
+    <p:sldId id="278" r:id="rId8"/>
+    <p:sldId id="268" r:id="rId9"/>
+    <p:sldId id="269" r:id="rId10"/>
+    <p:sldId id="270" r:id="rId11"/>
+    <p:sldId id="271" r:id="rId12"/>
+    <p:sldId id="272" r:id="rId13"/>
+    <p:sldId id="273" r:id="rId14"/>
+    <p:sldId id="274" r:id="rId15"/>
   </p:sldIdLst>
   <p:sldSz cx="12192000" cy="6858000"/>
   <p:notesSz cx="6858000" cy="9144000"/>
@@ -278,7 +282,7 @@
           <a:p>
             <a:fld id="{9F984A1A-F576-403E-81D7-74E1235F9109}" type="datetimeFigureOut">
               <a:rPr lang="en-GB" smtClean="0"/>
-              <a:t>04/03/2025</a:t>
+              <a:t>07/03/2025</a:t>
             </a:fld>
             <a:endParaRPr lang="en-GB"/>
           </a:p>
@@ -478,7 +482,7 @@
           <a:p>
             <a:fld id="{9F984A1A-F576-403E-81D7-74E1235F9109}" type="datetimeFigureOut">
               <a:rPr lang="en-GB" smtClean="0"/>
-              <a:t>04/03/2025</a:t>
+              <a:t>07/03/2025</a:t>
             </a:fld>
             <a:endParaRPr lang="en-GB"/>
           </a:p>
@@ -688,7 +692,7 @@
           <a:p>
             <a:fld id="{9F984A1A-F576-403E-81D7-74E1235F9109}" type="datetimeFigureOut">
               <a:rPr lang="en-GB" smtClean="0"/>
-              <a:t>04/03/2025</a:t>
+              <a:t>07/03/2025</a:t>
             </a:fld>
             <a:endParaRPr lang="en-GB"/>
           </a:p>
@@ -888,7 +892,7 @@
           <a:p>
             <a:fld id="{9F984A1A-F576-403E-81D7-74E1235F9109}" type="datetimeFigureOut">
               <a:rPr lang="en-GB" smtClean="0"/>
-              <a:t>04/03/2025</a:t>
+              <a:t>07/03/2025</a:t>
             </a:fld>
             <a:endParaRPr lang="en-GB"/>
           </a:p>
@@ -1164,7 +1168,7 @@
           <a:p>
             <a:fld id="{9F984A1A-F576-403E-81D7-74E1235F9109}" type="datetimeFigureOut">
               <a:rPr lang="en-GB" smtClean="0"/>
-              <a:t>04/03/2025</a:t>
+              <a:t>07/03/2025</a:t>
             </a:fld>
             <a:endParaRPr lang="en-GB"/>
           </a:p>
@@ -1432,7 +1436,7 @@
           <a:p>
             <a:fld id="{9F984A1A-F576-403E-81D7-74E1235F9109}" type="datetimeFigureOut">
               <a:rPr lang="en-GB" smtClean="0"/>
-              <a:t>04/03/2025</a:t>
+              <a:t>07/03/2025</a:t>
             </a:fld>
             <a:endParaRPr lang="en-GB"/>
           </a:p>
@@ -1847,7 +1851,7 @@
           <a:p>
             <a:fld id="{9F984A1A-F576-403E-81D7-74E1235F9109}" type="datetimeFigureOut">
               <a:rPr lang="en-GB" smtClean="0"/>
-              <a:t>04/03/2025</a:t>
+              <a:t>07/03/2025</a:t>
             </a:fld>
             <a:endParaRPr lang="en-GB"/>
           </a:p>
@@ -1989,7 +1993,7 @@
           <a:p>
             <a:fld id="{9F984A1A-F576-403E-81D7-74E1235F9109}" type="datetimeFigureOut">
               <a:rPr lang="en-GB" smtClean="0"/>
-              <a:t>04/03/2025</a:t>
+              <a:t>07/03/2025</a:t>
             </a:fld>
             <a:endParaRPr lang="en-GB"/>
           </a:p>
@@ -2102,7 +2106,7 @@
           <a:p>
             <a:fld id="{9F984A1A-F576-403E-81D7-74E1235F9109}" type="datetimeFigureOut">
               <a:rPr lang="en-GB" smtClean="0"/>
-              <a:t>04/03/2025</a:t>
+              <a:t>07/03/2025</a:t>
             </a:fld>
             <a:endParaRPr lang="en-GB"/>
           </a:p>
@@ -2415,7 +2419,7 @@
           <a:p>
             <a:fld id="{9F984A1A-F576-403E-81D7-74E1235F9109}" type="datetimeFigureOut">
               <a:rPr lang="en-GB" smtClean="0"/>
-              <a:t>04/03/2025</a:t>
+              <a:t>07/03/2025</a:t>
             </a:fld>
             <a:endParaRPr lang="en-GB"/>
           </a:p>
@@ -2704,7 +2708,7 @@
           <a:p>
             <a:fld id="{9F984A1A-F576-403E-81D7-74E1235F9109}" type="datetimeFigureOut">
               <a:rPr lang="en-GB" smtClean="0"/>
-              <a:t>04/03/2025</a:t>
+              <a:t>07/03/2025</a:t>
             </a:fld>
             <a:endParaRPr lang="en-GB"/>
           </a:p>
@@ -2947,7 +2951,7 @@
           <a:p>
             <a:fld id="{9F984A1A-F576-403E-81D7-74E1235F9109}" type="datetimeFigureOut">
               <a:rPr lang="en-GB" smtClean="0"/>
-              <a:t>04/03/2025</a:t>
+              <a:t>07/03/2025</a:t>
             </a:fld>
             <a:endParaRPr lang="en-GB"/>
           </a:p>
@@ -3821,6 +3825,694 @@
         <p:cNvPr id="1" name="">
           <a:extLst>
             <a:ext uri="{FF2B5EF4-FFF2-40B4-BE49-F238E27FC236}">
+              <a16:creationId xmlns:a16="http://schemas.microsoft.com/office/drawing/2014/main" id="{8522070B-B373-3928-ADFA-12305A25A521}"/>
+            </a:ext>
+          </a:extLst>
+        </p:cNvPr>
+        <p:cNvGrpSpPr/>
+        <p:nvPr/>
+      </p:nvGrpSpPr>
+      <p:grpSpPr>
+        <a:xfrm>
+          <a:off x="0" y="0"/>
+          <a:ext cx="0" cy="0"/>
+          <a:chOff x="0" y="0"/>
+          <a:chExt cx="0" cy="0"/>
+        </a:xfrm>
+      </p:grpSpPr>
+      <p:sp>
+        <p:nvSpPr>
+          <p:cNvPr id="2" name="Rectangle: Rounded Corners 1">
+            <a:extLst>
+              <a:ext uri="{FF2B5EF4-FFF2-40B4-BE49-F238E27FC236}">
+                <a16:creationId xmlns:a16="http://schemas.microsoft.com/office/drawing/2014/main" id="{78D2FA18-E820-EEC2-BDCF-C00FCA006B8A}"/>
+              </a:ext>
+            </a:extLst>
+          </p:cNvPr>
+          <p:cNvSpPr/>
+          <p:nvPr/>
+        </p:nvSpPr>
+        <p:spPr>
+          <a:xfrm>
+            <a:off x="923113" y="445889"/>
+            <a:ext cx="10345774" cy="801384"/>
+          </a:xfrm>
+          <a:prstGeom prst="roundRect">
+            <a:avLst/>
+          </a:prstGeom>
+        </p:spPr>
+        <p:style>
+          <a:lnRef idx="2">
+            <a:schemeClr val="accent2">
+              <a:shade val="15000"/>
+            </a:schemeClr>
+          </a:lnRef>
+          <a:fillRef idx="1">
+            <a:schemeClr val="accent2"/>
+          </a:fillRef>
+          <a:effectRef idx="0">
+            <a:schemeClr val="accent2"/>
+          </a:effectRef>
+          <a:fontRef idx="minor">
+            <a:schemeClr val="lt1"/>
+          </a:fontRef>
+        </p:style>
+        <p:txBody>
+          <a:bodyPr rtlCol="0" anchor="ctr"/>
+          <a:lstStyle/>
+          <a:p>
+            <a:pPr algn="ctr"/>
+            <a:r>
+              <a:rPr lang="en-GB" sz="5400" b="1" dirty="0"/>
+              <a:t>02 KEY TAKEWAYS</a:t>
+            </a:r>
+          </a:p>
+        </p:txBody>
+      </p:sp>
+      <p:sp>
+        <p:nvSpPr>
+          <p:cNvPr id="9" name="Rectangle: Rounded Corners 8">
+            <a:extLst>
+              <a:ext uri="{FF2B5EF4-FFF2-40B4-BE49-F238E27FC236}">
+                <a16:creationId xmlns:a16="http://schemas.microsoft.com/office/drawing/2014/main" id="{C523AF75-2517-8022-B4AC-B2E7A7A75430}"/>
+              </a:ext>
+            </a:extLst>
+          </p:cNvPr>
+          <p:cNvSpPr/>
+          <p:nvPr/>
+        </p:nvSpPr>
+        <p:spPr>
+          <a:xfrm>
+            <a:off x="923112" y="1417314"/>
+            <a:ext cx="10345773" cy="4994797"/>
+          </a:xfrm>
+          <a:prstGeom prst="roundRect">
+            <a:avLst/>
+          </a:prstGeom>
+        </p:spPr>
+        <p:style>
+          <a:lnRef idx="2">
+            <a:schemeClr val="accent2">
+              <a:shade val="15000"/>
+            </a:schemeClr>
+          </a:lnRef>
+          <a:fillRef idx="1">
+            <a:schemeClr val="accent2"/>
+          </a:fillRef>
+          <a:effectRef idx="0">
+            <a:schemeClr val="accent2"/>
+          </a:effectRef>
+          <a:fontRef idx="minor">
+            <a:schemeClr val="lt1"/>
+          </a:fontRef>
+        </p:style>
+        <p:txBody>
+          <a:bodyPr rtlCol="0" anchor="ctr"/>
+          <a:lstStyle/>
+          <a:p>
+            <a:r>
+              <a:rPr lang="en-GB" sz="2800" b="1" dirty="0"/>
+              <a:t>   </a:t>
+            </a:r>
+          </a:p>
+          <a:p>
+            <a:r>
+              <a:rPr lang="en-GB" sz="2800" b="1" dirty="0"/>
+              <a:t>   # 1 We can add instructions using Natural Language so that it performs operations.</a:t>
+            </a:r>
+          </a:p>
+          <a:p>
+            <a:endParaRPr lang="en-GB" sz="2800" b="1" dirty="0"/>
+          </a:p>
+          <a:p>
+            <a:r>
+              <a:rPr lang="en-GB" sz="2800" b="1" dirty="0"/>
+              <a:t>   # 2 The more specific and clear we are the better – like creating a good Job Description/Manual.</a:t>
+            </a:r>
+          </a:p>
+          <a:p>
+            <a:endParaRPr lang="en-GB" sz="2800" b="1" dirty="0"/>
+          </a:p>
+          <a:p>
+            <a:r>
+              <a:rPr lang="en-GB" sz="2800" b="1" dirty="0"/>
+              <a:t>   # 3 We imperatively define what output format we want and using Markdown/Caps has been shown to be effective in emphasising points.</a:t>
+            </a:r>
+          </a:p>
+          <a:p>
+            <a:endParaRPr lang="en-GB" sz="2800" b="1" dirty="0"/>
+          </a:p>
+        </p:txBody>
+      </p:sp>
+    </p:spTree>
+    <p:extLst>
+      <p:ext uri="{BB962C8B-B14F-4D97-AF65-F5344CB8AC3E}">
+        <p14:creationId xmlns:p14="http://schemas.microsoft.com/office/powerpoint/2010/main" val="3369447597"/>
+      </p:ext>
+    </p:extLst>
+  </p:cSld>
+  <p:clrMapOvr>
+    <a:masterClrMapping/>
+  </p:clrMapOvr>
+</p:sld>
+</file>
+
+<file path=ppt/slides/slide11.xml><?xml version="1.0" encoding="utf-8"?>
+<p:sld xmlns:a="http://schemas.openxmlformats.org/drawingml/2006/main" xmlns:r="http://schemas.openxmlformats.org/officeDocument/2006/relationships" xmlns:p="http://schemas.openxmlformats.org/presentationml/2006/main">
+  <p:cSld>
+    <p:bg>
+      <p:bgPr>
+        <a:solidFill>
+          <a:schemeClr val="tx1">
+            <a:lumMod val="50000"/>
+            <a:lumOff val="50000"/>
+          </a:schemeClr>
+        </a:solidFill>
+        <a:effectLst/>
+      </p:bgPr>
+    </p:bg>
+    <p:spTree>
+      <p:nvGrpSpPr>
+        <p:cNvPr id="1" name="">
+          <a:extLst>
+            <a:ext uri="{FF2B5EF4-FFF2-40B4-BE49-F238E27FC236}">
+              <a16:creationId xmlns:a16="http://schemas.microsoft.com/office/drawing/2014/main" id="{BBD0FBE3-A8DD-6EC7-0E80-BC45DEB0DDE5}"/>
+            </a:ext>
+          </a:extLst>
+        </p:cNvPr>
+        <p:cNvGrpSpPr/>
+        <p:nvPr/>
+      </p:nvGrpSpPr>
+      <p:grpSpPr>
+        <a:xfrm>
+          <a:off x="0" y="0"/>
+          <a:ext cx="0" cy="0"/>
+          <a:chOff x="0" y="0"/>
+          <a:chExt cx="0" cy="0"/>
+        </a:xfrm>
+      </p:grpSpPr>
+      <p:sp>
+        <p:nvSpPr>
+          <p:cNvPr id="2" name="Rectangle: Rounded Corners 1">
+            <a:extLst>
+              <a:ext uri="{FF2B5EF4-FFF2-40B4-BE49-F238E27FC236}">
+                <a16:creationId xmlns:a16="http://schemas.microsoft.com/office/drawing/2014/main" id="{1AEE9BEF-3619-E7A0-5139-38EF50DE9E7E}"/>
+              </a:ext>
+            </a:extLst>
+          </p:cNvPr>
+          <p:cNvSpPr/>
+          <p:nvPr/>
+        </p:nvSpPr>
+        <p:spPr>
+          <a:xfrm>
+            <a:off x="923113" y="445889"/>
+            <a:ext cx="10345774" cy="801384"/>
+          </a:xfrm>
+          <a:prstGeom prst="roundRect">
+            <a:avLst/>
+          </a:prstGeom>
+        </p:spPr>
+        <p:style>
+          <a:lnRef idx="2">
+            <a:schemeClr val="accent2">
+              <a:shade val="15000"/>
+            </a:schemeClr>
+          </a:lnRef>
+          <a:fillRef idx="1">
+            <a:schemeClr val="accent2"/>
+          </a:fillRef>
+          <a:effectRef idx="0">
+            <a:schemeClr val="accent2"/>
+          </a:effectRef>
+          <a:fontRef idx="minor">
+            <a:schemeClr val="lt1"/>
+          </a:fontRef>
+        </p:style>
+        <p:txBody>
+          <a:bodyPr rtlCol="0" anchor="ctr"/>
+          <a:lstStyle/>
+          <a:p>
+            <a:pPr algn="ctr"/>
+            <a:r>
+              <a:rPr lang="en-GB" sz="5400" b="1" dirty="0"/>
+              <a:t>03 KEY TAKEWAYS</a:t>
+            </a:r>
+          </a:p>
+        </p:txBody>
+      </p:sp>
+      <p:sp>
+        <p:nvSpPr>
+          <p:cNvPr id="9" name="Rectangle: Rounded Corners 8">
+            <a:extLst>
+              <a:ext uri="{FF2B5EF4-FFF2-40B4-BE49-F238E27FC236}">
+                <a16:creationId xmlns:a16="http://schemas.microsoft.com/office/drawing/2014/main" id="{43D1CF77-E8D2-B5CD-4F25-A6687351B106}"/>
+              </a:ext>
+            </a:extLst>
+          </p:cNvPr>
+          <p:cNvSpPr/>
+          <p:nvPr/>
+        </p:nvSpPr>
+        <p:spPr>
+          <a:xfrm>
+            <a:off x="923112" y="1417314"/>
+            <a:ext cx="10345773" cy="4994797"/>
+          </a:xfrm>
+          <a:prstGeom prst="roundRect">
+            <a:avLst/>
+          </a:prstGeom>
+        </p:spPr>
+        <p:style>
+          <a:lnRef idx="2">
+            <a:schemeClr val="accent2">
+              <a:shade val="15000"/>
+            </a:schemeClr>
+          </a:lnRef>
+          <a:fillRef idx="1">
+            <a:schemeClr val="accent2"/>
+          </a:fillRef>
+          <a:effectRef idx="0">
+            <a:schemeClr val="accent2"/>
+          </a:effectRef>
+          <a:fontRef idx="minor">
+            <a:schemeClr val="lt1"/>
+          </a:fontRef>
+        </p:style>
+        <p:txBody>
+          <a:bodyPr rtlCol="0" anchor="ctr"/>
+          <a:lstStyle/>
+          <a:p>
+            <a:r>
+              <a:rPr lang="en-GB" sz="2800" b="1" dirty="0"/>
+              <a:t>   </a:t>
+            </a:r>
+          </a:p>
+          <a:p>
+            <a:r>
+              <a:rPr lang="en-GB" sz="2800" b="1" dirty="0"/>
+              <a:t>   # 1 We can add contextual data to effectively ‘fine-tune’ the LLM.</a:t>
+            </a:r>
+          </a:p>
+          <a:p>
+            <a:endParaRPr lang="en-GB" sz="2800" b="1" dirty="0"/>
+          </a:p>
+          <a:p>
+            <a:r>
+              <a:rPr lang="en-GB" sz="2800" b="1" dirty="0"/>
+              <a:t>   # 2 Our queries will then be able to answer using this added data – RAG effectively.</a:t>
+            </a:r>
+          </a:p>
+          <a:p>
+            <a:endParaRPr lang="en-GB" sz="2800" b="1" dirty="0"/>
+          </a:p>
+          <a:p>
+            <a:r>
+              <a:rPr lang="en-GB" sz="2800" b="1" dirty="0"/>
+              <a:t>   # 3 We can ‘a bit of AI’ in the form of FAQ/HELP/SEARCH using this pattern.</a:t>
+            </a:r>
+          </a:p>
+          <a:p>
+            <a:endParaRPr lang="en-GB" sz="2800" b="1" dirty="0"/>
+          </a:p>
+        </p:txBody>
+      </p:sp>
+    </p:spTree>
+    <p:extLst>
+      <p:ext uri="{BB962C8B-B14F-4D97-AF65-F5344CB8AC3E}">
+        <p14:creationId xmlns:p14="http://schemas.microsoft.com/office/powerpoint/2010/main" val="1378230741"/>
+      </p:ext>
+    </p:extLst>
+  </p:cSld>
+  <p:clrMapOvr>
+    <a:masterClrMapping/>
+  </p:clrMapOvr>
+</p:sld>
+</file>
+
+<file path=ppt/slides/slide12.xml><?xml version="1.0" encoding="utf-8"?>
+<p:sld xmlns:a="http://schemas.openxmlformats.org/drawingml/2006/main" xmlns:r="http://schemas.openxmlformats.org/officeDocument/2006/relationships" xmlns:p="http://schemas.openxmlformats.org/presentationml/2006/main">
+  <p:cSld>
+    <p:bg>
+      <p:bgPr>
+        <a:solidFill>
+          <a:schemeClr val="tx1">
+            <a:lumMod val="50000"/>
+            <a:lumOff val="50000"/>
+          </a:schemeClr>
+        </a:solidFill>
+        <a:effectLst/>
+      </p:bgPr>
+    </p:bg>
+    <p:spTree>
+      <p:nvGrpSpPr>
+        <p:cNvPr id="1" name="">
+          <a:extLst>
+            <a:ext uri="{FF2B5EF4-FFF2-40B4-BE49-F238E27FC236}">
+              <a16:creationId xmlns:a16="http://schemas.microsoft.com/office/drawing/2014/main" id="{9BF982DE-3D5D-86ED-BE11-15029EC574AE}"/>
+            </a:ext>
+          </a:extLst>
+        </p:cNvPr>
+        <p:cNvGrpSpPr/>
+        <p:nvPr/>
+      </p:nvGrpSpPr>
+      <p:grpSpPr>
+        <a:xfrm>
+          <a:off x="0" y="0"/>
+          <a:ext cx="0" cy="0"/>
+          <a:chOff x="0" y="0"/>
+          <a:chExt cx="0" cy="0"/>
+        </a:xfrm>
+      </p:grpSpPr>
+      <p:sp>
+        <p:nvSpPr>
+          <p:cNvPr id="2" name="Rectangle: Rounded Corners 1">
+            <a:extLst>
+              <a:ext uri="{FF2B5EF4-FFF2-40B4-BE49-F238E27FC236}">
+                <a16:creationId xmlns:a16="http://schemas.microsoft.com/office/drawing/2014/main" id="{E3626150-B9CD-C125-5141-9B4DCBC4E9DF}"/>
+              </a:ext>
+            </a:extLst>
+          </p:cNvPr>
+          <p:cNvSpPr/>
+          <p:nvPr/>
+        </p:nvSpPr>
+        <p:spPr>
+          <a:xfrm>
+            <a:off x="923113" y="445889"/>
+            <a:ext cx="10345774" cy="801384"/>
+          </a:xfrm>
+          <a:prstGeom prst="roundRect">
+            <a:avLst/>
+          </a:prstGeom>
+        </p:spPr>
+        <p:style>
+          <a:lnRef idx="2">
+            <a:schemeClr val="accent2">
+              <a:shade val="15000"/>
+            </a:schemeClr>
+          </a:lnRef>
+          <a:fillRef idx="1">
+            <a:schemeClr val="accent2"/>
+          </a:fillRef>
+          <a:effectRef idx="0">
+            <a:schemeClr val="accent2"/>
+          </a:effectRef>
+          <a:fontRef idx="minor">
+            <a:schemeClr val="lt1"/>
+          </a:fontRef>
+        </p:style>
+        <p:txBody>
+          <a:bodyPr rtlCol="0" anchor="ctr"/>
+          <a:lstStyle/>
+          <a:p>
+            <a:pPr algn="ctr"/>
+            <a:r>
+              <a:rPr lang="en-GB" sz="5400" b="1" dirty="0"/>
+              <a:t>04 KEY TAKEWAYS</a:t>
+            </a:r>
+          </a:p>
+        </p:txBody>
+      </p:sp>
+      <p:sp>
+        <p:nvSpPr>
+          <p:cNvPr id="9" name="Rectangle: Rounded Corners 8">
+            <a:extLst>
+              <a:ext uri="{FF2B5EF4-FFF2-40B4-BE49-F238E27FC236}">
+                <a16:creationId xmlns:a16="http://schemas.microsoft.com/office/drawing/2014/main" id="{66A5AE2B-382F-5D2E-CACE-068F5E44E7D9}"/>
+              </a:ext>
+            </a:extLst>
+          </p:cNvPr>
+          <p:cNvSpPr/>
+          <p:nvPr/>
+        </p:nvSpPr>
+        <p:spPr>
+          <a:xfrm>
+            <a:off x="923112" y="1417314"/>
+            <a:ext cx="10345773" cy="4994797"/>
+          </a:xfrm>
+          <a:prstGeom prst="roundRect">
+            <a:avLst/>
+          </a:prstGeom>
+        </p:spPr>
+        <p:style>
+          <a:lnRef idx="2">
+            <a:schemeClr val="accent2">
+              <a:shade val="15000"/>
+            </a:schemeClr>
+          </a:lnRef>
+          <a:fillRef idx="1">
+            <a:schemeClr val="accent2"/>
+          </a:fillRef>
+          <a:effectRef idx="0">
+            <a:schemeClr val="accent2"/>
+          </a:effectRef>
+          <a:fontRef idx="minor">
+            <a:schemeClr val="lt1"/>
+          </a:fontRef>
+        </p:style>
+        <p:txBody>
+          <a:bodyPr rtlCol="0" anchor="ctr"/>
+          <a:lstStyle/>
+          <a:p>
+            <a:r>
+              <a:rPr lang="en-GB" sz="2800" b="1" dirty="0"/>
+              <a:t>   </a:t>
+            </a:r>
+          </a:p>
+          <a:p>
+            <a:r>
+              <a:rPr lang="en-GB" sz="2800" b="1" dirty="0"/>
+              <a:t>   # 1 The Agent can select the most appropriate report from Natural Language from a form for example, that can </a:t>
+            </a:r>
+            <a:r>
+              <a:rPr lang="en-GB" sz="2800" b="1"/>
+              <a:t>be combined </a:t>
+            </a:r>
+            <a:r>
+              <a:rPr lang="en-GB" sz="2800" b="1" dirty="0"/>
+              <a:t>with structured input from a form like dates, format etc.</a:t>
+            </a:r>
+          </a:p>
+          <a:p>
+            <a:endParaRPr lang="en-GB" sz="2800" b="1" dirty="0"/>
+          </a:p>
+          <a:p>
+            <a:r>
+              <a:rPr lang="en-GB" sz="2800" b="1" dirty="0"/>
+              <a:t>   # 2 This is akin to an ‘if/else’ pattern  because we can code in the next step based on what is returned. </a:t>
+            </a:r>
+          </a:p>
+          <a:p>
+            <a:endParaRPr lang="en-GB" sz="2800" b="1" dirty="0"/>
+          </a:p>
+          <a:p>
+            <a:r>
+              <a:rPr lang="en-GB" sz="2800" b="1" dirty="0"/>
+              <a:t>   #3 We could pass this to another agent which can then execute instructions in it as well as determine the next step.</a:t>
+            </a:r>
+          </a:p>
+          <a:p>
+            <a:endParaRPr lang="en-GB" sz="2800" b="1" dirty="0"/>
+          </a:p>
+        </p:txBody>
+      </p:sp>
+    </p:spTree>
+    <p:extLst>
+      <p:ext uri="{BB962C8B-B14F-4D97-AF65-F5344CB8AC3E}">
+        <p14:creationId xmlns:p14="http://schemas.microsoft.com/office/powerpoint/2010/main" val="3060740445"/>
+      </p:ext>
+    </p:extLst>
+  </p:cSld>
+  <p:clrMapOvr>
+    <a:masterClrMapping/>
+  </p:clrMapOvr>
+</p:sld>
+</file>
+
+<file path=ppt/slides/slide13.xml><?xml version="1.0" encoding="utf-8"?>
+<p:sld xmlns:a="http://schemas.openxmlformats.org/drawingml/2006/main" xmlns:r="http://schemas.openxmlformats.org/officeDocument/2006/relationships" xmlns:p="http://schemas.openxmlformats.org/presentationml/2006/main">
+  <p:cSld>
+    <p:bg>
+      <p:bgPr>
+        <a:solidFill>
+          <a:schemeClr val="tx1">
+            <a:lumMod val="50000"/>
+            <a:lumOff val="50000"/>
+          </a:schemeClr>
+        </a:solidFill>
+        <a:effectLst/>
+      </p:bgPr>
+    </p:bg>
+    <p:spTree>
+      <p:nvGrpSpPr>
+        <p:cNvPr id="1" name="">
+          <a:extLst>
+            <a:ext uri="{FF2B5EF4-FFF2-40B4-BE49-F238E27FC236}">
+              <a16:creationId xmlns:a16="http://schemas.microsoft.com/office/drawing/2014/main" id="{46C894D9-191B-4FDF-BC64-C5BF79E58676}"/>
+            </a:ext>
+          </a:extLst>
+        </p:cNvPr>
+        <p:cNvGrpSpPr/>
+        <p:nvPr/>
+      </p:nvGrpSpPr>
+      <p:grpSpPr>
+        <a:xfrm>
+          <a:off x="0" y="0"/>
+          <a:ext cx="0" cy="0"/>
+          <a:chOff x="0" y="0"/>
+          <a:chExt cx="0" cy="0"/>
+        </a:xfrm>
+      </p:grpSpPr>
+      <p:sp>
+        <p:nvSpPr>
+          <p:cNvPr id="2" name="Rectangle: Rounded Corners 1">
+            <a:extLst>
+              <a:ext uri="{FF2B5EF4-FFF2-40B4-BE49-F238E27FC236}">
+                <a16:creationId xmlns:a16="http://schemas.microsoft.com/office/drawing/2014/main" id="{B7E45732-6530-EC9C-BAF4-82987432D01A}"/>
+              </a:ext>
+            </a:extLst>
+          </p:cNvPr>
+          <p:cNvSpPr/>
+          <p:nvPr/>
+        </p:nvSpPr>
+        <p:spPr>
+          <a:xfrm>
+            <a:off x="923113" y="445889"/>
+            <a:ext cx="10345774" cy="801384"/>
+          </a:xfrm>
+          <a:prstGeom prst="roundRect">
+            <a:avLst/>
+          </a:prstGeom>
+        </p:spPr>
+        <p:style>
+          <a:lnRef idx="2">
+            <a:schemeClr val="accent2">
+              <a:shade val="15000"/>
+            </a:schemeClr>
+          </a:lnRef>
+          <a:fillRef idx="1">
+            <a:schemeClr val="accent2"/>
+          </a:fillRef>
+          <a:effectRef idx="0">
+            <a:schemeClr val="accent2"/>
+          </a:effectRef>
+          <a:fontRef idx="minor">
+            <a:schemeClr val="lt1"/>
+          </a:fontRef>
+        </p:style>
+        <p:txBody>
+          <a:bodyPr rtlCol="0" anchor="ctr"/>
+          <a:lstStyle/>
+          <a:p>
+            <a:pPr algn="ctr"/>
+            <a:r>
+              <a:rPr lang="en-GB" sz="5400" b="1" dirty="0"/>
+              <a:t>05 KEY TAKEWAYS</a:t>
+            </a:r>
+          </a:p>
+        </p:txBody>
+      </p:sp>
+      <p:sp>
+        <p:nvSpPr>
+          <p:cNvPr id="9" name="Rectangle: Rounded Corners 8">
+            <a:extLst>
+              <a:ext uri="{FF2B5EF4-FFF2-40B4-BE49-F238E27FC236}">
+                <a16:creationId xmlns:a16="http://schemas.microsoft.com/office/drawing/2014/main" id="{49D0882D-5C3A-8BCE-75EE-7828508651AC}"/>
+              </a:ext>
+            </a:extLst>
+          </p:cNvPr>
+          <p:cNvSpPr/>
+          <p:nvPr/>
+        </p:nvSpPr>
+        <p:spPr>
+          <a:xfrm>
+            <a:off x="923112" y="1417314"/>
+            <a:ext cx="10345773" cy="4994797"/>
+          </a:xfrm>
+          <a:prstGeom prst="roundRect">
+            <a:avLst/>
+          </a:prstGeom>
+        </p:spPr>
+        <p:style>
+          <a:lnRef idx="2">
+            <a:schemeClr val="accent2">
+              <a:shade val="15000"/>
+            </a:schemeClr>
+          </a:lnRef>
+          <a:fillRef idx="1">
+            <a:schemeClr val="accent2"/>
+          </a:fillRef>
+          <a:effectRef idx="0">
+            <a:schemeClr val="accent2"/>
+          </a:effectRef>
+          <a:fontRef idx="minor">
+            <a:schemeClr val="lt1"/>
+          </a:fontRef>
+        </p:style>
+        <p:txBody>
+          <a:bodyPr rtlCol="0" anchor="ctr"/>
+          <a:lstStyle/>
+          <a:p>
+            <a:r>
+              <a:rPr lang="en-GB" sz="2800" b="1" dirty="0"/>
+              <a:t>   </a:t>
+            </a:r>
+          </a:p>
+          <a:p>
+            <a:r>
+              <a:rPr lang="en-GB" sz="2800" b="1" dirty="0"/>
+              <a:t>   # 1 We can get the agent to determine which tool to run by further asking it to extract the arguments and the function name. Tool is some code – function</a:t>
+            </a:r>
+            <a:r>
+              <a:rPr lang="en-GB" sz="2800" b="1"/>
+              <a:t>/class etc.</a:t>
+            </a:r>
+            <a:endParaRPr lang="en-GB" sz="2800" b="1" dirty="0"/>
+          </a:p>
+          <a:p>
+            <a:endParaRPr lang="en-GB" sz="2800" b="1" dirty="0"/>
+          </a:p>
+          <a:p>
+            <a:r>
+              <a:rPr lang="en-GB" sz="2800" b="1" dirty="0"/>
+              <a:t>   # 2 This is known as ‘tool calling’. Once the function and arguments are executed, we can pass them on to another agent or we can loop over the output until we get a specified answer, (see 20_planning).</a:t>
+            </a:r>
+          </a:p>
+          <a:p>
+            <a:endParaRPr lang="en-GB" sz="2800" b="1" dirty="0"/>
+          </a:p>
+        </p:txBody>
+      </p:sp>
+    </p:spTree>
+    <p:extLst>
+      <p:ext uri="{BB962C8B-B14F-4D97-AF65-F5344CB8AC3E}">
+        <p14:creationId xmlns:p14="http://schemas.microsoft.com/office/powerpoint/2010/main" val="3115305650"/>
+      </p:ext>
+    </p:extLst>
+  </p:cSld>
+  <p:clrMapOvr>
+    <a:masterClrMapping/>
+  </p:clrMapOvr>
+</p:sld>
+</file>
+
+<file path=ppt/slides/slide14.xml><?xml version="1.0" encoding="utf-8"?>
+<p:sld xmlns:a="http://schemas.openxmlformats.org/drawingml/2006/main" xmlns:r="http://schemas.openxmlformats.org/officeDocument/2006/relationships" xmlns:p="http://schemas.openxmlformats.org/presentationml/2006/main">
+  <p:cSld>
+    <p:bg>
+      <p:bgPr>
+        <a:solidFill>
+          <a:schemeClr val="tx1">
+            <a:lumMod val="50000"/>
+            <a:lumOff val="50000"/>
+          </a:schemeClr>
+        </a:solidFill>
+        <a:effectLst/>
+      </p:bgPr>
+    </p:bg>
+    <p:spTree>
+      <p:nvGrpSpPr>
+        <p:cNvPr id="1" name="">
+          <a:extLst>
+            <a:ext uri="{FF2B5EF4-FFF2-40B4-BE49-F238E27FC236}">
               <a16:creationId xmlns:a16="http://schemas.microsoft.com/office/drawing/2014/main" id="{710BF209-F643-2E42-DDC6-B9BC626DFEEC}"/>
             </a:ext>
           </a:extLst>
@@ -4878,6 +5570,1274 @@
         <p:cNvPr id="1" name="">
           <a:extLst>
             <a:ext uri="{FF2B5EF4-FFF2-40B4-BE49-F238E27FC236}">
+              <a16:creationId xmlns:a16="http://schemas.microsoft.com/office/drawing/2014/main" id="{A8F116EA-3393-951A-B582-0AAB9C950A7C}"/>
+            </a:ext>
+          </a:extLst>
+        </p:cNvPr>
+        <p:cNvGrpSpPr/>
+        <p:nvPr/>
+      </p:nvGrpSpPr>
+      <p:grpSpPr>
+        <a:xfrm>
+          <a:off x="0" y="0"/>
+          <a:ext cx="0" cy="0"/>
+          <a:chOff x="0" y="0"/>
+          <a:chExt cx="0" cy="0"/>
+        </a:xfrm>
+      </p:grpSpPr>
+      <p:sp>
+        <p:nvSpPr>
+          <p:cNvPr id="2" name="Rectangle: Rounded Corners 1">
+            <a:extLst>
+              <a:ext uri="{FF2B5EF4-FFF2-40B4-BE49-F238E27FC236}">
+                <a16:creationId xmlns:a16="http://schemas.microsoft.com/office/drawing/2014/main" id="{DA1D4DF8-13AB-C128-C5E2-643679B37FED}"/>
+              </a:ext>
+            </a:extLst>
+          </p:cNvPr>
+          <p:cNvSpPr/>
+          <p:nvPr/>
+        </p:nvSpPr>
+        <p:spPr>
+          <a:xfrm>
+            <a:off x="743164" y="4371648"/>
+            <a:ext cx="10346079" cy="801384"/>
+          </a:xfrm>
+          <a:prstGeom prst="roundRect">
+            <a:avLst/>
+          </a:prstGeom>
+        </p:spPr>
+        <p:style>
+          <a:lnRef idx="2">
+            <a:schemeClr val="accent2">
+              <a:shade val="15000"/>
+            </a:schemeClr>
+          </a:lnRef>
+          <a:fillRef idx="1">
+            <a:schemeClr val="accent2"/>
+          </a:fillRef>
+          <a:effectRef idx="0">
+            <a:schemeClr val="accent2"/>
+          </a:effectRef>
+          <a:fontRef idx="minor">
+            <a:schemeClr val="lt1"/>
+          </a:fontRef>
+        </p:style>
+        <p:txBody>
+          <a:bodyPr rtlCol="0" anchor="ctr"/>
+          <a:lstStyle/>
+          <a:p>
+            <a:pPr algn="ctr"/>
+            <a:r>
+              <a:rPr lang="en-GB" sz="2400" b="1" dirty="0"/>
+              <a:t>NON-AGENTIC DATA WRANGLING</a:t>
+            </a:r>
+          </a:p>
+        </p:txBody>
+      </p:sp>
+      <p:sp>
+        <p:nvSpPr>
+          <p:cNvPr id="29" name="Rectangle: Rounded Corners 28">
+            <a:extLst>
+              <a:ext uri="{FF2B5EF4-FFF2-40B4-BE49-F238E27FC236}">
+                <a16:creationId xmlns:a16="http://schemas.microsoft.com/office/drawing/2014/main" id="{00ECEC13-76F8-E395-4FBD-1CED2E476710}"/>
+              </a:ext>
+            </a:extLst>
+          </p:cNvPr>
+          <p:cNvSpPr/>
+          <p:nvPr/>
+        </p:nvSpPr>
+        <p:spPr>
+          <a:xfrm>
+            <a:off x="7203620" y="903247"/>
+            <a:ext cx="4023494" cy="801384"/>
+          </a:xfrm>
+          <a:prstGeom prst="roundRect">
+            <a:avLst/>
+          </a:prstGeom>
+        </p:spPr>
+        <p:style>
+          <a:lnRef idx="2">
+            <a:schemeClr val="accent2">
+              <a:shade val="15000"/>
+            </a:schemeClr>
+          </a:lnRef>
+          <a:fillRef idx="1">
+            <a:schemeClr val="accent2"/>
+          </a:fillRef>
+          <a:effectRef idx="0">
+            <a:schemeClr val="accent2"/>
+          </a:effectRef>
+          <a:fontRef idx="minor">
+            <a:schemeClr val="lt1"/>
+          </a:fontRef>
+        </p:style>
+        <p:txBody>
+          <a:bodyPr rtlCol="0" anchor="ctr"/>
+          <a:lstStyle/>
+          <a:p>
+            <a:pPr algn="ctr"/>
+            <a:r>
+              <a:rPr lang="en-GB" sz="2400" b="1" dirty="0"/>
+              <a:t>Structured Data</a:t>
+            </a:r>
+          </a:p>
+        </p:txBody>
+      </p:sp>
+      <p:sp>
+        <p:nvSpPr>
+          <p:cNvPr id="7" name="Rectangle: Rounded Corners 6">
+            <a:extLst>
+              <a:ext uri="{FF2B5EF4-FFF2-40B4-BE49-F238E27FC236}">
+                <a16:creationId xmlns:a16="http://schemas.microsoft.com/office/drawing/2014/main" id="{F867A14B-8EBA-6996-7169-CF92EAE56C10}"/>
+              </a:ext>
+            </a:extLst>
+          </p:cNvPr>
+          <p:cNvSpPr/>
+          <p:nvPr/>
+        </p:nvSpPr>
+        <p:spPr>
+          <a:xfrm>
+            <a:off x="895564" y="1962364"/>
+            <a:ext cx="4023493" cy="1390452"/>
+          </a:xfrm>
+          <a:prstGeom prst="roundRect">
+            <a:avLst/>
+          </a:prstGeom>
+        </p:spPr>
+        <p:style>
+          <a:lnRef idx="2">
+            <a:schemeClr val="accent2">
+              <a:shade val="15000"/>
+            </a:schemeClr>
+          </a:lnRef>
+          <a:fillRef idx="1">
+            <a:schemeClr val="accent2"/>
+          </a:fillRef>
+          <a:effectRef idx="0">
+            <a:schemeClr val="accent2"/>
+          </a:effectRef>
+          <a:fontRef idx="minor">
+            <a:schemeClr val="lt1"/>
+          </a:fontRef>
+        </p:style>
+        <p:txBody>
+          <a:bodyPr rtlCol="0" anchor="ctr"/>
+          <a:lstStyle/>
+          <a:p>
+            <a:pPr algn="ctr"/>
+            <a:r>
+              <a:rPr lang="en-GB" sz="2400" b="1" dirty="0"/>
+              <a:t>Use </a:t>
+            </a:r>
+            <a:r>
+              <a:rPr lang="en-GB" sz="2400" b="1" dirty="0" err="1"/>
+              <a:t>LLm</a:t>
+            </a:r>
+            <a:r>
+              <a:rPr lang="en-GB" sz="2400" b="1" dirty="0"/>
+              <a:t>, VLM or unstructured.io to extract data</a:t>
+            </a:r>
+          </a:p>
+        </p:txBody>
+      </p:sp>
+      <p:sp>
+        <p:nvSpPr>
+          <p:cNvPr id="8" name="Rectangle: Rounded Corners 7">
+            <a:extLst>
+              <a:ext uri="{FF2B5EF4-FFF2-40B4-BE49-F238E27FC236}">
+                <a16:creationId xmlns:a16="http://schemas.microsoft.com/office/drawing/2014/main" id="{8E55B553-D43C-1F9F-80DA-AF38DF5CA76C}"/>
+              </a:ext>
+            </a:extLst>
+          </p:cNvPr>
+          <p:cNvSpPr/>
+          <p:nvPr/>
+        </p:nvSpPr>
+        <p:spPr>
+          <a:xfrm>
+            <a:off x="895564" y="903247"/>
+            <a:ext cx="4023493" cy="801384"/>
+          </a:xfrm>
+          <a:prstGeom prst="roundRect">
+            <a:avLst/>
+          </a:prstGeom>
+        </p:spPr>
+        <p:style>
+          <a:lnRef idx="2">
+            <a:schemeClr val="accent2">
+              <a:shade val="15000"/>
+            </a:schemeClr>
+          </a:lnRef>
+          <a:fillRef idx="1">
+            <a:schemeClr val="accent2"/>
+          </a:fillRef>
+          <a:effectRef idx="0">
+            <a:schemeClr val="accent2"/>
+          </a:effectRef>
+          <a:fontRef idx="minor">
+            <a:schemeClr val="lt1"/>
+          </a:fontRef>
+        </p:style>
+        <p:txBody>
+          <a:bodyPr rtlCol="0" anchor="ctr"/>
+          <a:lstStyle/>
+          <a:p>
+            <a:pPr algn="ctr"/>
+            <a:r>
+              <a:rPr lang="en-GB" sz="2400" b="1" dirty="0"/>
+              <a:t>Unstructured Data</a:t>
+            </a:r>
+          </a:p>
+        </p:txBody>
+      </p:sp>
+      <p:sp>
+        <p:nvSpPr>
+          <p:cNvPr id="9" name="Rectangle: Rounded Corners 8">
+            <a:extLst>
+              <a:ext uri="{FF2B5EF4-FFF2-40B4-BE49-F238E27FC236}">
+                <a16:creationId xmlns:a16="http://schemas.microsoft.com/office/drawing/2014/main" id="{E8E69BD3-D67C-793C-4B6D-8F2B063F5269}"/>
+              </a:ext>
+            </a:extLst>
+          </p:cNvPr>
+          <p:cNvSpPr/>
+          <p:nvPr/>
+        </p:nvSpPr>
+        <p:spPr>
+          <a:xfrm>
+            <a:off x="743164" y="5491552"/>
+            <a:ext cx="10346079" cy="801384"/>
+          </a:xfrm>
+          <a:prstGeom prst="roundRect">
+            <a:avLst/>
+          </a:prstGeom>
+        </p:spPr>
+        <p:style>
+          <a:lnRef idx="2">
+            <a:schemeClr val="accent2">
+              <a:shade val="15000"/>
+            </a:schemeClr>
+          </a:lnRef>
+          <a:fillRef idx="1">
+            <a:schemeClr val="accent2"/>
+          </a:fillRef>
+          <a:effectRef idx="0">
+            <a:schemeClr val="accent2"/>
+          </a:effectRef>
+          <a:fontRef idx="minor">
+            <a:schemeClr val="lt1"/>
+          </a:fontRef>
+        </p:style>
+        <p:txBody>
+          <a:bodyPr rtlCol="0" anchor="ctr"/>
+          <a:lstStyle/>
+          <a:p>
+            <a:pPr algn="ctr"/>
+            <a:r>
+              <a:rPr lang="en-GB" sz="2400" b="1" dirty="0"/>
+              <a:t>LOAD INTO DB</a:t>
+            </a:r>
+          </a:p>
+        </p:txBody>
+      </p:sp>
+      <p:sp>
+        <p:nvSpPr>
+          <p:cNvPr id="10" name="Arrow: Down 9">
+            <a:extLst>
+              <a:ext uri="{FF2B5EF4-FFF2-40B4-BE49-F238E27FC236}">
+                <a16:creationId xmlns:a16="http://schemas.microsoft.com/office/drawing/2014/main" id="{764CA066-3608-81A0-31BA-6FF3A3324F18}"/>
+              </a:ext>
+            </a:extLst>
+          </p:cNvPr>
+          <p:cNvSpPr/>
+          <p:nvPr/>
+        </p:nvSpPr>
+        <p:spPr>
+          <a:xfrm>
+            <a:off x="2655592" y="3505184"/>
+            <a:ext cx="503434" cy="801384"/>
+          </a:xfrm>
+          <a:prstGeom prst="downArrow">
+            <a:avLst/>
+          </a:prstGeom>
+          <a:solidFill>
+            <a:srgbClr val="FFC000"/>
+          </a:solidFill>
+        </p:spPr>
+        <p:style>
+          <a:lnRef idx="2">
+            <a:schemeClr val="accent1">
+              <a:shade val="15000"/>
+            </a:schemeClr>
+          </a:lnRef>
+          <a:fillRef idx="1">
+            <a:schemeClr val="accent1"/>
+          </a:fillRef>
+          <a:effectRef idx="0">
+            <a:schemeClr val="accent1"/>
+          </a:effectRef>
+          <a:fontRef idx="minor">
+            <a:schemeClr val="lt1"/>
+          </a:fontRef>
+        </p:style>
+        <p:txBody>
+          <a:bodyPr rtlCol="0" anchor="ctr"/>
+          <a:lstStyle/>
+          <a:p>
+            <a:pPr algn="ctr"/>
+            <a:endParaRPr lang="en-GB"/>
+          </a:p>
+        </p:txBody>
+      </p:sp>
+      <p:sp>
+        <p:nvSpPr>
+          <p:cNvPr id="11" name="Arrow: Down 10">
+            <a:extLst>
+              <a:ext uri="{FF2B5EF4-FFF2-40B4-BE49-F238E27FC236}">
+                <a16:creationId xmlns:a16="http://schemas.microsoft.com/office/drawing/2014/main" id="{26184E7A-4CDB-BE64-0031-912C23BC655F}"/>
+              </a:ext>
+            </a:extLst>
+          </p:cNvPr>
+          <p:cNvSpPr/>
+          <p:nvPr/>
+        </p:nvSpPr>
+        <p:spPr>
+          <a:xfrm>
+            <a:off x="8711933" y="1890445"/>
+            <a:ext cx="503434" cy="2373330"/>
+          </a:xfrm>
+          <a:prstGeom prst="downArrow">
+            <a:avLst/>
+          </a:prstGeom>
+          <a:solidFill>
+            <a:srgbClr val="FFC000"/>
+          </a:solidFill>
+        </p:spPr>
+        <p:style>
+          <a:lnRef idx="2">
+            <a:schemeClr val="accent1">
+              <a:shade val="15000"/>
+            </a:schemeClr>
+          </a:lnRef>
+          <a:fillRef idx="1">
+            <a:schemeClr val="accent1"/>
+          </a:fillRef>
+          <a:effectRef idx="0">
+            <a:schemeClr val="accent1"/>
+          </a:effectRef>
+          <a:fontRef idx="minor">
+            <a:schemeClr val="lt1"/>
+          </a:fontRef>
+        </p:style>
+        <p:txBody>
+          <a:bodyPr rtlCol="0" anchor="ctr"/>
+          <a:lstStyle/>
+          <a:p>
+            <a:pPr algn="ctr"/>
+            <a:endParaRPr lang="en-GB"/>
+          </a:p>
+        </p:txBody>
+      </p:sp>
+      <p:sp>
+        <p:nvSpPr>
+          <p:cNvPr id="12" name="Rectangle: Rounded Corners 11">
+            <a:extLst>
+              <a:ext uri="{FF2B5EF4-FFF2-40B4-BE49-F238E27FC236}">
+                <a16:creationId xmlns:a16="http://schemas.microsoft.com/office/drawing/2014/main" id="{317D2209-A015-3DA1-8BBB-E070B1788780}"/>
+              </a:ext>
+            </a:extLst>
+          </p:cNvPr>
+          <p:cNvSpPr/>
+          <p:nvPr/>
+        </p:nvSpPr>
+        <p:spPr>
+          <a:xfrm>
+            <a:off x="2655592" y="203794"/>
+            <a:ext cx="7690484" cy="547085"/>
+          </a:xfrm>
+          <a:prstGeom prst="roundRect">
+            <a:avLst/>
+          </a:prstGeom>
+          <a:solidFill>
+            <a:schemeClr val="tx1"/>
+          </a:solidFill>
+        </p:spPr>
+        <p:style>
+          <a:lnRef idx="2">
+            <a:schemeClr val="accent2">
+              <a:shade val="15000"/>
+            </a:schemeClr>
+          </a:lnRef>
+          <a:fillRef idx="1">
+            <a:schemeClr val="accent2"/>
+          </a:fillRef>
+          <a:effectRef idx="0">
+            <a:schemeClr val="accent2"/>
+          </a:effectRef>
+          <a:fontRef idx="minor">
+            <a:schemeClr val="lt1"/>
+          </a:fontRef>
+        </p:style>
+        <p:txBody>
+          <a:bodyPr rtlCol="0" anchor="ctr"/>
+          <a:lstStyle/>
+          <a:p>
+            <a:pPr algn="ctr"/>
+            <a:r>
+              <a:rPr lang="en-GB" sz="3600" b="1" dirty="0"/>
+              <a:t>ETL</a:t>
+            </a:r>
+            <a:endParaRPr lang="en-GB" sz="2400" b="1" dirty="0"/>
+          </a:p>
+        </p:txBody>
+      </p:sp>
+    </p:spTree>
+    <p:extLst>
+      <p:ext uri="{BB962C8B-B14F-4D97-AF65-F5344CB8AC3E}">
+        <p14:creationId xmlns:p14="http://schemas.microsoft.com/office/powerpoint/2010/main" val="1371006745"/>
+      </p:ext>
+    </p:extLst>
+  </p:cSld>
+  <p:clrMapOvr>
+    <a:masterClrMapping/>
+  </p:clrMapOvr>
+</p:sld>
+</file>
+
+<file path=ppt/slides/slide5.xml><?xml version="1.0" encoding="utf-8"?>
+<p:sld xmlns:a="http://schemas.openxmlformats.org/drawingml/2006/main" xmlns:r="http://schemas.openxmlformats.org/officeDocument/2006/relationships" xmlns:p="http://schemas.openxmlformats.org/presentationml/2006/main">
+  <p:cSld>
+    <p:bg>
+      <p:bgPr>
+        <a:solidFill>
+          <a:schemeClr val="tx1">
+            <a:lumMod val="50000"/>
+            <a:lumOff val="50000"/>
+          </a:schemeClr>
+        </a:solidFill>
+        <a:effectLst/>
+      </p:bgPr>
+    </p:bg>
+    <p:spTree>
+      <p:nvGrpSpPr>
+        <p:cNvPr id="1" name="">
+          <a:extLst>
+            <a:ext uri="{FF2B5EF4-FFF2-40B4-BE49-F238E27FC236}">
+              <a16:creationId xmlns:a16="http://schemas.microsoft.com/office/drawing/2014/main" id="{F6C139DA-1BD6-5E56-D33C-BEAED3C4BAFD}"/>
+            </a:ext>
+          </a:extLst>
+        </p:cNvPr>
+        <p:cNvGrpSpPr/>
+        <p:nvPr/>
+      </p:nvGrpSpPr>
+      <p:grpSpPr>
+        <a:xfrm>
+          <a:off x="0" y="0"/>
+          <a:ext cx="0" cy="0"/>
+          <a:chOff x="0" y="0"/>
+          <a:chExt cx="0" cy="0"/>
+        </a:xfrm>
+      </p:grpSpPr>
+      <p:sp>
+        <p:nvSpPr>
+          <p:cNvPr id="9" name="Rectangle: Rounded Corners 8">
+            <a:extLst>
+              <a:ext uri="{FF2B5EF4-FFF2-40B4-BE49-F238E27FC236}">
+                <a16:creationId xmlns:a16="http://schemas.microsoft.com/office/drawing/2014/main" id="{043DDF4C-D9C8-6004-4B24-6B39B9ABC2D8}"/>
+              </a:ext>
+            </a:extLst>
+          </p:cNvPr>
+          <p:cNvSpPr/>
+          <p:nvPr/>
+        </p:nvSpPr>
+        <p:spPr>
+          <a:xfrm>
+            <a:off x="994880" y="895626"/>
+            <a:ext cx="10346079" cy="801384"/>
+          </a:xfrm>
+          <a:prstGeom prst="roundRect">
+            <a:avLst/>
+          </a:prstGeom>
+        </p:spPr>
+        <p:style>
+          <a:lnRef idx="2">
+            <a:schemeClr val="accent2">
+              <a:shade val="15000"/>
+            </a:schemeClr>
+          </a:lnRef>
+          <a:fillRef idx="1">
+            <a:schemeClr val="accent2"/>
+          </a:fillRef>
+          <a:effectRef idx="0">
+            <a:schemeClr val="accent2"/>
+          </a:effectRef>
+          <a:fontRef idx="minor">
+            <a:schemeClr val="lt1"/>
+          </a:fontRef>
+        </p:style>
+        <p:txBody>
+          <a:bodyPr rtlCol="0" anchor="ctr"/>
+          <a:lstStyle/>
+          <a:p>
+            <a:pPr algn="ctr"/>
+            <a:r>
+              <a:rPr lang="en-GB" sz="2400" b="1" dirty="0"/>
+              <a:t>We can use Agents to plan the tasks </a:t>
+            </a:r>
+            <a:r>
+              <a:rPr lang="en-GB" sz="2400" b="1" dirty="0" err="1"/>
+              <a:t>requireds</a:t>
+            </a:r>
+            <a:endParaRPr lang="en-GB" sz="2400" b="1" dirty="0"/>
+          </a:p>
+        </p:txBody>
+      </p:sp>
+      <p:sp>
+        <p:nvSpPr>
+          <p:cNvPr id="12" name="Rectangle: Rounded Corners 11">
+            <a:extLst>
+              <a:ext uri="{FF2B5EF4-FFF2-40B4-BE49-F238E27FC236}">
+                <a16:creationId xmlns:a16="http://schemas.microsoft.com/office/drawing/2014/main" id="{833C2C28-1476-F5FB-F138-E2E5EF2F6FD6}"/>
+              </a:ext>
+            </a:extLst>
+          </p:cNvPr>
+          <p:cNvSpPr/>
+          <p:nvPr/>
+        </p:nvSpPr>
+        <p:spPr>
+          <a:xfrm>
+            <a:off x="2655592" y="203794"/>
+            <a:ext cx="7690484" cy="547085"/>
+          </a:xfrm>
+          <a:prstGeom prst="roundRect">
+            <a:avLst/>
+          </a:prstGeom>
+          <a:solidFill>
+            <a:schemeClr val="tx1"/>
+          </a:solidFill>
+        </p:spPr>
+        <p:style>
+          <a:lnRef idx="2">
+            <a:schemeClr val="accent2">
+              <a:shade val="15000"/>
+            </a:schemeClr>
+          </a:lnRef>
+          <a:fillRef idx="1">
+            <a:schemeClr val="accent2"/>
+          </a:fillRef>
+          <a:effectRef idx="0">
+            <a:schemeClr val="accent2"/>
+          </a:effectRef>
+          <a:fontRef idx="minor">
+            <a:schemeClr val="lt1"/>
+          </a:fontRef>
+        </p:style>
+        <p:txBody>
+          <a:bodyPr rtlCol="0" anchor="ctr"/>
+          <a:lstStyle/>
+          <a:p>
+            <a:pPr algn="ctr"/>
+            <a:r>
+              <a:rPr lang="en-GB" sz="3600" b="1" dirty="0"/>
+              <a:t>PLANNING</a:t>
+            </a:r>
+            <a:endParaRPr lang="en-GB" sz="2400" b="1" dirty="0"/>
+          </a:p>
+        </p:txBody>
+      </p:sp>
+      <p:pic>
+        <p:nvPicPr>
+          <p:cNvPr id="6" name="Picture 5" descr="A diagram of a structure&#10;&#10;AI-generated content may be incorrect.">
+            <a:extLst>
+              <a:ext uri="{FF2B5EF4-FFF2-40B4-BE49-F238E27FC236}">
+                <a16:creationId xmlns:a16="http://schemas.microsoft.com/office/drawing/2014/main" id="{1C67138A-B4D7-FBA4-7DF1-04A027A58CF5}"/>
+              </a:ext>
+            </a:extLst>
+          </p:cNvPr>
+          <p:cNvPicPr>
+            <a:picLocks noChangeAspect="1"/>
+          </p:cNvPicPr>
+          <p:nvPr/>
+        </p:nvPicPr>
+        <p:blipFill>
+          <a:blip r:embed="rId2">
+            <a:extLst>
+              <a:ext uri="{28A0092B-C50C-407E-A947-70E740481C1C}">
+                <a14:useLocalDpi xmlns:a14="http://schemas.microsoft.com/office/drawing/2010/main" val="0"/>
+              </a:ext>
+            </a:extLst>
+          </a:blip>
+          <a:stretch>
+            <a:fillRect/>
+          </a:stretch>
+        </p:blipFill>
+        <p:spPr>
+          <a:xfrm>
+            <a:off x="1849349" y="1841757"/>
+            <a:ext cx="8229600" cy="4462837"/>
+          </a:xfrm>
+          <a:prstGeom prst="rect">
+            <a:avLst/>
+          </a:prstGeom>
+        </p:spPr>
+      </p:pic>
+      <p:sp>
+        <p:nvSpPr>
+          <p:cNvPr id="13" name="TextBox 12">
+            <a:extLst>
+              <a:ext uri="{FF2B5EF4-FFF2-40B4-BE49-F238E27FC236}">
+                <a16:creationId xmlns:a16="http://schemas.microsoft.com/office/drawing/2014/main" id="{89FDB69B-81EC-5733-6128-E161A7EBEA07}"/>
+              </a:ext>
+            </a:extLst>
+          </p:cNvPr>
+          <p:cNvSpPr txBox="1"/>
+          <p:nvPr/>
+        </p:nvSpPr>
+        <p:spPr>
+          <a:xfrm>
+            <a:off x="1898011" y="6449341"/>
+            <a:ext cx="9205645" cy="369332"/>
+          </a:xfrm>
+          <a:prstGeom prst="rect">
+            <a:avLst/>
+          </a:prstGeom>
+          <a:noFill/>
+        </p:spPr>
+        <p:txBody>
+          <a:bodyPr wrap="square" rtlCol="0">
+            <a:spAutoFit/>
+          </a:bodyPr>
+          <a:lstStyle/>
+          <a:p>
+            <a:r>
+              <a:rPr lang="en-GB" dirty="0"/>
+              <a:t>https://github.com/langchain-ai/open_deep_research/blob/main/README.md</a:t>
+            </a:r>
+          </a:p>
+        </p:txBody>
+      </p:sp>
+    </p:spTree>
+    <p:extLst>
+      <p:ext uri="{BB962C8B-B14F-4D97-AF65-F5344CB8AC3E}">
+        <p14:creationId xmlns:p14="http://schemas.microsoft.com/office/powerpoint/2010/main" val="1693612325"/>
+      </p:ext>
+    </p:extLst>
+  </p:cSld>
+  <p:clrMapOvr>
+    <a:masterClrMapping/>
+  </p:clrMapOvr>
+</p:sld>
+</file>
+
+<file path=ppt/slides/slide6.xml><?xml version="1.0" encoding="utf-8"?>
+<p:sld xmlns:a="http://schemas.openxmlformats.org/drawingml/2006/main" xmlns:r="http://schemas.openxmlformats.org/officeDocument/2006/relationships" xmlns:p="http://schemas.openxmlformats.org/presentationml/2006/main">
+  <p:cSld>
+    <p:bg>
+      <p:bgPr>
+        <a:solidFill>
+          <a:schemeClr val="tx1">
+            <a:lumMod val="50000"/>
+            <a:lumOff val="50000"/>
+          </a:schemeClr>
+        </a:solidFill>
+        <a:effectLst/>
+      </p:bgPr>
+    </p:bg>
+    <p:spTree>
+      <p:nvGrpSpPr>
+        <p:cNvPr id="1" name="">
+          <a:extLst>
+            <a:ext uri="{FF2B5EF4-FFF2-40B4-BE49-F238E27FC236}">
+              <a16:creationId xmlns:a16="http://schemas.microsoft.com/office/drawing/2014/main" id="{A1B3C28E-655E-EA1C-DEFD-F82A057A91BB}"/>
+            </a:ext>
+          </a:extLst>
+        </p:cNvPr>
+        <p:cNvGrpSpPr/>
+        <p:nvPr/>
+      </p:nvGrpSpPr>
+      <p:grpSpPr>
+        <a:xfrm>
+          <a:off x="0" y="0"/>
+          <a:ext cx="0" cy="0"/>
+          <a:chOff x="0" y="0"/>
+          <a:chExt cx="0" cy="0"/>
+        </a:xfrm>
+      </p:grpSpPr>
+      <p:sp>
+        <p:nvSpPr>
+          <p:cNvPr id="2" name="Rectangle: Rounded Corners 1">
+            <a:extLst>
+              <a:ext uri="{FF2B5EF4-FFF2-40B4-BE49-F238E27FC236}">
+                <a16:creationId xmlns:a16="http://schemas.microsoft.com/office/drawing/2014/main" id="{50E74AD8-D142-0B2B-0920-4D5E67F0901F}"/>
+              </a:ext>
+            </a:extLst>
+          </p:cNvPr>
+          <p:cNvSpPr/>
+          <p:nvPr/>
+        </p:nvSpPr>
+        <p:spPr>
+          <a:xfrm>
+            <a:off x="6295461" y="1974139"/>
+            <a:ext cx="5000975" cy="2294153"/>
+          </a:xfrm>
+          <a:prstGeom prst="roundRect">
+            <a:avLst/>
+          </a:prstGeom>
+        </p:spPr>
+        <p:style>
+          <a:lnRef idx="2">
+            <a:schemeClr val="accent2">
+              <a:shade val="15000"/>
+            </a:schemeClr>
+          </a:lnRef>
+          <a:fillRef idx="1">
+            <a:schemeClr val="accent2"/>
+          </a:fillRef>
+          <a:effectRef idx="0">
+            <a:schemeClr val="accent2"/>
+          </a:effectRef>
+          <a:fontRef idx="minor">
+            <a:schemeClr val="lt1"/>
+          </a:fontRef>
+        </p:style>
+        <p:txBody>
+          <a:bodyPr rtlCol="0" anchor="ctr"/>
+          <a:lstStyle/>
+          <a:p>
+            <a:pPr algn="ctr"/>
+            <a:r>
+              <a:rPr lang="en-GB" sz="2400" b="1" dirty="0"/>
+              <a:t>Store tried and tested SQL queries like documents in DB with meta data to enable keyword and semantic search to produce results.</a:t>
+            </a:r>
+          </a:p>
+        </p:txBody>
+      </p:sp>
+      <p:sp>
+        <p:nvSpPr>
+          <p:cNvPr id="29" name="Rectangle: Rounded Corners 28">
+            <a:extLst>
+              <a:ext uri="{FF2B5EF4-FFF2-40B4-BE49-F238E27FC236}">
+                <a16:creationId xmlns:a16="http://schemas.microsoft.com/office/drawing/2014/main" id="{F96A7975-2998-C277-EF56-04F994B2CA96}"/>
+              </a:ext>
+            </a:extLst>
+          </p:cNvPr>
+          <p:cNvSpPr/>
+          <p:nvPr/>
+        </p:nvSpPr>
+        <p:spPr>
+          <a:xfrm>
+            <a:off x="6226139" y="903247"/>
+            <a:ext cx="5000975" cy="801384"/>
+          </a:xfrm>
+          <a:prstGeom prst="roundRect">
+            <a:avLst/>
+          </a:prstGeom>
+        </p:spPr>
+        <p:style>
+          <a:lnRef idx="2">
+            <a:schemeClr val="accent2">
+              <a:shade val="15000"/>
+            </a:schemeClr>
+          </a:lnRef>
+          <a:fillRef idx="1">
+            <a:schemeClr val="accent2"/>
+          </a:fillRef>
+          <a:effectRef idx="0">
+            <a:schemeClr val="accent2"/>
+          </a:effectRef>
+          <a:fontRef idx="minor">
+            <a:schemeClr val="lt1"/>
+          </a:fontRef>
+        </p:style>
+        <p:txBody>
+          <a:bodyPr rtlCol="0" anchor="ctr"/>
+          <a:lstStyle/>
+          <a:p>
+            <a:pPr algn="ctr"/>
+            <a:r>
+              <a:rPr lang="en-GB" sz="2400" b="1" dirty="0"/>
+              <a:t>SQL</a:t>
+            </a:r>
+          </a:p>
+        </p:txBody>
+      </p:sp>
+      <p:sp>
+        <p:nvSpPr>
+          <p:cNvPr id="8" name="Rectangle: Rounded Corners 7">
+            <a:extLst>
+              <a:ext uri="{FF2B5EF4-FFF2-40B4-BE49-F238E27FC236}">
+                <a16:creationId xmlns:a16="http://schemas.microsoft.com/office/drawing/2014/main" id="{04C77BA7-521B-2043-46D1-ACB4ED27A494}"/>
+              </a:ext>
+            </a:extLst>
+          </p:cNvPr>
+          <p:cNvSpPr/>
+          <p:nvPr/>
+        </p:nvSpPr>
+        <p:spPr>
+          <a:xfrm>
+            <a:off x="895564" y="903247"/>
+            <a:ext cx="4806593" cy="801384"/>
+          </a:xfrm>
+          <a:prstGeom prst="roundRect">
+            <a:avLst/>
+          </a:prstGeom>
+        </p:spPr>
+        <p:style>
+          <a:lnRef idx="2">
+            <a:schemeClr val="accent2">
+              <a:shade val="15000"/>
+            </a:schemeClr>
+          </a:lnRef>
+          <a:fillRef idx="1">
+            <a:schemeClr val="accent2"/>
+          </a:fillRef>
+          <a:effectRef idx="0">
+            <a:schemeClr val="accent2"/>
+          </a:effectRef>
+          <a:fontRef idx="minor">
+            <a:schemeClr val="lt1"/>
+          </a:fontRef>
+        </p:style>
+        <p:txBody>
+          <a:bodyPr rtlCol="0" anchor="ctr"/>
+          <a:lstStyle/>
+          <a:p>
+            <a:pPr algn="ctr"/>
+            <a:r>
+              <a:rPr lang="en-GB" sz="2400" b="1" dirty="0"/>
+              <a:t>LLM</a:t>
+            </a:r>
+          </a:p>
+        </p:txBody>
+      </p:sp>
+      <p:sp>
+        <p:nvSpPr>
+          <p:cNvPr id="9" name="Rectangle: Rounded Corners 8">
+            <a:extLst>
+              <a:ext uri="{FF2B5EF4-FFF2-40B4-BE49-F238E27FC236}">
+                <a16:creationId xmlns:a16="http://schemas.microsoft.com/office/drawing/2014/main" id="{802B5DFF-2D5D-BA29-1246-ED1CADBEAAF8}"/>
+              </a:ext>
+            </a:extLst>
+          </p:cNvPr>
+          <p:cNvSpPr/>
+          <p:nvPr/>
+        </p:nvSpPr>
+        <p:spPr>
+          <a:xfrm>
+            <a:off x="912688" y="4542952"/>
+            <a:ext cx="10346079" cy="801384"/>
+          </a:xfrm>
+          <a:prstGeom prst="roundRect">
+            <a:avLst/>
+          </a:prstGeom>
+        </p:spPr>
+        <p:style>
+          <a:lnRef idx="2">
+            <a:schemeClr val="accent2">
+              <a:shade val="15000"/>
+            </a:schemeClr>
+          </a:lnRef>
+          <a:fillRef idx="1">
+            <a:schemeClr val="accent2"/>
+          </a:fillRef>
+          <a:effectRef idx="0">
+            <a:schemeClr val="accent2"/>
+          </a:effectRef>
+          <a:fontRef idx="minor">
+            <a:schemeClr val="lt1"/>
+          </a:fontRef>
+        </p:style>
+        <p:txBody>
+          <a:bodyPr rtlCol="0" anchor="ctr"/>
+          <a:lstStyle/>
+          <a:p>
+            <a:pPr algn="ctr"/>
+            <a:r>
+              <a:rPr lang="en-GB" sz="2400" b="1" dirty="0"/>
+              <a:t>LLM to generate more verbose report.</a:t>
+            </a:r>
+          </a:p>
+        </p:txBody>
+      </p:sp>
+      <p:sp>
+        <p:nvSpPr>
+          <p:cNvPr id="12" name="Rectangle: Rounded Corners 11">
+            <a:extLst>
+              <a:ext uri="{FF2B5EF4-FFF2-40B4-BE49-F238E27FC236}">
+                <a16:creationId xmlns:a16="http://schemas.microsoft.com/office/drawing/2014/main" id="{2B2AE153-3C93-4575-B52C-5F61376190DB}"/>
+              </a:ext>
+            </a:extLst>
+          </p:cNvPr>
+          <p:cNvSpPr/>
+          <p:nvPr/>
+        </p:nvSpPr>
+        <p:spPr>
+          <a:xfrm>
+            <a:off x="2655592" y="203794"/>
+            <a:ext cx="7690484" cy="547085"/>
+          </a:xfrm>
+          <a:prstGeom prst="roundRect">
+            <a:avLst/>
+          </a:prstGeom>
+          <a:solidFill>
+            <a:schemeClr val="tx1"/>
+          </a:solidFill>
+        </p:spPr>
+        <p:style>
+          <a:lnRef idx="2">
+            <a:schemeClr val="accent2">
+              <a:shade val="15000"/>
+            </a:schemeClr>
+          </a:lnRef>
+          <a:fillRef idx="1">
+            <a:schemeClr val="accent2"/>
+          </a:fillRef>
+          <a:effectRef idx="0">
+            <a:schemeClr val="accent2"/>
+          </a:effectRef>
+          <a:fontRef idx="minor">
+            <a:schemeClr val="lt1"/>
+          </a:fontRef>
+        </p:style>
+        <p:txBody>
+          <a:bodyPr rtlCol="0" anchor="ctr"/>
+          <a:lstStyle/>
+          <a:p>
+            <a:pPr algn="ctr"/>
+            <a:r>
+              <a:rPr lang="en-GB" sz="3600" b="1" dirty="0"/>
+              <a:t>QUERY</a:t>
+            </a:r>
+            <a:endParaRPr lang="en-GB" sz="2400" b="1" dirty="0"/>
+          </a:p>
+        </p:txBody>
+      </p:sp>
+      <p:sp>
+        <p:nvSpPr>
+          <p:cNvPr id="3" name="Rectangle: Rounded Corners 2">
+            <a:extLst>
+              <a:ext uri="{FF2B5EF4-FFF2-40B4-BE49-F238E27FC236}">
+                <a16:creationId xmlns:a16="http://schemas.microsoft.com/office/drawing/2014/main" id="{5B59CC91-F9BD-39E4-84A4-9B5ABFB2DC17}"/>
+              </a:ext>
+            </a:extLst>
+          </p:cNvPr>
+          <p:cNvSpPr/>
+          <p:nvPr/>
+        </p:nvSpPr>
+        <p:spPr>
+          <a:xfrm>
+            <a:off x="895564" y="1974139"/>
+            <a:ext cx="4806593" cy="2294153"/>
+          </a:xfrm>
+          <a:prstGeom prst="roundRect">
+            <a:avLst/>
+          </a:prstGeom>
+        </p:spPr>
+        <p:style>
+          <a:lnRef idx="2">
+            <a:schemeClr val="accent2">
+              <a:shade val="15000"/>
+            </a:schemeClr>
+          </a:lnRef>
+          <a:fillRef idx="1">
+            <a:schemeClr val="accent2"/>
+          </a:fillRef>
+          <a:effectRef idx="0">
+            <a:schemeClr val="accent2"/>
+          </a:effectRef>
+          <a:fontRef idx="minor">
+            <a:schemeClr val="lt1"/>
+          </a:fontRef>
+        </p:style>
+        <p:txBody>
+          <a:bodyPr rtlCol="0" anchor="ctr"/>
+          <a:lstStyle/>
+          <a:p>
+            <a:pPr algn="ctr"/>
+            <a:r>
+              <a:rPr lang="en-GB" sz="2400" b="1" dirty="0"/>
+              <a:t>Obtain relevant SQL Schema and get Agent to create SQL query that is then run to get result.</a:t>
+            </a:r>
+          </a:p>
+        </p:txBody>
+      </p:sp>
+      <p:sp>
+        <p:nvSpPr>
+          <p:cNvPr id="4" name="Rectangle: Rounded Corners 3">
+            <a:extLst>
+              <a:ext uri="{FF2B5EF4-FFF2-40B4-BE49-F238E27FC236}">
+                <a16:creationId xmlns:a16="http://schemas.microsoft.com/office/drawing/2014/main" id="{5E418680-EB9B-C19B-A802-D73409B865FD}"/>
+              </a:ext>
+            </a:extLst>
+          </p:cNvPr>
+          <p:cNvSpPr/>
+          <p:nvPr/>
+        </p:nvSpPr>
+        <p:spPr>
+          <a:xfrm>
+            <a:off x="922960" y="5691945"/>
+            <a:ext cx="10346079" cy="801384"/>
+          </a:xfrm>
+          <a:prstGeom prst="roundRect">
+            <a:avLst/>
+          </a:prstGeom>
+        </p:spPr>
+        <p:style>
+          <a:lnRef idx="2">
+            <a:schemeClr val="accent2">
+              <a:shade val="15000"/>
+            </a:schemeClr>
+          </a:lnRef>
+          <a:fillRef idx="1">
+            <a:schemeClr val="accent2"/>
+          </a:fillRef>
+          <a:effectRef idx="0">
+            <a:schemeClr val="accent2"/>
+          </a:effectRef>
+          <a:fontRef idx="minor">
+            <a:schemeClr val="lt1"/>
+          </a:fontRef>
+        </p:style>
+        <p:txBody>
+          <a:bodyPr rtlCol="0" anchor="ctr"/>
+          <a:lstStyle/>
+          <a:p>
+            <a:pPr algn="ctr"/>
+            <a:r>
+              <a:rPr lang="en-GB" sz="2400" b="1" dirty="0"/>
+              <a:t>User rating to provide feedback  and future ML data. </a:t>
+            </a:r>
+          </a:p>
+        </p:txBody>
+      </p:sp>
+    </p:spTree>
+    <p:extLst>
+      <p:ext uri="{BB962C8B-B14F-4D97-AF65-F5344CB8AC3E}">
+        <p14:creationId xmlns:p14="http://schemas.microsoft.com/office/powerpoint/2010/main" val="200703609"/>
+      </p:ext>
+    </p:extLst>
+  </p:cSld>
+  <p:clrMapOvr>
+    <a:masterClrMapping/>
+  </p:clrMapOvr>
+</p:sld>
+</file>
+
+<file path=ppt/slides/slide7.xml><?xml version="1.0" encoding="utf-8"?>
+<p:sld xmlns:a="http://schemas.openxmlformats.org/drawingml/2006/main" xmlns:r="http://schemas.openxmlformats.org/officeDocument/2006/relationships" xmlns:p="http://schemas.openxmlformats.org/presentationml/2006/main">
+  <p:cSld>
+    <p:bg>
+      <p:bgPr>
+        <a:solidFill>
+          <a:schemeClr val="tx1">
+            <a:lumMod val="50000"/>
+            <a:lumOff val="50000"/>
+          </a:schemeClr>
+        </a:solidFill>
+        <a:effectLst/>
+      </p:bgPr>
+    </p:bg>
+    <p:spTree>
+      <p:nvGrpSpPr>
+        <p:cNvPr id="1" name="">
+          <a:extLst>
+            <a:ext uri="{FF2B5EF4-FFF2-40B4-BE49-F238E27FC236}">
+              <a16:creationId xmlns:a16="http://schemas.microsoft.com/office/drawing/2014/main" id="{5D454ED7-B11A-0398-C86E-9BC2917C21A3}"/>
+            </a:ext>
+          </a:extLst>
+        </p:cNvPr>
+        <p:cNvGrpSpPr/>
+        <p:nvPr/>
+      </p:nvGrpSpPr>
+      <p:grpSpPr>
+        <a:xfrm>
+          <a:off x="0" y="0"/>
+          <a:ext cx="0" cy="0"/>
+          <a:chOff x="0" y="0"/>
+          <a:chExt cx="0" cy="0"/>
+        </a:xfrm>
+      </p:grpSpPr>
+      <p:sp>
+        <p:nvSpPr>
+          <p:cNvPr id="9" name="Rectangle: Rounded Corners 8">
+            <a:extLst>
+              <a:ext uri="{FF2B5EF4-FFF2-40B4-BE49-F238E27FC236}">
+                <a16:creationId xmlns:a16="http://schemas.microsoft.com/office/drawing/2014/main" id="{C1D4205C-38A6-6619-D583-BCA2B28B8383}"/>
+              </a:ext>
+            </a:extLst>
+          </p:cNvPr>
+          <p:cNvSpPr/>
+          <p:nvPr/>
+        </p:nvSpPr>
+        <p:spPr>
+          <a:xfrm>
+            <a:off x="922960" y="1173028"/>
+            <a:ext cx="10346079" cy="801384"/>
+          </a:xfrm>
+          <a:prstGeom prst="roundRect">
+            <a:avLst/>
+          </a:prstGeom>
+        </p:spPr>
+        <p:style>
+          <a:lnRef idx="2">
+            <a:schemeClr val="accent2">
+              <a:shade val="15000"/>
+            </a:schemeClr>
+          </a:lnRef>
+          <a:fillRef idx="1">
+            <a:schemeClr val="accent2"/>
+          </a:fillRef>
+          <a:effectRef idx="0">
+            <a:schemeClr val="accent2"/>
+          </a:effectRef>
+          <a:fontRef idx="minor">
+            <a:schemeClr val="lt1"/>
+          </a:fontRef>
+        </p:style>
+        <p:txBody>
+          <a:bodyPr rtlCol="0" anchor="ctr"/>
+          <a:lstStyle/>
+          <a:p>
+            <a:pPr algn="ctr"/>
+            <a:r>
+              <a:rPr lang="en-GB" sz="2400" b="1" dirty="0"/>
+              <a:t>LLM to generate more verbose report available in various formats. </a:t>
+            </a:r>
+          </a:p>
+        </p:txBody>
+      </p:sp>
+      <p:sp>
+        <p:nvSpPr>
+          <p:cNvPr id="12" name="Rectangle: Rounded Corners 11">
+            <a:extLst>
+              <a:ext uri="{FF2B5EF4-FFF2-40B4-BE49-F238E27FC236}">
+                <a16:creationId xmlns:a16="http://schemas.microsoft.com/office/drawing/2014/main" id="{4010B384-887C-1C5B-E9C8-A3FDD5CCB2E9}"/>
+              </a:ext>
+            </a:extLst>
+          </p:cNvPr>
+          <p:cNvSpPr/>
+          <p:nvPr/>
+        </p:nvSpPr>
+        <p:spPr>
+          <a:xfrm>
+            <a:off x="2655592" y="203794"/>
+            <a:ext cx="7690484" cy="547085"/>
+          </a:xfrm>
+          <a:prstGeom prst="roundRect">
+            <a:avLst/>
+          </a:prstGeom>
+          <a:solidFill>
+            <a:schemeClr val="tx1"/>
+          </a:solidFill>
+        </p:spPr>
+        <p:style>
+          <a:lnRef idx="2">
+            <a:schemeClr val="accent2">
+              <a:shade val="15000"/>
+            </a:schemeClr>
+          </a:lnRef>
+          <a:fillRef idx="1">
+            <a:schemeClr val="accent2"/>
+          </a:fillRef>
+          <a:effectRef idx="0">
+            <a:schemeClr val="accent2"/>
+          </a:effectRef>
+          <a:fontRef idx="minor">
+            <a:schemeClr val="lt1"/>
+          </a:fontRef>
+        </p:style>
+        <p:txBody>
+          <a:bodyPr rtlCol="0" anchor="ctr"/>
+          <a:lstStyle/>
+          <a:p>
+            <a:pPr algn="ctr"/>
+            <a:r>
+              <a:rPr lang="en-GB" sz="3600" b="1" dirty="0"/>
+              <a:t>REPORTING</a:t>
+            </a:r>
+            <a:endParaRPr lang="en-GB" sz="2400" b="1" dirty="0"/>
+          </a:p>
+        </p:txBody>
+      </p:sp>
+      <p:sp>
+        <p:nvSpPr>
+          <p:cNvPr id="4" name="Rectangle: Rounded Corners 3">
+            <a:extLst>
+              <a:ext uri="{FF2B5EF4-FFF2-40B4-BE49-F238E27FC236}">
+                <a16:creationId xmlns:a16="http://schemas.microsoft.com/office/drawing/2014/main" id="{9915FF57-D180-A794-AA35-07AC1728F292}"/>
+              </a:ext>
+            </a:extLst>
+          </p:cNvPr>
+          <p:cNvSpPr/>
+          <p:nvPr/>
+        </p:nvSpPr>
+        <p:spPr>
+          <a:xfrm>
+            <a:off x="922959" y="2396561"/>
+            <a:ext cx="10346079" cy="801384"/>
+          </a:xfrm>
+          <a:prstGeom prst="roundRect">
+            <a:avLst/>
+          </a:prstGeom>
+        </p:spPr>
+        <p:style>
+          <a:lnRef idx="2">
+            <a:schemeClr val="accent2">
+              <a:shade val="15000"/>
+            </a:schemeClr>
+          </a:lnRef>
+          <a:fillRef idx="1">
+            <a:schemeClr val="accent2"/>
+          </a:fillRef>
+          <a:effectRef idx="0">
+            <a:schemeClr val="accent2"/>
+          </a:effectRef>
+          <a:fontRef idx="minor">
+            <a:schemeClr val="lt1"/>
+          </a:fontRef>
+        </p:style>
+        <p:txBody>
+          <a:bodyPr rtlCol="0" anchor="ctr"/>
+          <a:lstStyle/>
+          <a:p>
+            <a:pPr algn="ctr"/>
+            <a:r>
+              <a:rPr lang="en-GB" sz="2400" b="1" dirty="0"/>
+              <a:t>Web based dashboard.</a:t>
+            </a:r>
+          </a:p>
+        </p:txBody>
+      </p:sp>
+    </p:spTree>
+    <p:extLst>
+      <p:ext uri="{BB962C8B-B14F-4D97-AF65-F5344CB8AC3E}">
+        <p14:creationId xmlns:p14="http://schemas.microsoft.com/office/powerpoint/2010/main" val="1517589344"/>
+      </p:ext>
+    </p:extLst>
+  </p:cSld>
+  <p:clrMapOvr>
+    <a:masterClrMapping/>
+  </p:clrMapOvr>
+</p:sld>
+</file>
+
+<file path=ppt/slides/slide8.xml><?xml version="1.0" encoding="utf-8"?>
+<p:sld xmlns:a="http://schemas.openxmlformats.org/drawingml/2006/main" xmlns:r="http://schemas.openxmlformats.org/officeDocument/2006/relationships" xmlns:p="http://schemas.openxmlformats.org/presentationml/2006/main">
+  <p:cSld>
+    <p:bg>
+      <p:bgPr>
+        <a:solidFill>
+          <a:schemeClr val="tx1">
+            <a:lumMod val="50000"/>
+            <a:lumOff val="50000"/>
+          </a:schemeClr>
+        </a:solidFill>
+        <a:effectLst/>
+      </p:bgPr>
+    </p:bg>
+    <p:spTree>
+      <p:nvGrpSpPr>
+        <p:cNvPr id="1" name="">
+          <a:extLst>
+            <a:ext uri="{FF2B5EF4-FFF2-40B4-BE49-F238E27FC236}">
               <a16:creationId xmlns:a16="http://schemas.microsoft.com/office/drawing/2014/main" id="{AAB15ECC-E2CD-8C0B-6CF6-701CA8D8C894}"/>
             </a:ext>
           </a:extLst>
@@ -5222,7 +7182,7 @@
 </p:sld>
 </file>
 
-<file path=ppt/slides/slide5.xml><?xml version="1.0" encoding="utf-8"?>
+<file path=ppt/slides/slide9.xml><?xml version="1.0" encoding="utf-8"?>
 <p:sld xmlns:a="http://schemas.openxmlformats.org/drawingml/2006/main" xmlns:r="http://schemas.openxmlformats.org/officeDocument/2006/relationships" xmlns:p="http://schemas.openxmlformats.org/presentationml/2006/main">
   <p:cSld>
     <p:bg>
@@ -5384,694 +7344,6 @@
     <p:extLst>
       <p:ext uri="{BB962C8B-B14F-4D97-AF65-F5344CB8AC3E}">
         <p14:creationId xmlns:p14="http://schemas.microsoft.com/office/powerpoint/2010/main" val="1264716455"/>
-      </p:ext>
-    </p:extLst>
-  </p:cSld>
-  <p:clrMapOvr>
-    <a:masterClrMapping/>
-  </p:clrMapOvr>
-</p:sld>
-</file>
-
-<file path=ppt/slides/slide6.xml><?xml version="1.0" encoding="utf-8"?>
-<p:sld xmlns:a="http://schemas.openxmlformats.org/drawingml/2006/main" xmlns:r="http://schemas.openxmlformats.org/officeDocument/2006/relationships" xmlns:p="http://schemas.openxmlformats.org/presentationml/2006/main">
-  <p:cSld>
-    <p:bg>
-      <p:bgPr>
-        <a:solidFill>
-          <a:schemeClr val="tx1">
-            <a:lumMod val="50000"/>
-            <a:lumOff val="50000"/>
-          </a:schemeClr>
-        </a:solidFill>
-        <a:effectLst/>
-      </p:bgPr>
-    </p:bg>
-    <p:spTree>
-      <p:nvGrpSpPr>
-        <p:cNvPr id="1" name="">
-          <a:extLst>
-            <a:ext uri="{FF2B5EF4-FFF2-40B4-BE49-F238E27FC236}">
-              <a16:creationId xmlns:a16="http://schemas.microsoft.com/office/drawing/2014/main" id="{8522070B-B373-3928-ADFA-12305A25A521}"/>
-            </a:ext>
-          </a:extLst>
-        </p:cNvPr>
-        <p:cNvGrpSpPr/>
-        <p:nvPr/>
-      </p:nvGrpSpPr>
-      <p:grpSpPr>
-        <a:xfrm>
-          <a:off x="0" y="0"/>
-          <a:ext cx="0" cy="0"/>
-          <a:chOff x="0" y="0"/>
-          <a:chExt cx="0" cy="0"/>
-        </a:xfrm>
-      </p:grpSpPr>
-      <p:sp>
-        <p:nvSpPr>
-          <p:cNvPr id="2" name="Rectangle: Rounded Corners 1">
-            <a:extLst>
-              <a:ext uri="{FF2B5EF4-FFF2-40B4-BE49-F238E27FC236}">
-                <a16:creationId xmlns:a16="http://schemas.microsoft.com/office/drawing/2014/main" id="{78D2FA18-E820-EEC2-BDCF-C00FCA006B8A}"/>
-              </a:ext>
-            </a:extLst>
-          </p:cNvPr>
-          <p:cNvSpPr/>
-          <p:nvPr/>
-        </p:nvSpPr>
-        <p:spPr>
-          <a:xfrm>
-            <a:off x="923113" y="445889"/>
-            <a:ext cx="10345774" cy="801384"/>
-          </a:xfrm>
-          <a:prstGeom prst="roundRect">
-            <a:avLst/>
-          </a:prstGeom>
-        </p:spPr>
-        <p:style>
-          <a:lnRef idx="2">
-            <a:schemeClr val="accent2">
-              <a:shade val="15000"/>
-            </a:schemeClr>
-          </a:lnRef>
-          <a:fillRef idx="1">
-            <a:schemeClr val="accent2"/>
-          </a:fillRef>
-          <a:effectRef idx="0">
-            <a:schemeClr val="accent2"/>
-          </a:effectRef>
-          <a:fontRef idx="minor">
-            <a:schemeClr val="lt1"/>
-          </a:fontRef>
-        </p:style>
-        <p:txBody>
-          <a:bodyPr rtlCol="0" anchor="ctr"/>
-          <a:lstStyle/>
-          <a:p>
-            <a:pPr algn="ctr"/>
-            <a:r>
-              <a:rPr lang="en-GB" sz="5400" b="1" dirty="0"/>
-              <a:t>02 KEY TAKEWAYS</a:t>
-            </a:r>
-          </a:p>
-        </p:txBody>
-      </p:sp>
-      <p:sp>
-        <p:nvSpPr>
-          <p:cNvPr id="9" name="Rectangle: Rounded Corners 8">
-            <a:extLst>
-              <a:ext uri="{FF2B5EF4-FFF2-40B4-BE49-F238E27FC236}">
-                <a16:creationId xmlns:a16="http://schemas.microsoft.com/office/drawing/2014/main" id="{C523AF75-2517-8022-B4AC-B2E7A7A75430}"/>
-              </a:ext>
-            </a:extLst>
-          </p:cNvPr>
-          <p:cNvSpPr/>
-          <p:nvPr/>
-        </p:nvSpPr>
-        <p:spPr>
-          <a:xfrm>
-            <a:off x="923112" y="1417314"/>
-            <a:ext cx="10345773" cy="4994797"/>
-          </a:xfrm>
-          <a:prstGeom prst="roundRect">
-            <a:avLst/>
-          </a:prstGeom>
-        </p:spPr>
-        <p:style>
-          <a:lnRef idx="2">
-            <a:schemeClr val="accent2">
-              <a:shade val="15000"/>
-            </a:schemeClr>
-          </a:lnRef>
-          <a:fillRef idx="1">
-            <a:schemeClr val="accent2"/>
-          </a:fillRef>
-          <a:effectRef idx="0">
-            <a:schemeClr val="accent2"/>
-          </a:effectRef>
-          <a:fontRef idx="minor">
-            <a:schemeClr val="lt1"/>
-          </a:fontRef>
-        </p:style>
-        <p:txBody>
-          <a:bodyPr rtlCol="0" anchor="ctr"/>
-          <a:lstStyle/>
-          <a:p>
-            <a:r>
-              <a:rPr lang="en-GB" sz="2800" b="1" dirty="0"/>
-              <a:t>   </a:t>
-            </a:r>
-          </a:p>
-          <a:p>
-            <a:r>
-              <a:rPr lang="en-GB" sz="2800" b="1" dirty="0"/>
-              <a:t>   # 1 We can add instructions using Natural Language so that it performs operations.</a:t>
-            </a:r>
-          </a:p>
-          <a:p>
-            <a:endParaRPr lang="en-GB" sz="2800" b="1" dirty="0"/>
-          </a:p>
-          <a:p>
-            <a:r>
-              <a:rPr lang="en-GB" sz="2800" b="1" dirty="0"/>
-              <a:t>   # 2 The more specific and clear we are the better – like creating a good Job Description/Manual.</a:t>
-            </a:r>
-          </a:p>
-          <a:p>
-            <a:endParaRPr lang="en-GB" sz="2800" b="1" dirty="0"/>
-          </a:p>
-          <a:p>
-            <a:r>
-              <a:rPr lang="en-GB" sz="2800" b="1" dirty="0"/>
-              <a:t>   # 3 We imperatively define what output format we want and using Markdown/Caps has been shown to be effective in emphasising points.</a:t>
-            </a:r>
-          </a:p>
-          <a:p>
-            <a:endParaRPr lang="en-GB" sz="2800" b="1" dirty="0"/>
-          </a:p>
-        </p:txBody>
-      </p:sp>
-    </p:spTree>
-    <p:extLst>
-      <p:ext uri="{BB962C8B-B14F-4D97-AF65-F5344CB8AC3E}">
-        <p14:creationId xmlns:p14="http://schemas.microsoft.com/office/powerpoint/2010/main" val="3369447597"/>
-      </p:ext>
-    </p:extLst>
-  </p:cSld>
-  <p:clrMapOvr>
-    <a:masterClrMapping/>
-  </p:clrMapOvr>
-</p:sld>
-</file>
-
-<file path=ppt/slides/slide7.xml><?xml version="1.0" encoding="utf-8"?>
-<p:sld xmlns:a="http://schemas.openxmlformats.org/drawingml/2006/main" xmlns:r="http://schemas.openxmlformats.org/officeDocument/2006/relationships" xmlns:p="http://schemas.openxmlformats.org/presentationml/2006/main">
-  <p:cSld>
-    <p:bg>
-      <p:bgPr>
-        <a:solidFill>
-          <a:schemeClr val="tx1">
-            <a:lumMod val="50000"/>
-            <a:lumOff val="50000"/>
-          </a:schemeClr>
-        </a:solidFill>
-        <a:effectLst/>
-      </p:bgPr>
-    </p:bg>
-    <p:spTree>
-      <p:nvGrpSpPr>
-        <p:cNvPr id="1" name="">
-          <a:extLst>
-            <a:ext uri="{FF2B5EF4-FFF2-40B4-BE49-F238E27FC236}">
-              <a16:creationId xmlns:a16="http://schemas.microsoft.com/office/drawing/2014/main" id="{BBD0FBE3-A8DD-6EC7-0E80-BC45DEB0DDE5}"/>
-            </a:ext>
-          </a:extLst>
-        </p:cNvPr>
-        <p:cNvGrpSpPr/>
-        <p:nvPr/>
-      </p:nvGrpSpPr>
-      <p:grpSpPr>
-        <a:xfrm>
-          <a:off x="0" y="0"/>
-          <a:ext cx="0" cy="0"/>
-          <a:chOff x="0" y="0"/>
-          <a:chExt cx="0" cy="0"/>
-        </a:xfrm>
-      </p:grpSpPr>
-      <p:sp>
-        <p:nvSpPr>
-          <p:cNvPr id="2" name="Rectangle: Rounded Corners 1">
-            <a:extLst>
-              <a:ext uri="{FF2B5EF4-FFF2-40B4-BE49-F238E27FC236}">
-                <a16:creationId xmlns:a16="http://schemas.microsoft.com/office/drawing/2014/main" id="{1AEE9BEF-3619-E7A0-5139-38EF50DE9E7E}"/>
-              </a:ext>
-            </a:extLst>
-          </p:cNvPr>
-          <p:cNvSpPr/>
-          <p:nvPr/>
-        </p:nvSpPr>
-        <p:spPr>
-          <a:xfrm>
-            <a:off x="923113" y="445889"/>
-            <a:ext cx="10345774" cy="801384"/>
-          </a:xfrm>
-          <a:prstGeom prst="roundRect">
-            <a:avLst/>
-          </a:prstGeom>
-        </p:spPr>
-        <p:style>
-          <a:lnRef idx="2">
-            <a:schemeClr val="accent2">
-              <a:shade val="15000"/>
-            </a:schemeClr>
-          </a:lnRef>
-          <a:fillRef idx="1">
-            <a:schemeClr val="accent2"/>
-          </a:fillRef>
-          <a:effectRef idx="0">
-            <a:schemeClr val="accent2"/>
-          </a:effectRef>
-          <a:fontRef idx="minor">
-            <a:schemeClr val="lt1"/>
-          </a:fontRef>
-        </p:style>
-        <p:txBody>
-          <a:bodyPr rtlCol="0" anchor="ctr"/>
-          <a:lstStyle/>
-          <a:p>
-            <a:pPr algn="ctr"/>
-            <a:r>
-              <a:rPr lang="en-GB" sz="5400" b="1" dirty="0"/>
-              <a:t>03 KEY TAKEWAYS</a:t>
-            </a:r>
-          </a:p>
-        </p:txBody>
-      </p:sp>
-      <p:sp>
-        <p:nvSpPr>
-          <p:cNvPr id="9" name="Rectangle: Rounded Corners 8">
-            <a:extLst>
-              <a:ext uri="{FF2B5EF4-FFF2-40B4-BE49-F238E27FC236}">
-                <a16:creationId xmlns:a16="http://schemas.microsoft.com/office/drawing/2014/main" id="{43D1CF77-E8D2-B5CD-4F25-A6687351B106}"/>
-              </a:ext>
-            </a:extLst>
-          </p:cNvPr>
-          <p:cNvSpPr/>
-          <p:nvPr/>
-        </p:nvSpPr>
-        <p:spPr>
-          <a:xfrm>
-            <a:off x="923112" y="1417314"/>
-            <a:ext cx="10345773" cy="4994797"/>
-          </a:xfrm>
-          <a:prstGeom prst="roundRect">
-            <a:avLst/>
-          </a:prstGeom>
-        </p:spPr>
-        <p:style>
-          <a:lnRef idx="2">
-            <a:schemeClr val="accent2">
-              <a:shade val="15000"/>
-            </a:schemeClr>
-          </a:lnRef>
-          <a:fillRef idx="1">
-            <a:schemeClr val="accent2"/>
-          </a:fillRef>
-          <a:effectRef idx="0">
-            <a:schemeClr val="accent2"/>
-          </a:effectRef>
-          <a:fontRef idx="minor">
-            <a:schemeClr val="lt1"/>
-          </a:fontRef>
-        </p:style>
-        <p:txBody>
-          <a:bodyPr rtlCol="0" anchor="ctr"/>
-          <a:lstStyle/>
-          <a:p>
-            <a:r>
-              <a:rPr lang="en-GB" sz="2800" b="1" dirty="0"/>
-              <a:t>   </a:t>
-            </a:r>
-          </a:p>
-          <a:p>
-            <a:r>
-              <a:rPr lang="en-GB" sz="2800" b="1" dirty="0"/>
-              <a:t>   # 1 We can add contextual data to effectively ‘fine-tune’ the LLM.</a:t>
-            </a:r>
-          </a:p>
-          <a:p>
-            <a:endParaRPr lang="en-GB" sz="2800" b="1" dirty="0"/>
-          </a:p>
-          <a:p>
-            <a:r>
-              <a:rPr lang="en-GB" sz="2800" b="1" dirty="0"/>
-              <a:t>   # 2 Our queries will then be able to answer using this added data – RAG effectively.</a:t>
-            </a:r>
-          </a:p>
-          <a:p>
-            <a:endParaRPr lang="en-GB" sz="2800" b="1" dirty="0"/>
-          </a:p>
-          <a:p>
-            <a:r>
-              <a:rPr lang="en-GB" sz="2800" b="1" dirty="0"/>
-              <a:t>   # 3 We can ‘a bit of AI’ in the form of FAQ/HELP/SEARCH using this pattern.</a:t>
-            </a:r>
-          </a:p>
-          <a:p>
-            <a:endParaRPr lang="en-GB" sz="2800" b="1" dirty="0"/>
-          </a:p>
-        </p:txBody>
-      </p:sp>
-    </p:spTree>
-    <p:extLst>
-      <p:ext uri="{BB962C8B-B14F-4D97-AF65-F5344CB8AC3E}">
-        <p14:creationId xmlns:p14="http://schemas.microsoft.com/office/powerpoint/2010/main" val="1378230741"/>
-      </p:ext>
-    </p:extLst>
-  </p:cSld>
-  <p:clrMapOvr>
-    <a:masterClrMapping/>
-  </p:clrMapOvr>
-</p:sld>
-</file>
-
-<file path=ppt/slides/slide8.xml><?xml version="1.0" encoding="utf-8"?>
-<p:sld xmlns:a="http://schemas.openxmlformats.org/drawingml/2006/main" xmlns:r="http://schemas.openxmlformats.org/officeDocument/2006/relationships" xmlns:p="http://schemas.openxmlformats.org/presentationml/2006/main">
-  <p:cSld>
-    <p:bg>
-      <p:bgPr>
-        <a:solidFill>
-          <a:schemeClr val="tx1">
-            <a:lumMod val="50000"/>
-            <a:lumOff val="50000"/>
-          </a:schemeClr>
-        </a:solidFill>
-        <a:effectLst/>
-      </p:bgPr>
-    </p:bg>
-    <p:spTree>
-      <p:nvGrpSpPr>
-        <p:cNvPr id="1" name="">
-          <a:extLst>
-            <a:ext uri="{FF2B5EF4-FFF2-40B4-BE49-F238E27FC236}">
-              <a16:creationId xmlns:a16="http://schemas.microsoft.com/office/drawing/2014/main" id="{9BF982DE-3D5D-86ED-BE11-15029EC574AE}"/>
-            </a:ext>
-          </a:extLst>
-        </p:cNvPr>
-        <p:cNvGrpSpPr/>
-        <p:nvPr/>
-      </p:nvGrpSpPr>
-      <p:grpSpPr>
-        <a:xfrm>
-          <a:off x="0" y="0"/>
-          <a:ext cx="0" cy="0"/>
-          <a:chOff x="0" y="0"/>
-          <a:chExt cx="0" cy="0"/>
-        </a:xfrm>
-      </p:grpSpPr>
-      <p:sp>
-        <p:nvSpPr>
-          <p:cNvPr id="2" name="Rectangle: Rounded Corners 1">
-            <a:extLst>
-              <a:ext uri="{FF2B5EF4-FFF2-40B4-BE49-F238E27FC236}">
-                <a16:creationId xmlns:a16="http://schemas.microsoft.com/office/drawing/2014/main" id="{E3626150-B9CD-C125-5141-9B4DCBC4E9DF}"/>
-              </a:ext>
-            </a:extLst>
-          </p:cNvPr>
-          <p:cNvSpPr/>
-          <p:nvPr/>
-        </p:nvSpPr>
-        <p:spPr>
-          <a:xfrm>
-            <a:off x="923113" y="445889"/>
-            <a:ext cx="10345774" cy="801384"/>
-          </a:xfrm>
-          <a:prstGeom prst="roundRect">
-            <a:avLst/>
-          </a:prstGeom>
-        </p:spPr>
-        <p:style>
-          <a:lnRef idx="2">
-            <a:schemeClr val="accent2">
-              <a:shade val="15000"/>
-            </a:schemeClr>
-          </a:lnRef>
-          <a:fillRef idx="1">
-            <a:schemeClr val="accent2"/>
-          </a:fillRef>
-          <a:effectRef idx="0">
-            <a:schemeClr val="accent2"/>
-          </a:effectRef>
-          <a:fontRef idx="minor">
-            <a:schemeClr val="lt1"/>
-          </a:fontRef>
-        </p:style>
-        <p:txBody>
-          <a:bodyPr rtlCol="0" anchor="ctr"/>
-          <a:lstStyle/>
-          <a:p>
-            <a:pPr algn="ctr"/>
-            <a:r>
-              <a:rPr lang="en-GB" sz="5400" b="1" dirty="0"/>
-              <a:t>04 KEY TAKEWAYS</a:t>
-            </a:r>
-          </a:p>
-        </p:txBody>
-      </p:sp>
-      <p:sp>
-        <p:nvSpPr>
-          <p:cNvPr id="9" name="Rectangle: Rounded Corners 8">
-            <a:extLst>
-              <a:ext uri="{FF2B5EF4-FFF2-40B4-BE49-F238E27FC236}">
-                <a16:creationId xmlns:a16="http://schemas.microsoft.com/office/drawing/2014/main" id="{66A5AE2B-382F-5D2E-CACE-068F5E44E7D9}"/>
-              </a:ext>
-            </a:extLst>
-          </p:cNvPr>
-          <p:cNvSpPr/>
-          <p:nvPr/>
-        </p:nvSpPr>
-        <p:spPr>
-          <a:xfrm>
-            <a:off x="923112" y="1417314"/>
-            <a:ext cx="10345773" cy="4994797"/>
-          </a:xfrm>
-          <a:prstGeom prst="roundRect">
-            <a:avLst/>
-          </a:prstGeom>
-        </p:spPr>
-        <p:style>
-          <a:lnRef idx="2">
-            <a:schemeClr val="accent2">
-              <a:shade val="15000"/>
-            </a:schemeClr>
-          </a:lnRef>
-          <a:fillRef idx="1">
-            <a:schemeClr val="accent2"/>
-          </a:fillRef>
-          <a:effectRef idx="0">
-            <a:schemeClr val="accent2"/>
-          </a:effectRef>
-          <a:fontRef idx="minor">
-            <a:schemeClr val="lt1"/>
-          </a:fontRef>
-        </p:style>
-        <p:txBody>
-          <a:bodyPr rtlCol="0" anchor="ctr"/>
-          <a:lstStyle/>
-          <a:p>
-            <a:r>
-              <a:rPr lang="en-GB" sz="2800" b="1" dirty="0"/>
-              <a:t>   </a:t>
-            </a:r>
-          </a:p>
-          <a:p>
-            <a:r>
-              <a:rPr lang="en-GB" sz="2800" b="1" dirty="0"/>
-              <a:t>   # 1 The Agent can select the most appropriate report from Natural Language from a form for example, that can </a:t>
-            </a:r>
-            <a:r>
-              <a:rPr lang="en-GB" sz="2800" b="1"/>
-              <a:t>be combined </a:t>
-            </a:r>
-            <a:r>
-              <a:rPr lang="en-GB" sz="2800" b="1" dirty="0"/>
-              <a:t>with structured input from a form like dates, format etc.</a:t>
-            </a:r>
-          </a:p>
-          <a:p>
-            <a:endParaRPr lang="en-GB" sz="2800" b="1" dirty="0"/>
-          </a:p>
-          <a:p>
-            <a:r>
-              <a:rPr lang="en-GB" sz="2800" b="1" dirty="0"/>
-              <a:t>   # 2 This is akin to an ‘if/else’ pattern  because we can code in the next step based on what is returned. </a:t>
-            </a:r>
-          </a:p>
-          <a:p>
-            <a:endParaRPr lang="en-GB" sz="2800" b="1" dirty="0"/>
-          </a:p>
-          <a:p>
-            <a:r>
-              <a:rPr lang="en-GB" sz="2800" b="1" dirty="0"/>
-              <a:t>   #3 We could pass this to another agent which can then execute instructions in it as well as determine the next step.</a:t>
-            </a:r>
-          </a:p>
-          <a:p>
-            <a:endParaRPr lang="en-GB" sz="2800" b="1" dirty="0"/>
-          </a:p>
-        </p:txBody>
-      </p:sp>
-    </p:spTree>
-    <p:extLst>
-      <p:ext uri="{BB962C8B-B14F-4D97-AF65-F5344CB8AC3E}">
-        <p14:creationId xmlns:p14="http://schemas.microsoft.com/office/powerpoint/2010/main" val="3060740445"/>
-      </p:ext>
-    </p:extLst>
-  </p:cSld>
-  <p:clrMapOvr>
-    <a:masterClrMapping/>
-  </p:clrMapOvr>
-</p:sld>
-</file>
-
-<file path=ppt/slides/slide9.xml><?xml version="1.0" encoding="utf-8"?>
-<p:sld xmlns:a="http://schemas.openxmlformats.org/drawingml/2006/main" xmlns:r="http://schemas.openxmlformats.org/officeDocument/2006/relationships" xmlns:p="http://schemas.openxmlformats.org/presentationml/2006/main">
-  <p:cSld>
-    <p:bg>
-      <p:bgPr>
-        <a:solidFill>
-          <a:schemeClr val="tx1">
-            <a:lumMod val="50000"/>
-            <a:lumOff val="50000"/>
-          </a:schemeClr>
-        </a:solidFill>
-        <a:effectLst/>
-      </p:bgPr>
-    </p:bg>
-    <p:spTree>
-      <p:nvGrpSpPr>
-        <p:cNvPr id="1" name="">
-          <a:extLst>
-            <a:ext uri="{FF2B5EF4-FFF2-40B4-BE49-F238E27FC236}">
-              <a16:creationId xmlns:a16="http://schemas.microsoft.com/office/drawing/2014/main" id="{46C894D9-191B-4FDF-BC64-C5BF79E58676}"/>
-            </a:ext>
-          </a:extLst>
-        </p:cNvPr>
-        <p:cNvGrpSpPr/>
-        <p:nvPr/>
-      </p:nvGrpSpPr>
-      <p:grpSpPr>
-        <a:xfrm>
-          <a:off x="0" y="0"/>
-          <a:ext cx="0" cy="0"/>
-          <a:chOff x="0" y="0"/>
-          <a:chExt cx="0" cy="0"/>
-        </a:xfrm>
-      </p:grpSpPr>
-      <p:sp>
-        <p:nvSpPr>
-          <p:cNvPr id="2" name="Rectangle: Rounded Corners 1">
-            <a:extLst>
-              <a:ext uri="{FF2B5EF4-FFF2-40B4-BE49-F238E27FC236}">
-                <a16:creationId xmlns:a16="http://schemas.microsoft.com/office/drawing/2014/main" id="{B7E45732-6530-EC9C-BAF4-82987432D01A}"/>
-              </a:ext>
-            </a:extLst>
-          </p:cNvPr>
-          <p:cNvSpPr/>
-          <p:nvPr/>
-        </p:nvSpPr>
-        <p:spPr>
-          <a:xfrm>
-            <a:off x="923113" y="445889"/>
-            <a:ext cx="10345774" cy="801384"/>
-          </a:xfrm>
-          <a:prstGeom prst="roundRect">
-            <a:avLst/>
-          </a:prstGeom>
-        </p:spPr>
-        <p:style>
-          <a:lnRef idx="2">
-            <a:schemeClr val="accent2">
-              <a:shade val="15000"/>
-            </a:schemeClr>
-          </a:lnRef>
-          <a:fillRef idx="1">
-            <a:schemeClr val="accent2"/>
-          </a:fillRef>
-          <a:effectRef idx="0">
-            <a:schemeClr val="accent2"/>
-          </a:effectRef>
-          <a:fontRef idx="minor">
-            <a:schemeClr val="lt1"/>
-          </a:fontRef>
-        </p:style>
-        <p:txBody>
-          <a:bodyPr rtlCol="0" anchor="ctr"/>
-          <a:lstStyle/>
-          <a:p>
-            <a:pPr algn="ctr"/>
-            <a:r>
-              <a:rPr lang="en-GB" sz="5400" b="1" dirty="0"/>
-              <a:t>05 KEY TAKEWAYS</a:t>
-            </a:r>
-          </a:p>
-        </p:txBody>
-      </p:sp>
-      <p:sp>
-        <p:nvSpPr>
-          <p:cNvPr id="9" name="Rectangle: Rounded Corners 8">
-            <a:extLst>
-              <a:ext uri="{FF2B5EF4-FFF2-40B4-BE49-F238E27FC236}">
-                <a16:creationId xmlns:a16="http://schemas.microsoft.com/office/drawing/2014/main" id="{49D0882D-5C3A-8BCE-75EE-7828508651AC}"/>
-              </a:ext>
-            </a:extLst>
-          </p:cNvPr>
-          <p:cNvSpPr/>
-          <p:nvPr/>
-        </p:nvSpPr>
-        <p:spPr>
-          <a:xfrm>
-            <a:off x="923112" y="1417314"/>
-            <a:ext cx="10345773" cy="4994797"/>
-          </a:xfrm>
-          <a:prstGeom prst="roundRect">
-            <a:avLst/>
-          </a:prstGeom>
-        </p:spPr>
-        <p:style>
-          <a:lnRef idx="2">
-            <a:schemeClr val="accent2">
-              <a:shade val="15000"/>
-            </a:schemeClr>
-          </a:lnRef>
-          <a:fillRef idx="1">
-            <a:schemeClr val="accent2"/>
-          </a:fillRef>
-          <a:effectRef idx="0">
-            <a:schemeClr val="accent2"/>
-          </a:effectRef>
-          <a:fontRef idx="minor">
-            <a:schemeClr val="lt1"/>
-          </a:fontRef>
-        </p:style>
-        <p:txBody>
-          <a:bodyPr rtlCol="0" anchor="ctr"/>
-          <a:lstStyle/>
-          <a:p>
-            <a:r>
-              <a:rPr lang="en-GB" sz="2800" b="1" dirty="0"/>
-              <a:t>   </a:t>
-            </a:r>
-          </a:p>
-          <a:p>
-            <a:r>
-              <a:rPr lang="en-GB" sz="2800" b="1" dirty="0"/>
-              <a:t>   # 1 We can get the agent to determine which tool to run by further asking it to extract the arguments and the function name. Tool is some code – function</a:t>
-            </a:r>
-            <a:r>
-              <a:rPr lang="en-GB" sz="2800" b="1"/>
-              <a:t>/class etc.</a:t>
-            </a:r>
-            <a:endParaRPr lang="en-GB" sz="2800" b="1" dirty="0"/>
-          </a:p>
-          <a:p>
-            <a:endParaRPr lang="en-GB" sz="2800" b="1" dirty="0"/>
-          </a:p>
-          <a:p>
-            <a:r>
-              <a:rPr lang="en-GB" sz="2800" b="1" dirty="0"/>
-              <a:t>   # 2 This is known as ‘tool calling’. Once the function and arguments are executed, we can pass them on to another agent or we can loop over the output until we get a specified answer, (see 20_planning).</a:t>
-            </a:r>
-          </a:p>
-          <a:p>
-            <a:endParaRPr lang="en-GB" sz="2800" b="1" dirty="0"/>
-          </a:p>
-        </p:txBody>
-      </p:sp>
-    </p:spTree>
-    <p:extLst>
-      <p:ext uri="{BB962C8B-B14F-4D97-AF65-F5344CB8AC3E}">
-        <p14:creationId xmlns:p14="http://schemas.microsoft.com/office/powerpoint/2010/main" val="3115305650"/>
       </p:ext>
     </p:extLst>
   </p:cSld>

--- a/ai-agents.pptx
+++ b/ai-agents.pptx
@@ -282,7 +282,7 @@
           <a:p>
             <a:fld id="{9F984A1A-F576-403E-81D7-74E1235F9109}" type="datetimeFigureOut">
               <a:rPr lang="en-GB" smtClean="0"/>
-              <a:t>07/03/2025</a:t>
+              <a:t>27/03/2025</a:t>
             </a:fld>
             <a:endParaRPr lang="en-GB"/>
           </a:p>
@@ -482,7 +482,7 @@
           <a:p>
             <a:fld id="{9F984A1A-F576-403E-81D7-74E1235F9109}" type="datetimeFigureOut">
               <a:rPr lang="en-GB" smtClean="0"/>
-              <a:t>07/03/2025</a:t>
+              <a:t>27/03/2025</a:t>
             </a:fld>
             <a:endParaRPr lang="en-GB"/>
           </a:p>
@@ -692,7 +692,7 @@
           <a:p>
             <a:fld id="{9F984A1A-F576-403E-81D7-74E1235F9109}" type="datetimeFigureOut">
               <a:rPr lang="en-GB" smtClean="0"/>
-              <a:t>07/03/2025</a:t>
+              <a:t>27/03/2025</a:t>
             </a:fld>
             <a:endParaRPr lang="en-GB"/>
           </a:p>
@@ -892,7 +892,7 @@
           <a:p>
             <a:fld id="{9F984A1A-F576-403E-81D7-74E1235F9109}" type="datetimeFigureOut">
               <a:rPr lang="en-GB" smtClean="0"/>
-              <a:t>07/03/2025</a:t>
+              <a:t>27/03/2025</a:t>
             </a:fld>
             <a:endParaRPr lang="en-GB"/>
           </a:p>
@@ -1168,7 +1168,7 @@
           <a:p>
             <a:fld id="{9F984A1A-F576-403E-81D7-74E1235F9109}" type="datetimeFigureOut">
               <a:rPr lang="en-GB" smtClean="0"/>
-              <a:t>07/03/2025</a:t>
+              <a:t>27/03/2025</a:t>
             </a:fld>
             <a:endParaRPr lang="en-GB"/>
           </a:p>
@@ -1436,7 +1436,7 @@
           <a:p>
             <a:fld id="{9F984A1A-F576-403E-81D7-74E1235F9109}" type="datetimeFigureOut">
               <a:rPr lang="en-GB" smtClean="0"/>
-              <a:t>07/03/2025</a:t>
+              <a:t>27/03/2025</a:t>
             </a:fld>
             <a:endParaRPr lang="en-GB"/>
           </a:p>
@@ -1851,7 +1851,7 @@
           <a:p>
             <a:fld id="{9F984A1A-F576-403E-81D7-74E1235F9109}" type="datetimeFigureOut">
               <a:rPr lang="en-GB" smtClean="0"/>
-              <a:t>07/03/2025</a:t>
+              <a:t>27/03/2025</a:t>
             </a:fld>
             <a:endParaRPr lang="en-GB"/>
           </a:p>
@@ -1993,7 +1993,7 @@
           <a:p>
             <a:fld id="{9F984A1A-F576-403E-81D7-74E1235F9109}" type="datetimeFigureOut">
               <a:rPr lang="en-GB" smtClean="0"/>
-              <a:t>07/03/2025</a:t>
+              <a:t>27/03/2025</a:t>
             </a:fld>
             <a:endParaRPr lang="en-GB"/>
           </a:p>
@@ -2106,7 +2106,7 @@
           <a:p>
             <a:fld id="{9F984A1A-F576-403E-81D7-74E1235F9109}" type="datetimeFigureOut">
               <a:rPr lang="en-GB" smtClean="0"/>
-              <a:t>07/03/2025</a:t>
+              <a:t>27/03/2025</a:t>
             </a:fld>
             <a:endParaRPr lang="en-GB"/>
           </a:p>
@@ -2419,7 +2419,7 @@
           <a:p>
             <a:fld id="{9F984A1A-F576-403E-81D7-74E1235F9109}" type="datetimeFigureOut">
               <a:rPr lang="en-GB" smtClean="0"/>
-              <a:t>07/03/2025</a:t>
+              <a:t>27/03/2025</a:t>
             </a:fld>
             <a:endParaRPr lang="en-GB"/>
           </a:p>
@@ -2708,7 +2708,7 @@
           <a:p>
             <a:fld id="{9F984A1A-F576-403E-81D7-74E1235F9109}" type="datetimeFigureOut">
               <a:rPr lang="en-GB" smtClean="0"/>
-              <a:t>07/03/2025</a:t>
+              <a:t>27/03/2025</a:t>
             </a:fld>
             <a:endParaRPr lang="en-GB"/>
           </a:p>
@@ -2951,7 +2951,7 @@
           <a:p>
             <a:fld id="{9F984A1A-F576-403E-81D7-74E1235F9109}" type="datetimeFigureOut">
               <a:rPr lang="en-GB" smtClean="0"/>
-              <a:t>07/03/2025</a:t>
+              <a:t>27/03/2025</a:t>
             </a:fld>
             <a:endParaRPr lang="en-GB"/>
           </a:p>
@@ -6953,8 +6953,13 @@
             <a:pPr algn="ctr"/>
             <a:r>
               <a:rPr lang="en-GB" sz="2800" b="1" dirty="0"/>
-              <a:t>Translate natural language to select appropriate report</a:t>
-            </a:r>
+              <a:t>Translate natural language to </a:t>
+            </a:r>
+            <a:r>
+              <a:rPr lang="en-GB" sz="2800" b="1"/>
+              <a:t>select NEXT</a:t>
+            </a:r>
+            <a:endParaRPr lang="en-GB" sz="2800" b="1" dirty="0"/>
           </a:p>
         </p:txBody>
       </p:sp>

--- a/ai-agents.pptx
+++ b/ai-agents.pptx
@@ -4,21 +4,26 @@
   <p:sldMasterIdLst>
     <p:sldMasterId id="2147483648" r:id="rId1"/>
   </p:sldMasterIdLst>
+  <p:notesMasterIdLst>
+    <p:notesMasterId r:id="rId18"/>
+  </p:notesMasterIdLst>
   <p:sldIdLst>
     <p:sldId id="266" r:id="rId2"/>
     <p:sldId id="275" r:id="rId3"/>
     <p:sldId id="267" r:id="rId4"/>
-    <p:sldId id="276" r:id="rId5"/>
-    <p:sldId id="277" r:id="rId6"/>
-    <p:sldId id="279" r:id="rId7"/>
-    <p:sldId id="278" r:id="rId8"/>
-    <p:sldId id="268" r:id="rId9"/>
-    <p:sldId id="269" r:id="rId10"/>
-    <p:sldId id="270" r:id="rId11"/>
-    <p:sldId id="271" r:id="rId12"/>
-    <p:sldId id="272" r:id="rId13"/>
-    <p:sldId id="273" r:id="rId14"/>
-    <p:sldId id="274" r:id="rId15"/>
+    <p:sldId id="280" r:id="rId5"/>
+    <p:sldId id="276" r:id="rId6"/>
+    <p:sldId id="277" r:id="rId7"/>
+    <p:sldId id="279" r:id="rId8"/>
+    <p:sldId id="278" r:id="rId9"/>
+    <p:sldId id="268" r:id="rId10"/>
+    <p:sldId id="281" r:id="rId11"/>
+    <p:sldId id="269" r:id="rId12"/>
+    <p:sldId id="270" r:id="rId13"/>
+    <p:sldId id="271" r:id="rId14"/>
+    <p:sldId id="272" r:id="rId15"/>
+    <p:sldId id="273" r:id="rId16"/>
+    <p:sldId id="274" r:id="rId17"/>
   </p:sldIdLst>
   <p:sldSz cx="12192000" cy="6858000"/>
   <p:notesSz cx="6858000" cy="9144000"/>
@@ -133,6 +138,440 @@
 </p1510:revInfo>
 </file>
 
+<file path=ppt/notesMasters/notesMaster1.xml><?xml version="1.0" encoding="utf-8"?>
+<p:notesMaster xmlns:a="http://schemas.openxmlformats.org/drawingml/2006/main" xmlns:r="http://schemas.openxmlformats.org/officeDocument/2006/relationships" xmlns:p="http://schemas.openxmlformats.org/presentationml/2006/main">
+  <p:cSld>
+    <p:bg>
+      <p:bgRef idx="1001">
+        <a:schemeClr val="bg1"/>
+      </p:bgRef>
+    </p:bg>
+    <p:spTree>
+      <p:nvGrpSpPr>
+        <p:cNvPr id="1" name=""/>
+        <p:cNvGrpSpPr/>
+        <p:nvPr/>
+      </p:nvGrpSpPr>
+      <p:grpSpPr>
+        <a:xfrm>
+          <a:off x="0" y="0"/>
+          <a:ext cx="0" cy="0"/>
+          <a:chOff x="0" y="0"/>
+          <a:chExt cx="0" cy="0"/>
+        </a:xfrm>
+      </p:grpSpPr>
+      <p:sp>
+        <p:nvSpPr>
+          <p:cNvPr id="2" name="Header Placeholder 1"/>
+          <p:cNvSpPr>
+            <a:spLocks noGrp="1"/>
+          </p:cNvSpPr>
+          <p:nvPr>
+            <p:ph type="hdr" sz="quarter"/>
+          </p:nvPr>
+        </p:nvSpPr>
+        <p:spPr>
+          <a:xfrm>
+            <a:off x="0" y="0"/>
+            <a:ext cx="2971800" cy="458788"/>
+          </a:xfrm>
+          <a:prstGeom prst="rect">
+            <a:avLst/>
+          </a:prstGeom>
+        </p:spPr>
+        <p:txBody>
+          <a:bodyPr vert="horz" lIns="91440" tIns="45720" rIns="91440" bIns="45720" rtlCol="0"/>
+          <a:lstStyle>
+            <a:lvl1pPr algn="l">
+              <a:defRPr sz="1200"/>
+            </a:lvl1pPr>
+          </a:lstStyle>
+          <a:p>
+            <a:endParaRPr lang="en-GB"/>
+          </a:p>
+        </p:txBody>
+      </p:sp>
+      <p:sp>
+        <p:nvSpPr>
+          <p:cNvPr id="3" name="Date Placeholder 2"/>
+          <p:cNvSpPr>
+            <a:spLocks noGrp="1"/>
+          </p:cNvSpPr>
+          <p:nvPr>
+            <p:ph type="dt" idx="1"/>
+          </p:nvPr>
+        </p:nvSpPr>
+        <p:spPr>
+          <a:xfrm>
+            <a:off x="3884613" y="0"/>
+            <a:ext cx="2971800" cy="458788"/>
+          </a:xfrm>
+          <a:prstGeom prst="rect">
+            <a:avLst/>
+          </a:prstGeom>
+        </p:spPr>
+        <p:txBody>
+          <a:bodyPr vert="horz" lIns="91440" tIns="45720" rIns="91440" bIns="45720" rtlCol="0"/>
+          <a:lstStyle>
+            <a:lvl1pPr algn="r">
+              <a:defRPr sz="1200"/>
+            </a:lvl1pPr>
+          </a:lstStyle>
+          <a:p>
+            <a:fld id="{1D008B94-CB06-4F20-9C5A-8C826F4D9DBD}" type="datetimeFigureOut">
+              <a:rPr lang="en-GB" smtClean="0"/>
+              <a:t>09/04/2025</a:t>
+            </a:fld>
+            <a:endParaRPr lang="en-GB"/>
+          </a:p>
+        </p:txBody>
+      </p:sp>
+      <p:sp>
+        <p:nvSpPr>
+          <p:cNvPr id="4" name="Slide Image Placeholder 3"/>
+          <p:cNvSpPr>
+            <a:spLocks noGrp="1" noRot="1" noChangeAspect="1"/>
+          </p:cNvSpPr>
+          <p:nvPr>
+            <p:ph type="sldImg" idx="2"/>
+          </p:nvPr>
+        </p:nvSpPr>
+        <p:spPr>
+          <a:xfrm>
+            <a:off x="685800" y="1143000"/>
+            <a:ext cx="5486400" cy="3086100"/>
+          </a:xfrm>
+          <a:prstGeom prst="rect">
+            <a:avLst/>
+          </a:prstGeom>
+          <a:noFill/>
+          <a:ln w="12700">
+            <a:solidFill>
+              <a:prstClr val="black"/>
+            </a:solidFill>
+          </a:ln>
+        </p:spPr>
+        <p:txBody>
+          <a:bodyPr vert="horz" lIns="91440" tIns="45720" rIns="91440" bIns="45720" rtlCol="0" anchor="ctr"/>
+          <a:lstStyle/>
+          <a:p>
+            <a:endParaRPr lang="en-GB"/>
+          </a:p>
+        </p:txBody>
+      </p:sp>
+      <p:sp>
+        <p:nvSpPr>
+          <p:cNvPr id="5" name="Notes Placeholder 4"/>
+          <p:cNvSpPr>
+            <a:spLocks noGrp="1"/>
+          </p:cNvSpPr>
+          <p:nvPr>
+            <p:ph type="body" sz="quarter" idx="3"/>
+          </p:nvPr>
+        </p:nvSpPr>
+        <p:spPr>
+          <a:xfrm>
+            <a:off x="685800" y="4400550"/>
+            <a:ext cx="5486400" cy="3600450"/>
+          </a:xfrm>
+          <a:prstGeom prst="rect">
+            <a:avLst/>
+          </a:prstGeom>
+        </p:spPr>
+        <p:txBody>
+          <a:bodyPr vert="horz" lIns="91440" tIns="45720" rIns="91440" bIns="45720" rtlCol="0"/>
+          <a:lstStyle/>
+          <a:p>
+            <a:pPr lvl="0"/>
+            <a:r>
+              <a:rPr lang="en-US"/>
+              <a:t>Click to edit Master text styles</a:t>
+            </a:r>
+          </a:p>
+          <a:p>
+            <a:pPr lvl="1"/>
+            <a:r>
+              <a:rPr lang="en-US"/>
+              <a:t>Second level</a:t>
+            </a:r>
+          </a:p>
+          <a:p>
+            <a:pPr lvl="2"/>
+            <a:r>
+              <a:rPr lang="en-US"/>
+              <a:t>Third level</a:t>
+            </a:r>
+          </a:p>
+          <a:p>
+            <a:pPr lvl="3"/>
+            <a:r>
+              <a:rPr lang="en-US"/>
+              <a:t>Fourth level</a:t>
+            </a:r>
+          </a:p>
+          <a:p>
+            <a:pPr lvl="4"/>
+            <a:r>
+              <a:rPr lang="en-US"/>
+              <a:t>Fifth level</a:t>
+            </a:r>
+            <a:endParaRPr lang="en-GB"/>
+          </a:p>
+        </p:txBody>
+      </p:sp>
+      <p:sp>
+        <p:nvSpPr>
+          <p:cNvPr id="6" name="Footer Placeholder 5"/>
+          <p:cNvSpPr>
+            <a:spLocks noGrp="1"/>
+          </p:cNvSpPr>
+          <p:nvPr>
+            <p:ph type="ftr" sz="quarter" idx="4"/>
+          </p:nvPr>
+        </p:nvSpPr>
+        <p:spPr>
+          <a:xfrm>
+            <a:off x="0" y="8685213"/>
+            <a:ext cx="2971800" cy="458787"/>
+          </a:xfrm>
+          <a:prstGeom prst="rect">
+            <a:avLst/>
+          </a:prstGeom>
+        </p:spPr>
+        <p:txBody>
+          <a:bodyPr vert="horz" lIns="91440" tIns="45720" rIns="91440" bIns="45720" rtlCol="0" anchor="b"/>
+          <a:lstStyle>
+            <a:lvl1pPr algn="l">
+              <a:defRPr sz="1200"/>
+            </a:lvl1pPr>
+          </a:lstStyle>
+          <a:p>
+            <a:endParaRPr lang="en-GB"/>
+          </a:p>
+        </p:txBody>
+      </p:sp>
+      <p:sp>
+        <p:nvSpPr>
+          <p:cNvPr id="7" name="Slide Number Placeholder 6"/>
+          <p:cNvSpPr>
+            <a:spLocks noGrp="1"/>
+          </p:cNvSpPr>
+          <p:nvPr>
+            <p:ph type="sldNum" sz="quarter" idx="5"/>
+          </p:nvPr>
+        </p:nvSpPr>
+        <p:spPr>
+          <a:xfrm>
+            <a:off x="3884613" y="8685213"/>
+            <a:ext cx="2971800" cy="458787"/>
+          </a:xfrm>
+          <a:prstGeom prst="rect">
+            <a:avLst/>
+          </a:prstGeom>
+        </p:spPr>
+        <p:txBody>
+          <a:bodyPr vert="horz" lIns="91440" tIns="45720" rIns="91440" bIns="45720" rtlCol="0" anchor="b"/>
+          <a:lstStyle>
+            <a:lvl1pPr algn="r">
+              <a:defRPr sz="1200"/>
+            </a:lvl1pPr>
+          </a:lstStyle>
+          <a:p>
+            <a:fld id="{412BABD5-0960-4F26-8AE1-9C1EFC5E66DB}" type="slidenum">
+              <a:rPr lang="en-GB" smtClean="0"/>
+              <a:t>‹#›</a:t>
+            </a:fld>
+            <a:endParaRPr lang="en-GB"/>
+          </a:p>
+        </p:txBody>
+      </p:sp>
+    </p:spTree>
+    <p:extLst>
+      <p:ext uri="{BB962C8B-B14F-4D97-AF65-F5344CB8AC3E}">
+        <p14:creationId xmlns:p14="http://schemas.microsoft.com/office/powerpoint/2010/main" val="4055234835"/>
+      </p:ext>
+    </p:extLst>
+  </p:cSld>
+  <p:clrMap bg1="lt1" tx1="dk1" bg2="lt2" tx2="dk2" accent1="accent1" accent2="accent2" accent3="accent3" accent4="accent4" accent5="accent5" accent6="accent6" hlink="hlink" folHlink="folHlink"/>
+  <p:notesStyle>
+    <a:lvl1pPr marL="0" algn="l" defTabSz="914400" rtl="0" eaLnBrk="1" latinLnBrk="0" hangingPunct="1">
+      <a:defRPr sz="1200" kern="1200">
+        <a:solidFill>
+          <a:schemeClr val="tx1"/>
+        </a:solidFill>
+        <a:latin typeface="+mn-lt"/>
+        <a:ea typeface="+mn-ea"/>
+        <a:cs typeface="+mn-cs"/>
+      </a:defRPr>
+    </a:lvl1pPr>
+    <a:lvl2pPr marL="457200" algn="l" defTabSz="914400" rtl="0" eaLnBrk="1" latinLnBrk="0" hangingPunct="1">
+      <a:defRPr sz="1200" kern="1200">
+        <a:solidFill>
+          <a:schemeClr val="tx1"/>
+        </a:solidFill>
+        <a:latin typeface="+mn-lt"/>
+        <a:ea typeface="+mn-ea"/>
+        <a:cs typeface="+mn-cs"/>
+      </a:defRPr>
+    </a:lvl2pPr>
+    <a:lvl3pPr marL="914400" algn="l" defTabSz="914400" rtl="0" eaLnBrk="1" latinLnBrk="0" hangingPunct="1">
+      <a:defRPr sz="1200" kern="1200">
+        <a:solidFill>
+          <a:schemeClr val="tx1"/>
+        </a:solidFill>
+        <a:latin typeface="+mn-lt"/>
+        <a:ea typeface="+mn-ea"/>
+        <a:cs typeface="+mn-cs"/>
+      </a:defRPr>
+    </a:lvl3pPr>
+    <a:lvl4pPr marL="1371600" algn="l" defTabSz="914400" rtl="0" eaLnBrk="1" latinLnBrk="0" hangingPunct="1">
+      <a:defRPr sz="1200" kern="1200">
+        <a:solidFill>
+          <a:schemeClr val="tx1"/>
+        </a:solidFill>
+        <a:latin typeface="+mn-lt"/>
+        <a:ea typeface="+mn-ea"/>
+        <a:cs typeface="+mn-cs"/>
+      </a:defRPr>
+    </a:lvl4pPr>
+    <a:lvl5pPr marL="1828800" algn="l" defTabSz="914400" rtl="0" eaLnBrk="1" latinLnBrk="0" hangingPunct="1">
+      <a:defRPr sz="1200" kern="1200">
+        <a:solidFill>
+          <a:schemeClr val="tx1"/>
+        </a:solidFill>
+        <a:latin typeface="+mn-lt"/>
+        <a:ea typeface="+mn-ea"/>
+        <a:cs typeface="+mn-cs"/>
+      </a:defRPr>
+    </a:lvl5pPr>
+    <a:lvl6pPr marL="2286000" algn="l" defTabSz="914400" rtl="0" eaLnBrk="1" latinLnBrk="0" hangingPunct="1">
+      <a:defRPr sz="1200" kern="1200">
+        <a:solidFill>
+          <a:schemeClr val="tx1"/>
+        </a:solidFill>
+        <a:latin typeface="+mn-lt"/>
+        <a:ea typeface="+mn-ea"/>
+        <a:cs typeface="+mn-cs"/>
+      </a:defRPr>
+    </a:lvl6pPr>
+    <a:lvl7pPr marL="2743200" algn="l" defTabSz="914400" rtl="0" eaLnBrk="1" latinLnBrk="0" hangingPunct="1">
+      <a:defRPr sz="1200" kern="1200">
+        <a:solidFill>
+          <a:schemeClr val="tx1"/>
+        </a:solidFill>
+        <a:latin typeface="+mn-lt"/>
+        <a:ea typeface="+mn-ea"/>
+        <a:cs typeface="+mn-cs"/>
+      </a:defRPr>
+    </a:lvl7pPr>
+    <a:lvl8pPr marL="3200400" algn="l" defTabSz="914400" rtl="0" eaLnBrk="1" latinLnBrk="0" hangingPunct="1">
+      <a:defRPr sz="1200" kern="1200">
+        <a:solidFill>
+          <a:schemeClr val="tx1"/>
+        </a:solidFill>
+        <a:latin typeface="+mn-lt"/>
+        <a:ea typeface="+mn-ea"/>
+        <a:cs typeface="+mn-cs"/>
+      </a:defRPr>
+    </a:lvl8pPr>
+    <a:lvl9pPr marL="3657600" algn="l" defTabSz="914400" rtl="0" eaLnBrk="1" latinLnBrk="0" hangingPunct="1">
+      <a:defRPr sz="1200" kern="1200">
+        <a:solidFill>
+          <a:schemeClr val="tx1"/>
+        </a:solidFill>
+        <a:latin typeface="+mn-lt"/>
+        <a:ea typeface="+mn-ea"/>
+        <a:cs typeface="+mn-cs"/>
+      </a:defRPr>
+    </a:lvl9pPr>
+  </p:notesStyle>
+</p:notesMaster>
+</file>
+
+<file path=ppt/notesSlides/notesSlide1.xml><?xml version="1.0" encoding="utf-8"?>
+<p:notes xmlns:a="http://schemas.openxmlformats.org/drawingml/2006/main" xmlns:r="http://schemas.openxmlformats.org/officeDocument/2006/relationships" xmlns:p="http://schemas.openxmlformats.org/presentationml/2006/main">
+  <p:cSld>
+    <p:spTree>
+      <p:nvGrpSpPr>
+        <p:cNvPr id="1" name=""/>
+        <p:cNvGrpSpPr/>
+        <p:nvPr/>
+      </p:nvGrpSpPr>
+      <p:grpSpPr>
+        <a:xfrm>
+          <a:off x="0" y="0"/>
+          <a:ext cx="0" cy="0"/>
+          <a:chOff x="0" y="0"/>
+          <a:chExt cx="0" cy="0"/>
+        </a:xfrm>
+      </p:grpSpPr>
+      <p:sp>
+        <p:nvSpPr>
+          <p:cNvPr id="2" name="Slide Image Placeholder 1"/>
+          <p:cNvSpPr>
+            <a:spLocks noGrp="1" noRot="1" noChangeAspect="1"/>
+          </p:cNvSpPr>
+          <p:nvPr>
+            <p:ph type="sldImg"/>
+          </p:nvPr>
+        </p:nvSpPr>
+        <p:spPr/>
+      </p:sp>
+      <p:sp>
+        <p:nvSpPr>
+          <p:cNvPr id="3" name="Notes Placeholder 2"/>
+          <p:cNvSpPr>
+            <a:spLocks noGrp="1"/>
+          </p:cNvSpPr>
+          <p:nvPr>
+            <p:ph type="body" idx="1"/>
+          </p:nvPr>
+        </p:nvSpPr>
+        <p:spPr/>
+        <p:txBody>
+          <a:bodyPr/>
+          <a:lstStyle/>
+          <a:p>
+            <a:endParaRPr lang="en-GB" dirty="0"/>
+          </a:p>
+        </p:txBody>
+      </p:sp>
+      <p:sp>
+        <p:nvSpPr>
+          <p:cNvPr id="4" name="Slide Number Placeholder 3"/>
+          <p:cNvSpPr>
+            <a:spLocks noGrp="1"/>
+          </p:cNvSpPr>
+          <p:nvPr>
+            <p:ph type="sldNum" sz="quarter" idx="5"/>
+          </p:nvPr>
+        </p:nvSpPr>
+        <p:spPr/>
+        <p:txBody>
+          <a:bodyPr/>
+          <a:lstStyle/>
+          <a:p>
+            <a:fld id="{412BABD5-0960-4F26-8AE1-9C1EFC5E66DB}" type="slidenum">
+              <a:rPr lang="en-GB" smtClean="0"/>
+              <a:t>10</a:t>
+            </a:fld>
+            <a:endParaRPr lang="en-GB"/>
+          </a:p>
+        </p:txBody>
+      </p:sp>
+    </p:spTree>
+    <p:extLst>
+      <p:ext uri="{BB962C8B-B14F-4D97-AF65-F5344CB8AC3E}">
+        <p14:creationId xmlns:p14="http://schemas.microsoft.com/office/powerpoint/2010/main" val="140793108"/>
+      </p:ext>
+    </p:extLst>
+  </p:cSld>
+  <p:clrMapOvr>
+    <a:masterClrMapping/>
+  </p:clrMapOvr>
+</p:notes>
+</file>
+
 <file path=ppt/slideLayouts/slideLayout1.xml><?xml version="1.0" encoding="utf-8"?>
 <p:sldLayout xmlns:a="http://schemas.openxmlformats.org/drawingml/2006/main" xmlns:r="http://schemas.openxmlformats.org/officeDocument/2006/relationships" xmlns:p="http://schemas.openxmlformats.org/presentationml/2006/main" type="title" preserve="1">
   <p:cSld name="Title Slide">
@@ -282,7 +721,7 @@
           <a:p>
             <a:fld id="{9F984A1A-F576-403E-81D7-74E1235F9109}" type="datetimeFigureOut">
               <a:rPr lang="en-GB" smtClean="0"/>
-              <a:t>27/03/2025</a:t>
+              <a:t>09/04/2025</a:t>
             </a:fld>
             <a:endParaRPr lang="en-GB"/>
           </a:p>
@@ -482,7 +921,7 @@
           <a:p>
             <a:fld id="{9F984A1A-F576-403E-81D7-74E1235F9109}" type="datetimeFigureOut">
               <a:rPr lang="en-GB" smtClean="0"/>
-              <a:t>27/03/2025</a:t>
+              <a:t>09/04/2025</a:t>
             </a:fld>
             <a:endParaRPr lang="en-GB"/>
           </a:p>
@@ -692,7 +1131,7 @@
           <a:p>
             <a:fld id="{9F984A1A-F576-403E-81D7-74E1235F9109}" type="datetimeFigureOut">
               <a:rPr lang="en-GB" smtClean="0"/>
-              <a:t>27/03/2025</a:t>
+              <a:t>09/04/2025</a:t>
             </a:fld>
             <a:endParaRPr lang="en-GB"/>
           </a:p>
@@ -892,7 +1331,7 @@
           <a:p>
             <a:fld id="{9F984A1A-F576-403E-81D7-74E1235F9109}" type="datetimeFigureOut">
               <a:rPr lang="en-GB" smtClean="0"/>
-              <a:t>27/03/2025</a:t>
+              <a:t>09/04/2025</a:t>
             </a:fld>
             <a:endParaRPr lang="en-GB"/>
           </a:p>
@@ -1168,7 +1607,7 @@
           <a:p>
             <a:fld id="{9F984A1A-F576-403E-81D7-74E1235F9109}" type="datetimeFigureOut">
               <a:rPr lang="en-GB" smtClean="0"/>
-              <a:t>27/03/2025</a:t>
+              <a:t>09/04/2025</a:t>
             </a:fld>
             <a:endParaRPr lang="en-GB"/>
           </a:p>
@@ -1436,7 +1875,7 @@
           <a:p>
             <a:fld id="{9F984A1A-F576-403E-81D7-74E1235F9109}" type="datetimeFigureOut">
               <a:rPr lang="en-GB" smtClean="0"/>
-              <a:t>27/03/2025</a:t>
+              <a:t>09/04/2025</a:t>
             </a:fld>
             <a:endParaRPr lang="en-GB"/>
           </a:p>
@@ -1851,7 +2290,7 @@
           <a:p>
             <a:fld id="{9F984A1A-F576-403E-81D7-74E1235F9109}" type="datetimeFigureOut">
               <a:rPr lang="en-GB" smtClean="0"/>
-              <a:t>27/03/2025</a:t>
+              <a:t>09/04/2025</a:t>
             </a:fld>
             <a:endParaRPr lang="en-GB"/>
           </a:p>
@@ -1993,7 +2432,7 @@
           <a:p>
             <a:fld id="{9F984A1A-F576-403E-81D7-74E1235F9109}" type="datetimeFigureOut">
               <a:rPr lang="en-GB" smtClean="0"/>
-              <a:t>27/03/2025</a:t>
+              <a:t>09/04/2025</a:t>
             </a:fld>
             <a:endParaRPr lang="en-GB"/>
           </a:p>
@@ -2106,7 +2545,7 @@
           <a:p>
             <a:fld id="{9F984A1A-F576-403E-81D7-74E1235F9109}" type="datetimeFigureOut">
               <a:rPr lang="en-GB" smtClean="0"/>
-              <a:t>27/03/2025</a:t>
+              <a:t>09/04/2025</a:t>
             </a:fld>
             <a:endParaRPr lang="en-GB"/>
           </a:p>
@@ -2419,7 +2858,7 @@
           <a:p>
             <a:fld id="{9F984A1A-F576-403E-81D7-74E1235F9109}" type="datetimeFigureOut">
               <a:rPr lang="en-GB" smtClean="0"/>
-              <a:t>27/03/2025</a:t>
+              <a:t>09/04/2025</a:t>
             </a:fld>
             <a:endParaRPr lang="en-GB"/>
           </a:p>
@@ -2708,7 +3147,7 @@
           <a:p>
             <a:fld id="{9F984A1A-F576-403E-81D7-74E1235F9109}" type="datetimeFigureOut">
               <a:rPr lang="en-GB" smtClean="0"/>
-              <a:t>27/03/2025</a:t>
+              <a:t>09/04/2025</a:t>
             </a:fld>
             <a:endParaRPr lang="en-GB"/>
           </a:p>
@@ -2951,7 +3390,7 @@
           <a:p>
             <a:fld id="{9F984A1A-F576-403E-81D7-74E1235F9109}" type="datetimeFigureOut">
               <a:rPr lang="en-GB" smtClean="0"/>
-              <a:t>27/03/2025</a:t>
+              <a:t>09/04/2025</a:t>
             </a:fld>
             <a:endParaRPr lang="en-GB"/>
           </a:p>
@@ -3825,6 +4264,773 @@
         <p:cNvPr id="1" name="">
           <a:extLst>
             <a:ext uri="{FF2B5EF4-FFF2-40B4-BE49-F238E27FC236}">
+              <a16:creationId xmlns:a16="http://schemas.microsoft.com/office/drawing/2014/main" id="{1E01F2CE-9F91-F1A6-9184-F13936C8E1A8}"/>
+            </a:ext>
+          </a:extLst>
+        </p:cNvPr>
+        <p:cNvGrpSpPr/>
+        <p:nvPr/>
+      </p:nvGrpSpPr>
+      <p:grpSpPr>
+        <a:xfrm>
+          <a:off x="0" y="0"/>
+          <a:ext cx="0" cy="0"/>
+          <a:chOff x="0" y="0"/>
+          <a:chExt cx="0" cy="0"/>
+        </a:xfrm>
+      </p:grpSpPr>
+      <p:sp>
+        <p:nvSpPr>
+          <p:cNvPr id="2" name="Rectangle: Rounded Corners 1">
+            <a:extLst>
+              <a:ext uri="{FF2B5EF4-FFF2-40B4-BE49-F238E27FC236}">
+                <a16:creationId xmlns:a16="http://schemas.microsoft.com/office/drawing/2014/main" id="{42E436CD-D070-C976-5702-8B7AF22066ED}"/>
+              </a:ext>
+            </a:extLst>
+          </p:cNvPr>
+          <p:cNvSpPr/>
+          <p:nvPr/>
+        </p:nvSpPr>
+        <p:spPr>
+          <a:xfrm>
+            <a:off x="1825487" y="327622"/>
+            <a:ext cx="2349357" cy="801384"/>
+          </a:xfrm>
+          <a:prstGeom prst="roundRect">
+            <a:avLst/>
+          </a:prstGeom>
+        </p:spPr>
+        <p:style>
+          <a:lnRef idx="2">
+            <a:schemeClr val="accent2">
+              <a:shade val="15000"/>
+            </a:schemeClr>
+          </a:lnRef>
+          <a:fillRef idx="1">
+            <a:schemeClr val="accent2"/>
+          </a:fillRef>
+          <a:effectRef idx="0">
+            <a:schemeClr val="accent2"/>
+          </a:effectRef>
+          <a:fontRef idx="minor">
+            <a:schemeClr val="lt1"/>
+          </a:fontRef>
+        </p:style>
+        <p:txBody>
+          <a:bodyPr rtlCol="0" anchor="ctr"/>
+          <a:lstStyle/>
+          <a:p>
+            <a:pPr algn="ctr"/>
+            <a:r>
+              <a:rPr lang="en-GB" sz="2400" b="1" dirty="0"/>
+              <a:t>AI AGENT 1</a:t>
+            </a:r>
+          </a:p>
+        </p:txBody>
+      </p:sp>
+      <p:sp>
+        <p:nvSpPr>
+          <p:cNvPr id="3" name="Rectangle: Rounded Corners 2">
+            <a:extLst>
+              <a:ext uri="{FF2B5EF4-FFF2-40B4-BE49-F238E27FC236}">
+                <a16:creationId xmlns:a16="http://schemas.microsoft.com/office/drawing/2014/main" id="{C380ED4E-C4BF-8097-E2C0-891449F770E0}"/>
+              </a:ext>
+            </a:extLst>
+          </p:cNvPr>
+          <p:cNvSpPr/>
+          <p:nvPr/>
+        </p:nvSpPr>
+        <p:spPr>
+          <a:xfrm>
+            <a:off x="5185137" y="327622"/>
+            <a:ext cx="2349357" cy="801384"/>
+          </a:xfrm>
+          <a:prstGeom prst="roundRect">
+            <a:avLst/>
+          </a:prstGeom>
+        </p:spPr>
+        <p:style>
+          <a:lnRef idx="2">
+            <a:schemeClr val="accent2">
+              <a:shade val="15000"/>
+            </a:schemeClr>
+          </a:lnRef>
+          <a:fillRef idx="1">
+            <a:schemeClr val="accent2"/>
+          </a:fillRef>
+          <a:effectRef idx="0">
+            <a:schemeClr val="accent2"/>
+          </a:effectRef>
+          <a:fontRef idx="minor">
+            <a:schemeClr val="lt1"/>
+          </a:fontRef>
+        </p:style>
+        <p:txBody>
+          <a:bodyPr rtlCol="0" anchor="ctr"/>
+          <a:lstStyle/>
+          <a:p>
+            <a:pPr algn="ctr"/>
+            <a:r>
+              <a:rPr lang="en-GB" sz="2400" b="1" dirty="0"/>
+              <a:t>AI AGENT 2</a:t>
+            </a:r>
+          </a:p>
+        </p:txBody>
+      </p:sp>
+      <p:sp>
+        <p:nvSpPr>
+          <p:cNvPr id="4" name="Rectangle: Rounded Corners 3">
+            <a:extLst>
+              <a:ext uri="{FF2B5EF4-FFF2-40B4-BE49-F238E27FC236}">
+                <a16:creationId xmlns:a16="http://schemas.microsoft.com/office/drawing/2014/main" id="{AC7ACAB1-7757-703C-34D2-B8D3170E005B}"/>
+              </a:ext>
+            </a:extLst>
+          </p:cNvPr>
+          <p:cNvSpPr/>
+          <p:nvPr/>
+        </p:nvSpPr>
+        <p:spPr>
+          <a:xfrm>
+            <a:off x="8647528" y="327622"/>
+            <a:ext cx="2349357" cy="801384"/>
+          </a:xfrm>
+          <a:prstGeom prst="roundRect">
+            <a:avLst/>
+          </a:prstGeom>
+        </p:spPr>
+        <p:style>
+          <a:lnRef idx="2">
+            <a:schemeClr val="accent2">
+              <a:shade val="15000"/>
+            </a:schemeClr>
+          </a:lnRef>
+          <a:fillRef idx="1">
+            <a:schemeClr val="accent2"/>
+          </a:fillRef>
+          <a:effectRef idx="0">
+            <a:schemeClr val="accent2"/>
+          </a:effectRef>
+          <a:fontRef idx="minor">
+            <a:schemeClr val="lt1"/>
+          </a:fontRef>
+        </p:style>
+        <p:txBody>
+          <a:bodyPr rtlCol="0" anchor="ctr"/>
+          <a:lstStyle/>
+          <a:p>
+            <a:pPr algn="ctr"/>
+            <a:r>
+              <a:rPr lang="en-GB" sz="2400" b="1" dirty="0"/>
+              <a:t>AI AGENT 3</a:t>
+            </a:r>
+          </a:p>
+        </p:txBody>
+      </p:sp>
+      <p:sp>
+        <p:nvSpPr>
+          <p:cNvPr id="5" name="Rectangle: Rounded Corners 4">
+            <a:extLst>
+              <a:ext uri="{FF2B5EF4-FFF2-40B4-BE49-F238E27FC236}">
+                <a16:creationId xmlns:a16="http://schemas.microsoft.com/office/drawing/2014/main" id="{56E2B513-E2B9-F2FF-153B-338B507D5146}"/>
+              </a:ext>
+            </a:extLst>
+          </p:cNvPr>
+          <p:cNvSpPr/>
+          <p:nvPr/>
+        </p:nvSpPr>
+        <p:spPr>
+          <a:xfrm>
+            <a:off x="911114" y="2057132"/>
+            <a:ext cx="3756917" cy="1800122"/>
+          </a:xfrm>
+          <a:prstGeom prst="roundRect">
+            <a:avLst/>
+          </a:prstGeom>
+        </p:spPr>
+        <p:style>
+          <a:lnRef idx="2">
+            <a:schemeClr val="accent2">
+              <a:shade val="15000"/>
+            </a:schemeClr>
+          </a:lnRef>
+          <a:fillRef idx="1">
+            <a:schemeClr val="accent2"/>
+          </a:fillRef>
+          <a:effectRef idx="0">
+            <a:schemeClr val="accent2"/>
+          </a:effectRef>
+          <a:fontRef idx="minor">
+            <a:schemeClr val="lt1"/>
+          </a:fontRef>
+        </p:style>
+        <p:txBody>
+          <a:bodyPr rtlCol="0" anchor="ctr"/>
+          <a:lstStyle/>
+          <a:p>
+            <a:pPr algn="ctr"/>
+            <a:r>
+              <a:rPr lang="en-GB" sz="2800" b="1" dirty="0"/>
+              <a:t>Test input to each agent gets correct output and actions. </a:t>
+            </a:r>
+          </a:p>
+        </p:txBody>
+      </p:sp>
+      <p:sp>
+        <p:nvSpPr>
+          <p:cNvPr id="10" name="Rectangle: Rounded Corners 9">
+            <a:extLst>
+              <a:ext uri="{FF2B5EF4-FFF2-40B4-BE49-F238E27FC236}">
+                <a16:creationId xmlns:a16="http://schemas.microsoft.com/office/drawing/2014/main" id="{CC5B1039-0C0E-DAC5-7127-069BD81AFFAE}"/>
+              </a:ext>
+            </a:extLst>
+          </p:cNvPr>
+          <p:cNvSpPr/>
+          <p:nvPr/>
+        </p:nvSpPr>
+        <p:spPr>
+          <a:xfrm>
+            <a:off x="5185137" y="1599905"/>
+            <a:ext cx="2349357" cy="801384"/>
+          </a:xfrm>
+          <a:prstGeom prst="roundRect">
+            <a:avLst/>
+          </a:prstGeom>
+        </p:spPr>
+        <p:style>
+          <a:lnRef idx="2">
+            <a:schemeClr val="accent2">
+              <a:shade val="15000"/>
+            </a:schemeClr>
+          </a:lnRef>
+          <a:fillRef idx="1">
+            <a:schemeClr val="accent2"/>
+          </a:fillRef>
+          <a:effectRef idx="0">
+            <a:schemeClr val="accent2"/>
+          </a:effectRef>
+          <a:fontRef idx="minor">
+            <a:schemeClr val="lt1"/>
+          </a:fontRef>
+        </p:style>
+        <p:txBody>
+          <a:bodyPr rtlCol="0" anchor="ctr"/>
+          <a:lstStyle/>
+          <a:p>
+            <a:pPr algn="ctr"/>
+            <a:r>
+              <a:rPr lang="en-GB" sz="2400" b="1" dirty="0"/>
+              <a:t>AI AGENT 4</a:t>
+            </a:r>
+          </a:p>
+        </p:txBody>
+      </p:sp>
+      <p:sp>
+        <p:nvSpPr>
+          <p:cNvPr id="11" name="Rectangle: Rounded Corners 10">
+            <a:extLst>
+              <a:ext uri="{FF2B5EF4-FFF2-40B4-BE49-F238E27FC236}">
+                <a16:creationId xmlns:a16="http://schemas.microsoft.com/office/drawing/2014/main" id="{EC169EAD-5C2E-99B7-6699-B341B03073E8}"/>
+              </a:ext>
+            </a:extLst>
+          </p:cNvPr>
+          <p:cNvSpPr/>
+          <p:nvPr/>
+        </p:nvSpPr>
+        <p:spPr>
+          <a:xfrm>
+            <a:off x="7943747" y="2057132"/>
+            <a:ext cx="3756917" cy="1800122"/>
+          </a:xfrm>
+          <a:prstGeom prst="roundRect">
+            <a:avLst/>
+          </a:prstGeom>
+        </p:spPr>
+        <p:style>
+          <a:lnRef idx="2">
+            <a:schemeClr val="accent2">
+              <a:shade val="15000"/>
+            </a:schemeClr>
+          </a:lnRef>
+          <a:fillRef idx="1">
+            <a:schemeClr val="accent2"/>
+          </a:fillRef>
+          <a:effectRef idx="0">
+            <a:schemeClr val="accent2"/>
+          </a:effectRef>
+          <a:fontRef idx="minor">
+            <a:schemeClr val="lt1"/>
+          </a:fontRef>
+        </p:style>
+        <p:txBody>
+          <a:bodyPr rtlCol="0" anchor="ctr"/>
+          <a:lstStyle/>
+          <a:p>
+            <a:pPr algn="ctr"/>
+            <a:r>
+              <a:rPr lang="en-GB" sz="2800" b="1" dirty="0"/>
+              <a:t>Check correct route taken </a:t>
+            </a:r>
+            <a:r>
+              <a:rPr lang="en-GB" sz="2800" b="1" dirty="0" err="1"/>
+              <a:t>throught</a:t>
+            </a:r>
+            <a:r>
+              <a:rPr lang="en-GB" sz="2800" b="1" dirty="0"/>
+              <a:t> workflow</a:t>
+            </a:r>
+          </a:p>
+        </p:txBody>
+      </p:sp>
+      <p:sp>
+        <p:nvSpPr>
+          <p:cNvPr id="13" name="Arrow: Right 12">
+            <a:extLst>
+              <a:ext uri="{FF2B5EF4-FFF2-40B4-BE49-F238E27FC236}">
+                <a16:creationId xmlns:a16="http://schemas.microsoft.com/office/drawing/2014/main" id="{666674B6-1240-7F62-AB5F-0A5A7D1C58AA}"/>
+              </a:ext>
+            </a:extLst>
+          </p:cNvPr>
+          <p:cNvSpPr/>
+          <p:nvPr/>
+        </p:nvSpPr>
+        <p:spPr>
+          <a:xfrm>
+            <a:off x="4380326" y="617443"/>
+            <a:ext cx="688369" cy="303512"/>
+          </a:xfrm>
+          <a:prstGeom prst="rightArrow">
+            <a:avLst/>
+          </a:prstGeom>
+        </p:spPr>
+        <p:style>
+          <a:lnRef idx="2">
+            <a:schemeClr val="accent1">
+              <a:shade val="15000"/>
+            </a:schemeClr>
+          </a:lnRef>
+          <a:fillRef idx="1">
+            <a:schemeClr val="accent1"/>
+          </a:fillRef>
+          <a:effectRef idx="0">
+            <a:schemeClr val="accent1"/>
+          </a:effectRef>
+          <a:fontRef idx="minor">
+            <a:schemeClr val="lt1"/>
+          </a:fontRef>
+        </p:style>
+        <p:txBody>
+          <a:bodyPr rtlCol="0" anchor="ctr"/>
+          <a:lstStyle/>
+          <a:p>
+            <a:pPr algn="ctr"/>
+            <a:endParaRPr lang="en-GB"/>
+          </a:p>
+        </p:txBody>
+      </p:sp>
+      <p:sp>
+        <p:nvSpPr>
+          <p:cNvPr id="14" name="Arrow: Right 13">
+            <a:extLst>
+              <a:ext uri="{FF2B5EF4-FFF2-40B4-BE49-F238E27FC236}">
+                <a16:creationId xmlns:a16="http://schemas.microsoft.com/office/drawing/2014/main" id="{CB3EB39E-00A7-C8CC-BCA0-60F89E092907}"/>
+              </a:ext>
+            </a:extLst>
+          </p:cNvPr>
+          <p:cNvSpPr/>
+          <p:nvPr/>
+        </p:nvSpPr>
+        <p:spPr>
+          <a:xfrm rot="2326513">
+            <a:off x="4323847" y="1514979"/>
+            <a:ext cx="688369" cy="303512"/>
+          </a:xfrm>
+          <a:prstGeom prst="rightArrow">
+            <a:avLst/>
+          </a:prstGeom>
+        </p:spPr>
+        <p:style>
+          <a:lnRef idx="2">
+            <a:schemeClr val="accent1">
+              <a:shade val="15000"/>
+            </a:schemeClr>
+          </a:lnRef>
+          <a:fillRef idx="1">
+            <a:schemeClr val="accent1"/>
+          </a:fillRef>
+          <a:effectRef idx="0">
+            <a:schemeClr val="accent1"/>
+          </a:effectRef>
+          <a:fontRef idx="minor">
+            <a:schemeClr val="lt1"/>
+          </a:fontRef>
+        </p:style>
+        <p:txBody>
+          <a:bodyPr rtlCol="0" anchor="ctr"/>
+          <a:lstStyle/>
+          <a:p>
+            <a:pPr algn="ctr"/>
+            <a:endParaRPr lang="en-GB"/>
+          </a:p>
+        </p:txBody>
+      </p:sp>
+      <p:sp>
+        <p:nvSpPr>
+          <p:cNvPr id="15" name="Arrow: Right 14">
+            <a:extLst>
+              <a:ext uri="{FF2B5EF4-FFF2-40B4-BE49-F238E27FC236}">
+                <a16:creationId xmlns:a16="http://schemas.microsoft.com/office/drawing/2014/main" id="{E483FC56-3DB0-F653-B2A8-CFEA361D37DB}"/>
+              </a:ext>
+            </a:extLst>
+          </p:cNvPr>
+          <p:cNvSpPr/>
+          <p:nvPr/>
+        </p:nvSpPr>
+        <p:spPr>
+          <a:xfrm>
+            <a:off x="7700591" y="576558"/>
+            <a:ext cx="688369" cy="303512"/>
+          </a:xfrm>
+          <a:prstGeom prst="rightArrow">
+            <a:avLst/>
+          </a:prstGeom>
+        </p:spPr>
+        <p:style>
+          <a:lnRef idx="2">
+            <a:schemeClr val="accent1">
+              <a:shade val="15000"/>
+            </a:schemeClr>
+          </a:lnRef>
+          <a:fillRef idx="1">
+            <a:schemeClr val="accent1"/>
+          </a:fillRef>
+          <a:effectRef idx="0">
+            <a:schemeClr val="accent1"/>
+          </a:effectRef>
+          <a:fontRef idx="minor">
+            <a:schemeClr val="lt1"/>
+          </a:fontRef>
+        </p:style>
+        <p:txBody>
+          <a:bodyPr rtlCol="0" anchor="ctr"/>
+          <a:lstStyle/>
+          <a:p>
+            <a:pPr algn="ctr"/>
+            <a:endParaRPr lang="en-GB"/>
+          </a:p>
+        </p:txBody>
+      </p:sp>
+      <p:sp>
+        <p:nvSpPr>
+          <p:cNvPr id="16" name="Arrow: Right 15">
+            <a:extLst>
+              <a:ext uri="{FF2B5EF4-FFF2-40B4-BE49-F238E27FC236}">
+                <a16:creationId xmlns:a16="http://schemas.microsoft.com/office/drawing/2014/main" id="{F2FE73F8-EA6C-6172-2059-CF6615A95706}"/>
+              </a:ext>
+            </a:extLst>
+          </p:cNvPr>
+          <p:cNvSpPr/>
+          <p:nvPr/>
+        </p:nvSpPr>
+        <p:spPr>
+          <a:xfrm rot="19562171">
+            <a:off x="7868028" y="1378934"/>
+            <a:ext cx="688369" cy="303512"/>
+          </a:xfrm>
+          <a:prstGeom prst="rightArrow">
+            <a:avLst/>
+          </a:prstGeom>
+        </p:spPr>
+        <p:style>
+          <a:lnRef idx="2">
+            <a:schemeClr val="accent1">
+              <a:shade val="15000"/>
+            </a:schemeClr>
+          </a:lnRef>
+          <a:fillRef idx="1">
+            <a:schemeClr val="accent1"/>
+          </a:fillRef>
+          <a:effectRef idx="0">
+            <a:schemeClr val="accent1"/>
+          </a:effectRef>
+          <a:fontRef idx="minor">
+            <a:schemeClr val="lt1"/>
+          </a:fontRef>
+        </p:style>
+        <p:txBody>
+          <a:bodyPr rtlCol="0" anchor="ctr"/>
+          <a:lstStyle/>
+          <a:p>
+            <a:pPr algn="ctr"/>
+            <a:endParaRPr lang="en-GB"/>
+          </a:p>
+        </p:txBody>
+      </p:sp>
+      <p:sp>
+        <p:nvSpPr>
+          <p:cNvPr id="17" name="Rectangle: Rounded Corners 16">
+            <a:extLst>
+              <a:ext uri="{FF2B5EF4-FFF2-40B4-BE49-F238E27FC236}">
+                <a16:creationId xmlns:a16="http://schemas.microsoft.com/office/drawing/2014/main" id="{CE30C5F8-102B-E096-DA67-164487D96EE5}"/>
+              </a:ext>
+            </a:extLst>
+          </p:cNvPr>
+          <p:cNvSpPr/>
+          <p:nvPr/>
+        </p:nvSpPr>
+        <p:spPr>
+          <a:xfrm>
+            <a:off x="911086" y="4065545"/>
+            <a:ext cx="10897457" cy="2394249"/>
+          </a:xfrm>
+          <a:prstGeom prst="roundRect">
+            <a:avLst/>
+          </a:prstGeom>
+        </p:spPr>
+        <p:style>
+          <a:lnRef idx="2">
+            <a:schemeClr val="accent2">
+              <a:shade val="15000"/>
+            </a:schemeClr>
+          </a:lnRef>
+          <a:fillRef idx="1">
+            <a:schemeClr val="accent2"/>
+          </a:fillRef>
+          <a:effectRef idx="0">
+            <a:schemeClr val="accent2"/>
+          </a:effectRef>
+          <a:fontRef idx="minor">
+            <a:schemeClr val="lt1"/>
+          </a:fontRef>
+        </p:style>
+        <p:txBody>
+          <a:bodyPr rtlCol="0" anchor="ctr"/>
+          <a:lstStyle/>
+          <a:p>
+            <a:pPr algn="ctr"/>
+            <a:r>
+              <a:rPr lang="en-GB" sz="2800" b="1" dirty="0"/>
+              <a:t>LLM as judge and also Domain Expert as Judge.</a:t>
+            </a:r>
+          </a:p>
+          <a:p>
+            <a:pPr algn="ctr"/>
+            <a:r>
+              <a:rPr lang="en-GB" sz="2800" b="1" dirty="0"/>
+              <a:t>Is test output structured or unstructured?</a:t>
+            </a:r>
+          </a:p>
+          <a:p>
+            <a:pPr algn="ctr"/>
+            <a:r>
+              <a:rPr lang="en-GB" sz="2400" b="1" dirty="0"/>
+              <a:t>https://ai-powered-knowledge-systems.netlify.app/evaluation/overview/</a:t>
+            </a:r>
+          </a:p>
+        </p:txBody>
+      </p:sp>
+    </p:spTree>
+    <p:extLst>
+      <p:ext uri="{BB962C8B-B14F-4D97-AF65-F5344CB8AC3E}">
+        <p14:creationId xmlns:p14="http://schemas.microsoft.com/office/powerpoint/2010/main" val="1056652300"/>
+      </p:ext>
+    </p:extLst>
+  </p:cSld>
+  <p:clrMapOvr>
+    <a:masterClrMapping/>
+  </p:clrMapOvr>
+</p:sld>
+</file>
+
+<file path=ppt/slides/slide11.xml><?xml version="1.0" encoding="utf-8"?>
+<p:sld xmlns:a="http://schemas.openxmlformats.org/drawingml/2006/main" xmlns:r="http://schemas.openxmlformats.org/officeDocument/2006/relationships" xmlns:p="http://schemas.openxmlformats.org/presentationml/2006/main">
+  <p:cSld>
+    <p:bg>
+      <p:bgPr>
+        <a:solidFill>
+          <a:schemeClr val="tx1">
+            <a:lumMod val="50000"/>
+            <a:lumOff val="50000"/>
+          </a:schemeClr>
+        </a:solidFill>
+        <a:effectLst/>
+      </p:bgPr>
+    </p:bg>
+    <p:spTree>
+      <p:nvGrpSpPr>
+        <p:cNvPr id="1" name="">
+          <a:extLst>
+            <a:ext uri="{FF2B5EF4-FFF2-40B4-BE49-F238E27FC236}">
+              <a16:creationId xmlns:a16="http://schemas.microsoft.com/office/drawing/2014/main" id="{1FD3D352-6684-C517-2316-3F81A6F24CA4}"/>
+            </a:ext>
+          </a:extLst>
+        </p:cNvPr>
+        <p:cNvGrpSpPr/>
+        <p:nvPr/>
+      </p:nvGrpSpPr>
+      <p:grpSpPr>
+        <a:xfrm>
+          <a:off x="0" y="0"/>
+          <a:ext cx="0" cy="0"/>
+          <a:chOff x="0" y="0"/>
+          <a:chExt cx="0" cy="0"/>
+        </a:xfrm>
+      </p:grpSpPr>
+      <p:sp>
+        <p:nvSpPr>
+          <p:cNvPr id="2" name="Rectangle: Rounded Corners 1">
+            <a:extLst>
+              <a:ext uri="{FF2B5EF4-FFF2-40B4-BE49-F238E27FC236}">
+                <a16:creationId xmlns:a16="http://schemas.microsoft.com/office/drawing/2014/main" id="{7F1EC4F2-3D1D-444F-184B-805A7421CA17}"/>
+              </a:ext>
+            </a:extLst>
+          </p:cNvPr>
+          <p:cNvSpPr/>
+          <p:nvPr/>
+        </p:nvSpPr>
+        <p:spPr>
+          <a:xfrm>
+            <a:off x="923113" y="445889"/>
+            <a:ext cx="10345774" cy="801384"/>
+          </a:xfrm>
+          <a:prstGeom prst="roundRect">
+            <a:avLst/>
+          </a:prstGeom>
+        </p:spPr>
+        <p:style>
+          <a:lnRef idx="2">
+            <a:schemeClr val="accent2">
+              <a:shade val="15000"/>
+            </a:schemeClr>
+          </a:lnRef>
+          <a:fillRef idx="1">
+            <a:schemeClr val="accent2"/>
+          </a:fillRef>
+          <a:effectRef idx="0">
+            <a:schemeClr val="accent2"/>
+          </a:effectRef>
+          <a:fontRef idx="minor">
+            <a:schemeClr val="lt1"/>
+          </a:fontRef>
+        </p:style>
+        <p:txBody>
+          <a:bodyPr rtlCol="0" anchor="ctr"/>
+          <a:lstStyle/>
+          <a:p>
+            <a:pPr algn="ctr"/>
+            <a:r>
+              <a:rPr lang="en-GB" sz="5400" b="1" dirty="0"/>
+              <a:t>01 KEY TAKEWAYS</a:t>
+            </a:r>
+          </a:p>
+        </p:txBody>
+      </p:sp>
+      <p:sp>
+        <p:nvSpPr>
+          <p:cNvPr id="9" name="Rectangle: Rounded Corners 8">
+            <a:extLst>
+              <a:ext uri="{FF2B5EF4-FFF2-40B4-BE49-F238E27FC236}">
+                <a16:creationId xmlns:a16="http://schemas.microsoft.com/office/drawing/2014/main" id="{1289DB92-BA21-7572-0D2A-AF0FC7482A60}"/>
+              </a:ext>
+            </a:extLst>
+          </p:cNvPr>
+          <p:cNvSpPr/>
+          <p:nvPr/>
+        </p:nvSpPr>
+        <p:spPr>
+          <a:xfrm>
+            <a:off x="923112" y="1417314"/>
+            <a:ext cx="10345773" cy="4994797"/>
+          </a:xfrm>
+          <a:prstGeom prst="roundRect">
+            <a:avLst/>
+          </a:prstGeom>
+        </p:spPr>
+        <p:style>
+          <a:lnRef idx="2">
+            <a:schemeClr val="accent2">
+              <a:shade val="15000"/>
+            </a:schemeClr>
+          </a:lnRef>
+          <a:fillRef idx="1">
+            <a:schemeClr val="accent2"/>
+          </a:fillRef>
+          <a:effectRef idx="0">
+            <a:schemeClr val="accent2"/>
+          </a:effectRef>
+          <a:fontRef idx="minor">
+            <a:schemeClr val="lt1"/>
+          </a:fontRef>
+        </p:style>
+        <p:txBody>
+          <a:bodyPr rtlCol="0" anchor="ctr"/>
+          <a:lstStyle/>
+          <a:p>
+            <a:r>
+              <a:rPr lang="en-GB" sz="2800" b="1" dirty="0"/>
+              <a:t>   </a:t>
+            </a:r>
+          </a:p>
+          <a:p>
+            <a:r>
+              <a:rPr lang="en-GB" sz="2800" b="1" dirty="0"/>
+              <a:t>   # 1 There is just one endpoint/route.</a:t>
+            </a:r>
+          </a:p>
+          <a:p>
+            <a:endParaRPr lang="en-GB" sz="2800" b="1" dirty="0"/>
+          </a:p>
+          <a:p>
+            <a:r>
+              <a:rPr lang="en-GB" sz="2800" b="1" dirty="0"/>
+              <a:t>   # 2 It is STATELESS so we must pass all relevant data each time.</a:t>
+            </a:r>
+          </a:p>
+          <a:p>
+            <a:endParaRPr lang="en-GB" sz="2800" b="1" dirty="0"/>
+          </a:p>
+          <a:p>
+            <a:r>
+              <a:rPr lang="en-GB" sz="2800" b="1" dirty="0"/>
+              <a:t>   # 3 We pass messages in the form of SYSTEM messages and USER messages as OpenAI used this in their training set.</a:t>
+            </a:r>
+          </a:p>
+          <a:p>
+            <a:endParaRPr lang="en-GB" sz="2800" b="1" dirty="0"/>
+          </a:p>
+        </p:txBody>
+      </p:sp>
+    </p:spTree>
+    <p:extLst>
+      <p:ext uri="{BB962C8B-B14F-4D97-AF65-F5344CB8AC3E}">
+        <p14:creationId xmlns:p14="http://schemas.microsoft.com/office/powerpoint/2010/main" val="1264716455"/>
+      </p:ext>
+    </p:extLst>
+  </p:cSld>
+  <p:clrMapOvr>
+    <a:masterClrMapping/>
+  </p:clrMapOvr>
+</p:sld>
+</file>
+
+<file path=ppt/slides/slide12.xml><?xml version="1.0" encoding="utf-8"?>
+<p:sld xmlns:a="http://schemas.openxmlformats.org/drawingml/2006/main" xmlns:r="http://schemas.openxmlformats.org/officeDocument/2006/relationships" xmlns:p="http://schemas.openxmlformats.org/presentationml/2006/main">
+  <p:cSld>
+    <p:bg>
+      <p:bgPr>
+        <a:solidFill>
+          <a:schemeClr val="tx1">
+            <a:lumMod val="50000"/>
+            <a:lumOff val="50000"/>
+          </a:schemeClr>
+        </a:solidFill>
+        <a:effectLst/>
+      </p:bgPr>
+    </p:bg>
+    <p:spTree>
+      <p:nvGrpSpPr>
+        <p:cNvPr id="1" name="">
+          <a:extLst>
+            <a:ext uri="{FF2B5EF4-FFF2-40B4-BE49-F238E27FC236}">
               <a16:creationId xmlns:a16="http://schemas.microsoft.com/office/drawing/2014/main" id="{8522070B-B373-3928-ADFA-12305A25A521}"/>
             </a:ext>
           </a:extLst>
@@ -3977,7 +5183,7 @@
 </p:sld>
 </file>
 
-<file path=ppt/slides/slide11.xml><?xml version="1.0" encoding="utf-8"?>
+<file path=ppt/slides/slide13.xml><?xml version="1.0" encoding="utf-8"?>
 <p:sld xmlns:a="http://schemas.openxmlformats.org/drawingml/2006/main" xmlns:r="http://schemas.openxmlformats.org/officeDocument/2006/relationships" xmlns:p="http://schemas.openxmlformats.org/presentationml/2006/main">
   <p:cSld>
     <p:bg>
@@ -4148,7 +5354,7 @@
 </p:sld>
 </file>
 
-<file path=ppt/slides/slide12.xml><?xml version="1.0" encoding="utf-8"?>
+<file path=ppt/slides/slide14.xml><?xml version="1.0" encoding="utf-8"?>
 <p:sld xmlns:a="http://schemas.openxmlformats.org/drawingml/2006/main" xmlns:r="http://schemas.openxmlformats.org/officeDocument/2006/relationships" xmlns:p="http://schemas.openxmlformats.org/presentationml/2006/main">
   <p:cSld>
     <p:bg>
@@ -4327,7 +5533,7 @@
 </p:sld>
 </file>
 
-<file path=ppt/slides/slide13.xml><?xml version="1.0" encoding="utf-8"?>
+<file path=ppt/slides/slide15.xml><?xml version="1.0" encoding="utf-8"?>
 <p:sld xmlns:a="http://schemas.openxmlformats.org/drawingml/2006/main" xmlns:r="http://schemas.openxmlformats.org/officeDocument/2006/relationships" xmlns:p="http://schemas.openxmlformats.org/presentationml/2006/main">
   <p:cSld>
     <p:bg>
@@ -4494,7 +5700,7 @@
 </p:sld>
 </file>
 
-<file path=ppt/slides/slide14.xml><?xml version="1.0" encoding="utf-8"?>
+<file path=ppt/slides/slide16.xml><?xml version="1.0" encoding="utf-8"?>
 <p:sld xmlns:a="http://schemas.openxmlformats.org/drawingml/2006/main" xmlns:r="http://schemas.openxmlformats.org/officeDocument/2006/relationships" xmlns:p="http://schemas.openxmlformats.org/presentationml/2006/main">
   <p:cSld>
     <p:bg>
@@ -5570,6 +6776,466 @@
         <p:cNvPr id="1" name="">
           <a:extLst>
             <a:ext uri="{FF2B5EF4-FFF2-40B4-BE49-F238E27FC236}">
+              <a16:creationId xmlns:a16="http://schemas.microsoft.com/office/drawing/2014/main" id="{AD44F3F7-1152-8C9F-5954-746E6F67304C}"/>
+            </a:ext>
+          </a:extLst>
+        </p:cNvPr>
+        <p:cNvGrpSpPr/>
+        <p:nvPr/>
+      </p:nvGrpSpPr>
+      <p:grpSpPr>
+        <a:xfrm>
+          <a:off x="0" y="0"/>
+          <a:ext cx="0" cy="0"/>
+          <a:chOff x="0" y="0"/>
+          <a:chExt cx="0" cy="0"/>
+        </a:xfrm>
+      </p:grpSpPr>
+      <p:sp>
+        <p:nvSpPr>
+          <p:cNvPr id="2" name="Rectangle: Rounded Corners 1">
+            <a:extLst>
+              <a:ext uri="{FF2B5EF4-FFF2-40B4-BE49-F238E27FC236}">
+                <a16:creationId xmlns:a16="http://schemas.microsoft.com/office/drawing/2014/main" id="{8630CDF9-E16C-039C-05C2-2A127267B69A}"/>
+              </a:ext>
+            </a:extLst>
+          </p:cNvPr>
+          <p:cNvSpPr/>
+          <p:nvPr/>
+        </p:nvSpPr>
+        <p:spPr>
+          <a:xfrm>
+            <a:off x="521110" y="748299"/>
+            <a:ext cx="4023493" cy="801384"/>
+          </a:xfrm>
+          <a:prstGeom prst="roundRect">
+            <a:avLst/>
+          </a:prstGeom>
+        </p:spPr>
+        <p:style>
+          <a:lnRef idx="2">
+            <a:schemeClr val="accent2">
+              <a:shade val="15000"/>
+            </a:schemeClr>
+          </a:lnRef>
+          <a:fillRef idx="1">
+            <a:schemeClr val="accent2"/>
+          </a:fillRef>
+          <a:effectRef idx="0">
+            <a:schemeClr val="accent2"/>
+          </a:effectRef>
+          <a:fontRef idx="minor">
+            <a:schemeClr val="lt1"/>
+          </a:fontRef>
+        </p:style>
+        <p:txBody>
+          <a:bodyPr rtlCol="0" anchor="ctr"/>
+          <a:lstStyle/>
+          <a:p>
+            <a:pPr algn="ctr"/>
+            <a:r>
+              <a:rPr lang="en-GB" sz="2400" b="1" dirty="0"/>
+              <a:t>QUERY_1+ DATA</a:t>
+            </a:r>
+          </a:p>
+        </p:txBody>
+      </p:sp>
+      <p:sp>
+        <p:nvSpPr>
+          <p:cNvPr id="3" name="Arrow: Right 2">
+            <a:extLst>
+              <a:ext uri="{FF2B5EF4-FFF2-40B4-BE49-F238E27FC236}">
+                <a16:creationId xmlns:a16="http://schemas.microsoft.com/office/drawing/2014/main" id="{A44FF371-FB4C-DF69-AB1D-74FA634418A6}"/>
+              </a:ext>
+            </a:extLst>
+          </p:cNvPr>
+          <p:cNvSpPr/>
+          <p:nvPr/>
+        </p:nvSpPr>
+        <p:spPr>
+          <a:xfrm>
+            <a:off x="5032198" y="774841"/>
+            <a:ext cx="2803133" cy="748300"/>
+          </a:xfrm>
+          <a:prstGeom prst="rightArrow">
+            <a:avLst/>
+          </a:prstGeom>
+        </p:spPr>
+        <p:style>
+          <a:lnRef idx="2">
+            <a:schemeClr val="accent2">
+              <a:shade val="15000"/>
+            </a:schemeClr>
+          </a:lnRef>
+          <a:fillRef idx="1">
+            <a:schemeClr val="accent2"/>
+          </a:fillRef>
+          <a:effectRef idx="0">
+            <a:schemeClr val="accent2"/>
+          </a:effectRef>
+          <a:fontRef idx="minor">
+            <a:schemeClr val="lt1"/>
+          </a:fontRef>
+        </p:style>
+        <p:txBody>
+          <a:bodyPr rtlCol="0" anchor="ctr"/>
+          <a:lstStyle/>
+          <a:p>
+            <a:pPr algn="ctr"/>
+            <a:r>
+              <a:rPr lang="en-GB" dirty="0"/>
+              <a:t>SEND TO LLM</a:t>
+            </a:r>
+          </a:p>
+        </p:txBody>
+      </p:sp>
+      <p:sp>
+        <p:nvSpPr>
+          <p:cNvPr id="5" name="Rectangle: Rounded Corners 4">
+            <a:extLst>
+              <a:ext uri="{FF2B5EF4-FFF2-40B4-BE49-F238E27FC236}">
+                <a16:creationId xmlns:a16="http://schemas.microsoft.com/office/drawing/2014/main" id="{2F4C1344-85EB-73D5-6DE1-7E8656E06371}"/>
+              </a:ext>
+            </a:extLst>
+          </p:cNvPr>
+          <p:cNvSpPr/>
+          <p:nvPr/>
+        </p:nvSpPr>
+        <p:spPr>
+          <a:xfrm>
+            <a:off x="8322926" y="2757755"/>
+            <a:ext cx="2601074" cy="801384"/>
+          </a:xfrm>
+          <a:prstGeom prst="roundRect">
+            <a:avLst/>
+          </a:prstGeom>
+        </p:spPr>
+        <p:style>
+          <a:lnRef idx="2">
+            <a:schemeClr val="accent2">
+              <a:shade val="15000"/>
+            </a:schemeClr>
+          </a:lnRef>
+          <a:fillRef idx="1">
+            <a:schemeClr val="accent2"/>
+          </a:fillRef>
+          <a:effectRef idx="0">
+            <a:schemeClr val="accent2"/>
+          </a:effectRef>
+          <a:fontRef idx="minor">
+            <a:schemeClr val="lt1"/>
+          </a:fontRef>
+        </p:style>
+        <p:txBody>
+          <a:bodyPr rtlCol="0" anchor="ctr"/>
+          <a:lstStyle/>
+          <a:p>
+            <a:pPr algn="ctr"/>
+            <a:r>
+              <a:rPr lang="en-GB" sz="2800" b="1" dirty="0"/>
+              <a:t>RESPONSE_2</a:t>
+            </a:r>
+          </a:p>
+        </p:txBody>
+      </p:sp>
+      <p:sp>
+        <p:nvSpPr>
+          <p:cNvPr id="29" name="Rectangle: Rounded Corners 28">
+            <a:extLst>
+              <a:ext uri="{FF2B5EF4-FFF2-40B4-BE49-F238E27FC236}">
+                <a16:creationId xmlns:a16="http://schemas.microsoft.com/office/drawing/2014/main" id="{678C6B32-4EA9-21B0-5A23-2464271C2775}"/>
+              </a:ext>
+            </a:extLst>
+          </p:cNvPr>
+          <p:cNvSpPr/>
+          <p:nvPr/>
+        </p:nvSpPr>
+        <p:spPr>
+          <a:xfrm>
+            <a:off x="521110" y="2731213"/>
+            <a:ext cx="4023494" cy="801384"/>
+          </a:xfrm>
+          <a:prstGeom prst="roundRect">
+            <a:avLst/>
+          </a:prstGeom>
+        </p:spPr>
+        <p:style>
+          <a:lnRef idx="2">
+            <a:schemeClr val="accent2">
+              <a:shade val="15000"/>
+            </a:schemeClr>
+          </a:lnRef>
+          <a:fillRef idx="1">
+            <a:schemeClr val="accent2"/>
+          </a:fillRef>
+          <a:effectRef idx="0">
+            <a:schemeClr val="accent2"/>
+          </a:effectRef>
+          <a:fontRef idx="minor">
+            <a:schemeClr val="lt1"/>
+          </a:fontRef>
+        </p:style>
+        <p:txBody>
+          <a:bodyPr rtlCol="0" anchor="ctr"/>
+          <a:lstStyle/>
+          <a:p>
+            <a:pPr algn="ctr"/>
+            <a:r>
+              <a:rPr lang="en-GB" sz="2400" b="1" dirty="0"/>
+              <a:t>QUERY_2 + RESPONSE_1</a:t>
+            </a:r>
+          </a:p>
+        </p:txBody>
+      </p:sp>
+      <p:cxnSp>
+        <p:nvCxnSpPr>
+          <p:cNvPr id="34" name="Straight Arrow Connector 33">
+            <a:extLst>
+              <a:ext uri="{FF2B5EF4-FFF2-40B4-BE49-F238E27FC236}">
+                <a16:creationId xmlns:a16="http://schemas.microsoft.com/office/drawing/2014/main" id="{CFD7E4C0-B212-4709-79AE-445578644FC6}"/>
+              </a:ext>
+            </a:extLst>
+          </p:cNvPr>
+          <p:cNvCxnSpPr>
+            <a:cxnSpLocks/>
+          </p:cNvCxnSpPr>
+          <p:nvPr/>
+        </p:nvCxnSpPr>
+        <p:spPr>
+          <a:xfrm flipH="1">
+            <a:off x="4475254" y="1643434"/>
+            <a:ext cx="3847672" cy="893851"/>
+          </a:xfrm>
+          <a:prstGeom prst="straightConnector1">
+            <a:avLst/>
+          </a:prstGeom>
+          <a:ln w="63500">
+            <a:solidFill>
+              <a:srgbClr val="FFC000"/>
+            </a:solidFill>
+            <a:tailEnd type="triangle"/>
+          </a:ln>
+        </p:spPr>
+        <p:style>
+          <a:lnRef idx="2">
+            <a:schemeClr val="accent1"/>
+          </a:lnRef>
+          <a:fillRef idx="0">
+            <a:schemeClr val="accent1"/>
+          </a:fillRef>
+          <a:effectRef idx="1">
+            <a:schemeClr val="accent1"/>
+          </a:effectRef>
+          <a:fontRef idx="minor">
+            <a:schemeClr val="tx1"/>
+          </a:fontRef>
+        </p:style>
+      </p:cxnSp>
+      <p:sp>
+        <p:nvSpPr>
+          <p:cNvPr id="36" name="Rectangle: Rounded Corners 35">
+            <a:extLst>
+              <a:ext uri="{FF2B5EF4-FFF2-40B4-BE49-F238E27FC236}">
+                <a16:creationId xmlns:a16="http://schemas.microsoft.com/office/drawing/2014/main" id="{7F7830E2-702D-4684-7D59-F2C31C5D8639}"/>
+              </a:ext>
+            </a:extLst>
+          </p:cNvPr>
+          <p:cNvSpPr/>
+          <p:nvPr/>
+        </p:nvSpPr>
+        <p:spPr>
+          <a:xfrm>
+            <a:off x="8322926" y="696929"/>
+            <a:ext cx="2601074" cy="801384"/>
+          </a:xfrm>
+          <a:prstGeom prst="roundRect">
+            <a:avLst/>
+          </a:prstGeom>
+        </p:spPr>
+        <p:style>
+          <a:lnRef idx="2">
+            <a:schemeClr val="accent2">
+              <a:shade val="15000"/>
+            </a:schemeClr>
+          </a:lnRef>
+          <a:fillRef idx="1">
+            <a:schemeClr val="accent2"/>
+          </a:fillRef>
+          <a:effectRef idx="0">
+            <a:schemeClr val="accent2"/>
+          </a:effectRef>
+          <a:fontRef idx="minor">
+            <a:schemeClr val="lt1"/>
+          </a:fontRef>
+        </p:style>
+        <p:txBody>
+          <a:bodyPr rtlCol="0" anchor="ctr"/>
+          <a:lstStyle/>
+          <a:p>
+            <a:pPr algn="ctr"/>
+            <a:r>
+              <a:rPr lang="en-GB" sz="2800" b="1" dirty="0"/>
+              <a:t>RESPONSE_1</a:t>
+            </a:r>
+          </a:p>
+        </p:txBody>
+      </p:sp>
+      <p:sp>
+        <p:nvSpPr>
+          <p:cNvPr id="37" name="Arrow: Right 36">
+            <a:extLst>
+              <a:ext uri="{FF2B5EF4-FFF2-40B4-BE49-F238E27FC236}">
+                <a16:creationId xmlns:a16="http://schemas.microsoft.com/office/drawing/2014/main" id="{6A8702D7-8F76-D335-FCDD-CDC7FDB6315A}"/>
+              </a:ext>
+            </a:extLst>
+          </p:cNvPr>
+          <p:cNvSpPr/>
+          <p:nvPr/>
+        </p:nvSpPr>
+        <p:spPr>
+          <a:xfrm>
+            <a:off x="5032198" y="2810839"/>
+            <a:ext cx="2803133" cy="748300"/>
+          </a:xfrm>
+          <a:prstGeom prst="rightArrow">
+            <a:avLst/>
+          </a:prstGeom>
+        </p:spPr>
+        <p:style>
+          <a:lnRef idx="2">
+            <a:schemeClr val="accent2">
+              <a:shade val="15000"/>
+            </a:schemeClr>
+          </a:lnRef>
+          <a:fillRef idx="1">
+            <a:schemeClr val="accent2"/>
+          </a:fillRef>
+          <a:effectRef idx="0">
+            <a:schemeClr val="accent2"/>
+          </a:effectRef>
+          <a:fontRef idx="minor">
+            <a:schemeClr val="lt1"/>
+          </a:fontRef>
+        </p:style>
+        <p:txBody>
+          <a:bodyPr rtlCol="0" anchor="ctr"/>
+          <a:lstStyle/>
+          <a:p>
+            <a:pPr algn="ctr"/>
+            <a:r>
+              <a:rPr lang="en-GB" dirty="0"/>
+              <a:t>SEND TO LLM</a:t>
+            </a:r>
+          </a:p>
+        </p:txBody>
+      </p:sp>
+      <p:sp>
+        <p:nvSpPr>
+          <p:cNvPr id="4" name="TextBox 3">
+            <a:extLst>
+              <a:ext uri="{FF2B5EF4-FFF2-40B4-BE49-F238E27FC236}">
+                <a16:creationId xmlns:a16="http://schemas.microsoft.com/office/drawing/2014/main" id="{CEEBC91C-E849-EA49-CE8F-957901306446}"/>
+              </a:ext>
+            </a:extLst>
+          </p:cNvPr>
+          <p:cNvSpPr txBox="1"/>
+          <p:nvPr/>
+        </p:nvSpPr>
+        <p:spPr>
+          <a:xfrm>
+            <a:off x="743164" y="3832693"/>
+            <a:ext cx="10705671" cy="1077218"/>
+          </a:xfrm>
+          <a:prstGeom prst="rect">
+            <a:avLst/>
+          </a:prstGeom>
+          <a:noFill/>
+        </p:spPr>
+        <p:txBody>
+          <a:bodyPr wrap="square" rtlCol="0">
+            <a:spAutoFit/>
+          </a:bodyPr>
+          <a:lstStyle/>
+          <a:p>
+            <a:r>
+              <a:rPr lang="en-GB" sz="3200" dirty="0"/>
+              <a:t>We change our QUERY_2 to carry out new instructions along with previous RESPONSE_1 to generate RESPONSE_2</a:t>
+            </a:r>
+          </a:p>
+        </p:txBody>
+      </p:sp>
+      <p:sp>
+        <p:nvSpPr>
+          <p:cNvPr id="6" name="TextBox 5">
+            <a:extLst>
+              <a:ext uri="{FF2B5EF4-FFF2-40B4-BE49-F238E27FC236}">
+                <a16:creationId xmlns:a16="http://schemas.microsoft.com/office/drawing/2014/main" id="{2D65243D-D41D-34A5-29E1-05E33B9EB31A}"/>
+              </a:ext>
+            </a:extLst>
+          </p:cNvPr>
+          <p:cNvSpPr txBox="1"/>
+          <p:nvPr/>
+        </p:nvSpPr>
+        <p:spPr>
+          <a:xfrm>
+            <a:off x="743164" y="5005941"/>
+            <a:ext cx="10705671" cy="1077218"/>
+          </a:xfrm>
+          <a:prstGeom prst="rect">
+            <a:avLst/>
+          </a:prstGeom>
+          <a:noFill/>
+        </p:spPr>
+        <p:txBody>
+          <a:bodyPr wrap="square" rtlCol="0">
+            <a:spAutoFit/>
+          </a:bodyPr>
+          <a:lstStyle/>
+          <a:p>
+            <a:r>
+              <a:rPr lang="en-GB" sz="3200" dirty="0"/>
+              <a:t>We can pass RESPONSE_1 to another Agent if we want to separate </a:t>
+            </a:r>
+            <a:r>
+              <a:rPr lang="en-GB" sz="3200"/>
+              <a:t>out functionality. </a:t>
+            </a:r>
+            <a:endParaRPr lang="en-GB" sz="3200" dirty="0"/>
+          </a:p>
+        </p:txBody>
+      </p:sp>
+    </p:spTree>
+    <p:extLst>
+      <p:ext uri="{BB962C8B-B14F-4D97-AF65-F5344CB8AC3E}">
+        <p14:creationId xmlns:p14="http://schemas.microsoft.com/office/powerpoint/2010/main" val="2549040586"/>
+      </p:ext>
+    </p:extLst>
+  </p:cSld>
+  <p:clrMapOvr>
+    <a:masterClrMapping/>
+  </p:clrMapOvr>
+</p:sld>
+</file>
+
+<file path=ppt/slides/slide5.xml><?xml version="1.0" encoding="utf-8"?>
+<p:sld xmlns:a="http://schemas.openxmlformats.org/drawingml/2006/main" xmlns:r="http://schemas.openxmlformats.org/officeDocument/2006/relationships" xmlns:p="http://schemas.openxmlformats.org/presentationml/2006/main">
+  <p:cSld>
+    <p:bg>
+      <p:bgPr>
+        <a:solidFill>
+          <a:schemeClr val="tx1">
+            <a:lumMod val="50000"/>
+            <a:lumOff val="50000"/>
+          </a:schemeClr>
+        </a:solidFill>
+        <a:effectLst/>
+      </p:bgPr>
+    </p:bg>
+    <p:spTree>
+      <p:nvGrpSpPr>
+        <p:cNvPr id="1" name="">
+          <a:extLst>
+            <a:ext uri="{FF2B5EF4-FFF2-40B4-BE49-F238E27FC236}">
               <a16:creationId xmlns:a16="http://schemas.microsoft.com/office/drawing/2014/main" id="{A8F116EA-3393-951A-B582-0AAB9C950A7C}"/>
             </a:ext>
           </a:extLst>
@@ -6002,7 +7668,7 @@
 </p:sld>
 </file>
 
-<file path=ppt/slides/slide5.xml><?xml version="1.0" encoding="utf-8"?>
+<file path=ppt/slides/slide6.xml><?xml version="1.0" encoding="utf-8"?>
 <p:sld xmlns:a="http://schemas.openxmlformats.org/drawingml/2006/main" xmlns:r="http://schemas.openxmlformats.org/officeDocument/2006/relationships" xmlns:p="http://schemas.openxmlformats.org/presentationml/2006/main">
   <p:cSld>
     <p:bg>
@@ -6227,7 +7893,7 @@
 </p:sld>
 </file>
 
-<file path=ppt/slides/slide6.xml><?xml version="1.0" encoding="utf-8"?>
+<file path=ppt/slides/slide7.xml><?xml version="1.0" encoding="utf-8"?>
 <p:sld xmlns:a="http://schemas.openxmlformats.org/drawingml/2006/main" xmlns:r="http://schemas.openxmlformats.org/officeDocument/2006/relationships" xmlns:p="http://schemas.openxmlformats.org/presentationml/2006/main">
   <p:cSld>
     <p:bg>
@@ -6621,7 +8287,7 @@
 </p:sld>
 </file>
 
-<file path=ppt/slides/slide7.xml><?xml version="1.0" encoding="utf-8"?>
+<file path=ppt/slides/slide8.xml><?xml version="1.0" encoding="utf-8"?>
 <p:sld xmlns:a="http://schemas.openxmlformats.org/drawingml/2006/main" xmlns:r="http://schemas.openxmlformats.org/officeDocument/2006/relationships" xmlns:p="http://schemas.openxmlformats.org/presentationml/2006/main">
   <p:cSld>
     <p:bg>
@@ -6819,7 +8485,7 @@
 </p:sld>
 </file>
 
-<file path=ppt/slides/slide8.xml><?xml version="1.0" encoding="utf-8"?>
+<file path=ppt/slides/slide9.xml><?xml version="1.0" encoding="utf-8"?>
 <p:sld xmlns:a="http://schemas.openxmlformats.org/drawingml/2006/main" xmlns:r="http://schemas.openxmlformats.org/officeDocument/2006/relationships" xmlns:p="http://schemas.openxmlformats.org/presentationml/2006/main">
   <p:cSld>
     <p:bg>
@@ -7178,177 +8844,6 @@
     <p:extLst>
       <p:ext uri="{BB962C8B-B14F-4D97-AF65-F5344CB8AC3E}">
         <p14:creationId xmlns:p14="http://schemas.microsoft.com/office/powerpoint/2010/main" val="3219126829"/>
-      </p:ext>
-    </p:extLst>
-  </p:cSld>
-  <p:clrMapOvr>
-    <a:masterClrMapping/>
-  </p:clrMapOvr>
-</p:sld>
-</file>
-
-<file path=ppt/slides/slide9.xml><?xml version="1.0" encoding="utf-8"?>
-<p:sld xmlns:a="http://schemas.openxmlformats.org/drawingml/2006/main" xmlns:r="http://schemas.openxmlformats.org/officeDocument/2006/relationships" xmlns:p="http://schemas.openxmlformats.org/presentationml/2006/main">
-  <p:cSld>
-    <p:bg>
-      <p:bgPr>
-        <a:solidFill>
-          <a:schemeClr val="tx1">
-            <a:lumMod val="50000"/>
-            <a:lumOff val="50000"/>
-          </a:schemeClr>
-        </a:solidFill>
-        <a:effectLst/>
-      </p:bgPr>
-    </p:bg>
-    <p:spTree>
-      <p:nvGrpSpPr>
-        <p:cNvPr id="1" name="">
-          <a:extLst>
-            <a:ext uri="{FF2B5EF4-FFF2-40B4-BE49-F238E27FC236}">
-              <a16:creationId xmlns:a16="http://schemas.microsoft.com/office/drawing/2014/main" id="{1FD3D352-6684-C517-2316-3F81A6F24CA4}"/>
-            </a:ext>
-          </a:extLst>
-        </p:cNvPr>
-        <p:cNvGrpSpPr/>
-        <p:nvPr/>
-      </p:nvGrpSpPr>
-      <p:grpSpPr>
-        <a:xfrm>
-          <a:off x="0" y="0"/>
-          <a:ext cx="0" cy="0"/>
-          <a:chOff x="0" y="0"/>
-          <a:chExt cx="0" cy="0"/>
-        </a:xfrm>
-      </p:grpSpPr>
-      <p:sp>
-        <p:nvSpPr>
-          <p:cNvPr id="2" name="Rectangle: Rounded Corners 1">
-            <a:extLst>
-              <a:ext uri="{FF2B5EF4-FFF2-40B4-BE49-F238E27FC236}">
-                <a16:creationId xmlns:a16="http://schemas.microsoft.com/office/drawing/2014/main" id="{7F1EC4F2-3D1D-444F-184B-805A7421CA17}"/>
-              </a:ext>
-            </a:extLst>
-          </p:cNvPr>
-          <p:cNvSpPr/>
-          <p:nvPr/>
-        </p:nvSpPr>
-        <p:spPr>
-          <a:xfrm>
-            <a:off x="923113" y="445889"/>
-            <a:ext cx="10345774" cy="801384"/>
-          </a:xfrm>
-          <a:prstGeom prst="roundRect">
-            <a:avLst/>
-          </a:prstGeom>
-        </p:spPr>
-        <p:style>
-          <a:lnRef idx="2">
-            <a:schemeClr val="accent2">
-              <a:shade val="15000"/>
-            </a:schemeClr>
-          </a:lnRef>
-          <a:fillRef idx="1">
-            <a:schemeClr val="accent2"/>
-          </a:fillRef>
-          <a:effectRef idx="0">
-            <a:schemeClr val="accent2"/>
-          </a:effectRef>
-          <a:fontRef idx="minor">
-            <a:schemeClr val="lt1"/>
-          </a:fontRef>
-        </p:style>
-        <p:txBody>
-          <a:bodyPr rtlCol="0" anchor="ctr"/>
-          <a:lstStyle/>
-          <a:p>
-            <a:pPr algn="ctr"/>
-            <a:r>
-              <a:rPr lang="en-GB" sz="5400" b="1" dirty="0"/>
-              <a:t>01 KEY TAKEWAYS</a:t>
-            </a:r>
-          </a:p>
-        </p:txBody>
-      </p:sp>
-      <p:sp>
-        <p:nvSpPr>
-          <p:cNvPr id="9" name="Rectangle: Rounded Corners 8">
-            <a:extLst>
-              <a:ext uri="{FF2B5EF4-FFF2-40B4-BE49-F238E27FC236}">
-                <a16:creationId xmlns:a16="http://schemas.microsoft.com/office/drawing/2014/main" id="{1289DB92-BA21-7572-0D2A-AF0FC7482A60}"/>
-              </a:ext>
-            </a:extLst>
-          </p:cNvPr>
-          <p:cNvSpPr/>
-          <p:nvPr/>
-        </p:nvSpPr>
-        <p:spPr>
-          <a:xfrm>
-            <a:off x="923112" y="1417314"/>
-            <a:ext cx="10345773" cy="4994797"/>
-          </a:xfrm>
-          <a:prstGeom prst="roundRect">
-            <a:avLst/>
-          </a:prstGeom>
-        </p:spPr>
-        <p:style>
-          <a:lnRef idx="2">
-            <a:schemeClr val="accent2">
-              <a:shade val="15000"/>
-            </a:schemeClr>
-          </a:lnRef>
-          <a:fillRef idx="1">
-            <a:schemeClr val="accent2"/>
-          </a:fillRef>
-          <a:effectRef idx="0">
-            <a:schemeClr val="accent2"/>
-          </a:effectRef>
-          <a:fontRef idx="minor">
-            <a:schemeClr val="lt1"/>
-          </a:fontRef>
-        </p:style>
-        <p:txBody>
-          <a:bodyPr rtlCol="0" anchor="ctr"/>
-          <a:lstStyle/>
-          <a:p>
-            <a:r>
-              <a:rPr lang="en-GB" sz="2800" b="1" dirty="0"/>
-              <a:t>   </a:t>
-            </a:r>
-          </a:p>
-          <a:p>
-            <a:r>
-              <a:rPr lang="en-GB" sz="2800" b="1" dirty="0"/>
-              <a:t>   # 1 There is just one endpoint/route.</a:t>
-            </a:r>
-          </a:p>
-          <a:p>
-            <a:endParaRPr lang="en-GB" sz="2800" b="1" dirty="0"/>
-          </a:p>
-          <a:p>
-            <a:r>
-              <a:rPr lang="en-GB" sz="2800" b="1" dirty="0"/>
-              <a:t>   # 2 It is STATELESS so we must pass all relevant data each time.</a:t>
-            </a:r>
-          </a:p>
-          <a:p>
-            <a:endParaRPr lang="en-GB" sz="2800" b="1" dirty="0"/>
-          </a:p>
-          <a:p>
-            <a:r>
-              <a:rPr lang="en-GB" sz="2800" b="1" dirty="0"/>
-              <a:t>   # 3 We pass messages in the form of SYSTEM messages and USER messages as OpenAI used this in their training set.</a:t>
-            </a:r>
-          </a:p>
-          <a:p>
-            <a:endParaRPr lang="en-GB" sz="2800" b="1" dirty="0"/>
-          </a:p>
-        </p:txBody>
-      </p:sp>
-    </p:spTree>
-    <p:extLst>
-      <p:ext uri="{BB962C8B-B14F-4D97-AF65-F5344CB8AC3E}">
-        <p14:creationId xmlns:p14="http://schemas.microsoft.com/office/powerpoint/2010/main" val="1264716455"/>
       </p:ext>
     </p:extLst>
   </p:cSld>
@@ -7671,4 +9166,319 @@
     </a:ext>
   </a:extLst>
 </a:theme>
+</file>
+
+<file path=ppt/theme/theme2.xml><?xml version="1.0" encoding="utf-8"?>
+<a:theme xmlns:a="http://schemas.openxmlformats.org/drawingml/2006/main" name="Office Theme">
+  <a:themeElements>
+    <a:clrScheme name="Office">
+      <a:dk1>
+        <a:sysClr val="windowText" lastClr="000000"/>
+      </a:dk1>
+      <a:lt1>
+        <a:sysClr val="window" lastClr="FFFFFF"/>
+      </a:lt1>
+      <a:dk2>
+        <a:srgbClr val="0E2841"/>
+      </a:dk2>
+      <a:lt2>
+        <a:srgbClr val="E8E8E8"/>
+      </a:lt2>
+      <a:accent1>
+        <a:srgbClr val="156082"/>
+      </a:accent1>
+      <a:accent2>
+        <a:srgbClr val="E97132"/>
+      </a:accent2>
+      <a:accent3>
+        <a:srgbClr val="196B24"/>
+      </a:accent3>
+      <a:accent4>
+        <a:srgbClr val="0F9ED5"/>
+      </a:accent4>
+      <a:accent5>
+        <a:srgbClr val="A02B93"/>
+      </a:accent5>
+      <a:accent6>
+        <a:srgbClr val="4EA72E"/>
+      </a:accent6>
+      <a:hlink>
+        <a:srgbClr val="467886"/>
+      </a:hlink>
+      <a:folHlink>
+        <a:srgbClr val="96607D"/>
+      </a:folHlink>
+    </a:clrScheme>
+    <a:fontScheme name="Office">
+      <a:majorFont>
+        <a:latin typeface="Aptos Display" panose="02110004020202020204"/>
+        <a:ea typeface=""/>
+        <a:cs typeface=""/>
+        <a:font script="Jpan" typeface="游ゴシック Light"/>
+        <a:font script="Hang" typeface="맑은 고딕"/>
+        <a:font script="Hans" typeface="等线 Light"/>
+        <a:font script="Hant" typeface="新細明體"/>
+        <a:font script="Arab" typeface="Times New Roman"/>
+        <a:font script="Hebr" typeface="Times New Roman"/>
+        <a:font script="Thai" typeface="Angsana New"/>
+        <a:font script="Ethi" typeface="Nyala"/>
+        <a:font script="Beng" typeface="Vrinda"/>
+        <a:font script="Gujr" typeface="Shruti"/>
+        <a:font script="Khmr" typeface="MoolBoran"/>
+        <a:font script="Knda" typeface="Tunga"/>
+        <a:font script="Guru" typeface="Raavi"/>
+        <a:font script="Cans" typeface="Euphemia"/>
+        <a:font script="Cher" typeface="Plantagenet Cherokee"/>
+        <a:font script="Yiii" typeface="Microsoft Yi Baiti"/>
+        <a:font script="Tibt" typeface="Microsoft Himalaya"/>
+        <a:font script="Thaa" typeface="MV Boli"/>
+        <a:font script="Deva" typeface="Mangal"/>
+        <a:font script="Telu" typeface="Gautami"/>
+        <a:font script="Taml" typeface="Latha"/>
+        <a:font script="Syrc" typeface="Estrangelo Edessa"/>
+        <a:font script="Orya" typeface="Kalinga"/>
+        <a:font script="Mlym" typeface="Kartika"/>
+        <a:font script="Laoo" typeface="DokChampa"/>
+        <a:font script="Sinh" typeface="Iskoola Pota"/>
+        <a:font script="Mong" typeface="Mongolian Baiti"/>
+        <a:font script="Viet" typeface="Times New Roman"/>
+        <a:font script="Uigh" typeface="Microsoft Uighur"/>
+        <a:font script="Geor" typeface="Sylfaen"/>
+        <a:font script="Armn" typeface="Arial"/>
+        <a:font script="Bugi" typeface="Leelawadee UI"/>
+        <a:font script="Bopo" typeface="Microsoft JhengHei"/>
+        <a:font script="Java" typeface="Javanese Text"/>
+        <a:font script="Lisu" typeface="Segoe UI"/>
+        <a:font script="Mymr" typeface="Myanmar Text"/>
+        <a:font script="Nkoo" typeface="Ebrima"/>
+        <a:font script="Olck" typeface="Nirmala UI"/>
+        <a:font script="Osma" typeface="Ebrima"/>
+        <a:font script="Phag" typeface="Phagspa"/>
+        <a:font script="Syrn" typeface="Estrangelo Edessa"/>
+        <a:font script="Syrj" typeface="Estrangelo Edessa"/>
+        <a:font script="Syre" typeface="Estrangelo Edessa"/>
+        <a:font script="Sora" typeface="Nirmala UI"/>
+        <a:font script="Tale" typeface="Microsoft Tai Le"/>
+        <a:font script="Talu" typeface="Microsoft New Tai Lue"/>
+        <a:font script="Tfng" typeface="Ebrima"/>
+      </a:majorFont>
+      <a:minorFont>
+        <a:latin typeface="Aptos" panose="02110004020202020204"/>
+        <a:ea typeface=""/>
+        <a:cs typeface=""/>
+        <a:font script="Jpan" typeface="游ゴシック"/>
+        <a:font script="Hang" typeface="맑은 고딕"/>
+        <a:font script="Hans" typeface="等线"/>
+        <a:font script="Hant" typeface="新細明體"/>
+        <a:font script="Arab" typeface="Arial"/>
+        <a:font script="Hebr" typeface="Arial"/>
+        <a:font script="Thai" typeface="Cordia New"/>
+        <a:font script="Ethi" typeface="Nyala"/>
+        <a:font script="Beng" typeface="Vrinda"/>
+        <a:font script="Gujr" typeface="Shruti"/>
+        <a:font script="Khmr" typeface="DaunPenh"/>
+        <a:font script="Knda" typeface="Tunga"/>
+        <a:font script="Guru" typeface="Raavi"/>
+        <a:font script="Cans" typeface="Euphemia"/>
+        <a:font script="Cher" typeface="Plantagenet Cherokee"/>
+        <a:font script="Yiii" typeface="Microsoft Yi Baiti"/>
+        <a:font script="Tibt" typeface="Microsoft Himalaya"/>
+        <a:font script="Thaa" typeface="MV Boli"/>
+        <a:font script="Deva" typeface="Mangal"/>
+        <a:font script="Telu" typeface="Gautami"/>
+        <a:font script="Taml" typeface="Latha"/>
+        <a:font script="Syrc" typeface="Estrangelo Edessa"/>
+        <a:font script="Orya" typeface="Kalinga"/>
+        <a:font script="Mlym" typeface="Kartika"/>
+        <a:font script="Laoo" typeface="DokChampa"/>
+        <a:font script="Sinh" typeface="Iskoola Pota"/>
+        <a:font script="Mong" typeface="Mongolian Baiti"/>
+        <a:font script="Viet" typeface="Arial"/>
+        <a:font script="Uigh" typeface="Microsoft Uighur"/>
+        <a:font script="Geor" typeface="Sylfaen"/>
+        <a:font script="Armn" typeface="Arial"/>
+        <a:font script="Bugi" typeface="Leelawadee UI"/>
+        <a:font script="Bopo" typeface="Microsoft JhengHei"/>
+        <a:font script="Java" typeface="Javanese Text"/>
+        <a:font script="Lisu" typeface="Segoe UI"/>
+        <a:font script="Mymr" typeface="Myanmar Text"/>
+        <a:font script="Nkoo" typeface="Ebrima"/>
+        <a:font script="Olck" typeface="Nirmala UI"/>
+        <a:font script="Osma" typeface="Ebrima"/>
+        <a:font script="Phag" typeface="Phagspa"/>
+        <a:font script="Syrn" typeface="Estrangelo Edessa"/>
+        <a:font script="Syrj" typeface="Estrangelo Edessa"/>
+        <a:font script="Syre" typeface="Estrangelo Edessa"/>
+        <a:font script="Sora" typeface="Nirmala UI"/>
+        <a:font script="Tale" typeface="Microsoft Tai Le"/>
+        <a:font script="Talu" typeface="Microsoft New Tai Lue"/>
+        <a:font script="Tfng" typeface="Ebrima"/>
+      </a:minorFont>
+    </a:fontScheme>
+    <a:fmtScheme name="Office">
+      <a:fillStyleLst>
+        <a:solidFill>
+          <a:schemeClr val="phClr"/>
+        </a:solidFill>
+        <a:gradFill rotWithShape="1">
+          <a:gsLst>
+            <a:gs pos="0">
+              <a:schemeClr val="phClr">
+                <a:lumMod val="110000"/>
+                <a:satMod val="105000"/>
+                <a:tint val="67000"/>
+              </a:schemeClr>
+            </a:gs>
+            <a:gs pos="50000">
+              <a:schemeClr val="phClr">
+                <a:lumMod val="105000"/>
+                <a:satMod val="103000"/>
+                <a:tint val="73000"/>
+              </a:schemeClr>
+            </a:gs>
+            <a:gs pos="100000">
+              <a:schemeClr val="phClr">
+                <a:lumMod val="105000"/>
+                <a:satMod val="109000"/>
+                <a:tint val="81000"/>
+              </a:schemeClr>
+            </a:gs>
+          </a:gsLst>
+          <a:lin ang="5400000" scaled="0"/>
+        </a:gradFill>
+        <a:gradFill rotWithShape="1">
+          <a:gsLst>
+            <a:gs pos="0">
+              <a:schemeClr val="phClr">
+                <a:satMod val="103000"/>
+                <a:lumMod val="102000"/>
+                <a:tint val="94000"/>
+              </a:schemeClr>
+            </a:gs>
+            <a:gs pos="50000">
+              <a:schemeClr val="phClr">
+                <a:satMod val="110000"/>
+                <a:lumMod val="100000"/>
+                <a:shade val="100000"/>
+              </a:schemeClr>
+            </a:gs>
+            <a:gs pos="100000">
+              <a:schemeClr val="phClr">
+                <a:lumMod val="99000"/>
+                <a:satMod val="120000"/>
+                <a:shade val="78000"/>
+              </a:schemeClr>
+            </a:gs>
+          </a:gsLst>
+          <a:lin ang="5400000" scaled="0"/>
+        </a:gradFill>
+      </a:fillStyleLst>
+      <a:lnStyleLst>
+        <a:ln w="12700" cap="flat" cmpd="sng" algn="ctr">
+          <a:solidFill>
+            <a:schemeClr val="phClr"/>
+          </a:solidFill>
+          <a:prstDash val="solid"/>
+          <a:miter lim="800000"/>
+        </a:ln>
+        <a:ln w="19050" cap="flat" cmpd="sng" algn="ctr">
+          <a:solidFill>
+            <a:schemeClr val="phClr"/>
+          </a:solidFill>
+          <a:prstDash val="solid"/>
+          <a:miter lim="800000"/>
+        </a:ln>
+        <a:ln w="25400" cap="flat" cmpd="sng" algn="ctr">
+          <a:solidFill>
+            <a:schemeClr val="phClr"/>
+          </a:solidFill>
+          <a:prstDash val="solid"/>
+          <a:miter lim="800000"/>
+        </a:ln>
+      </a:lnStyleLst>
+      <a:effectStyleLst>
+        <a:effectStyle>
+          <a:effectLst/>
+        </a:effectStyle>
+        <a:effectStyle>
+          <a:effectLst/>
+        </a:effectStyle>
+        <a:effectStyle>
+          <a:effectLst>
+            <a:outerShdw blurRad="57150" dist="19050" dir="5400000" algn="ctr" rotWithShape="0">
+              <a:srgbClr val="000000">
+                <a:alpha val="63000"/>
+              </a:srgbClr>
+            </a:outerShdw>
+          </a:effectLst>
+        </a:effectStyle>
+      </a:effectStyleLst>
+      <a:bgFillStyleLst>
+        <a:solidFill>
+          <a:schemeClr val="phClr"/>
+        </a:solidFill>
+        <a:solidFill>
+          <a:schemeClr val="phClr">
+            <a:tint val="95000"/>
+            <a:satMod val="170000"/>
+          </a:schemeClr>
+        </a:solidFill>
+        <a:gradFill rotWithShape="1">
+          <a:gsLst>
+            <a:gs pos="0">
+              <a:schemeClr val="phClr">
+                <a:tint val="93000"/>
+                <a:satMod val="150000"/>
+                <a:shade val="98000"/>
+                <a:lumMod val="102000"/>
+              </a:schemeClr>
+            </a:gs>
+            <a:gs pos="50000">
+              <a:schemeClr val="phClr">
+                <a:tint val="98000"/>
+                <a:satMod val="130000"/>
+                <a:shade val="90000"/>
+                <a:lumMod val="103000"/>
+              </a:schemeClr>
+            </a:gs>
+            <a:gs pos="100000">
+              <a:schemeClr val="phClr">
+                <a:shade val="63000"/>
+                <a:satMod val="120000"/>
+              </a:schemeClr>
+            </a:gs>
+          </a:gsLst>
+          <a:lin ang="5400000" scaled="0"/>
+        </a:gradFill>
+      </a:bgFillStyleLst>
+    </a:fmtScheme>
+  </a:themeElements>
+  <a:objectDefaults>
+    <a:lnDef>
+      <a:spPr/>
+      <a:bodyPr/>
+      <a:lstStyle/>
+      <a:style>
+        <a:lnRef idx="2">
+          <a:schemeClr val="accent1"/>
+        </a:lnRef>
+        <a:fillRef idx="0">
+          <a:schemeClr val="accent1"/>
+        </a:fillRef>
+        <a:effectRef idx="1">
+          <a:schemeClr val="accent1"/>
+        </a:effectRef>
+        <a:fontRef idx="minor">
+          <a:schemeClr val="tx1"/>
+        </a:fontRef>
+      </a:style>
+    </a:lnDef>
+  </a:objectDefaults>
+  <a:extraClrSchemeLst/>
+  <a:extLst>
+    <a:ext uri="{05A4C25C-085E-4340-85A3-A5531E510DB2}">
+      <thm15:themeFamily xmlns:thm15="http://schemas.microsoft.com/office/thememl/2012/main" name="Office Theme" id="{2E142A2C-CD16-42D6-873A-C26D2A0506FA}" vid="{1BDDFF52-6CD6-40A5-AB3C-68EB2F1E4D0A}"/>
+    </a:ext>
+  </a:extLst>
+</a:theme>
 </file>